--- a/docs/courseware/04_Spark/courseware.pptx
+++ b/docs/courseware/04_Spark/courseware.pptx
@@ -5,62 +5,59 @@
     <p:sldMasterId id="2147483660" r:id="rId1"/>
   </p:sldMasterIdLst>
   <p:notesMasterIdLst>
-    <p:notesMasterId r:id="rId38"/>
+    <p:notesMasterId r:id="rId35"/>
   </p:notesMasterIdLst>
   <p:handoutMasterIdLst>
-    <p:handoutMasterId r:id="rId39"/>
+    <p:handoutMasterId r:id="rId36"/>
   </p:handoutMasterIdLst>
   <p:sldIdLst>
     <p:sldId id="256" r:id="rId2"/>
     <p:sldId id="257" r:id="rId3"/>
-    <p:sldId id="264" r:id="rId4"/>
-    <p:sldId id="265" r:id="rId5"/>
-    <p:sldId id="289" r:id="rId6"/>
-    <p:sldId id="290" r:id="rId7"/>
-    <p:sldId id="288" r:id="rId8"/>
-    <p:sldId id="287" r:id="rId9"/>
-    <p:sldId id="291" r:id="rId10"/>
-    <p:sldId id="286" r:id="rId11"/>
-    <p:sldId id="285" r:id="rId12"/>
-    <p:sldId id="292" r:id="rId13"/>
-    <p:sldId id="259" r:id="rId14"/>
-    <p:sldId id="279" r:id="rId15"/>
-    <p:sldId id="269" r:id="rId16"/>
-    <p:sldId id="278" r:id="rId17"/>
-    <p:sldId id="277" r:id="rId18"/>
-    <p:sldId id="280" r:id="rId19"/>
-    <p:sldId id="276" r:id="rId20"/>
-    <p:sldId id="267" r:id="rId21"/>
-    <p:sldId id="268" r:id="rId22"/>
-    <p:sldId id="274" r:id="rId23"/>
-    <p:sldId id="261" r:id="rId24"/>
-    <p:sldId id="266" r:id="rId25"/>
-    <p:sldId id="270" r:id="rId26"/>
-    <p:sldId id="271" r:id="rId27"/>
-    <p:sldId id="272" r:id="rId28"/>
-    <p:sldId id="273" r:id="rId29"/>
-    <p:sldId id="262" r:id="rId30"/>
-    <p:sldId id="281" r:id="rId31"/>
-    <p:sldId id="282" r:id="rId32"/>
-    <p:sldId id="263" r:id="rId33"/>
-    <p:sldId id="275" r:id="rId34"/>
-    <p:sldId id="283" r:id="rId35"/>
-    <p:sldId id="284" r:id="rId36"/>
-    <p:sldId id="260" r:id="rId37"/>
+    <p:sldId id="290" r:id="rId4"/>
+    <p:sldId id="288" r:id="rId5"/>
+    <p:sldId id="287" r:id="rId6"/>
+    <p:sldId id="291" r:id="rId7"/>
+    <p:sldId id="286" r:id="rId8"/>
+    <p:sldId id="285" r:id="rId9"/>
+    <p:sldId id="292" r:id="rId10"/>
+    <p:sldId id="259" r:id="rId11"/>
+    <p:sldId id="279" r:id="rId12"/>
+    <p:sldId id="269" r:id="rId13"/>
+    <p:sldId id="278" r:id="rId14"/>
+    <p:sldId id="277" r:id="rId15"/>
+    <p:sldId id="280" r:id="rId16"/>
+    <p:sldId id="276" r:id="rId17"/>
+    <p:sldId id="267" r:id="rId18"/>
+    <p:sldId id="268" r:id="rId19"/>
+    <p:sldId id="274" r:id="rId20"/>
+    <p:sldId id="261" r:id="rId21"/>
+    <p:sldId id="266" r:id="rId22"/>
+    <p:sldId id="270" r:id="rId23"/>
+    <p:sldId id="271" r:id="rId24"/>
+    <p:sldId id="272" r:id="rId25"/>
+    <p:sldId id="273" r:id="rId26"/>
+    <p:sldId id="262" r:id="rId27"/>
+    <p:sldId id="281" r:id="rId28"/>
+    <p:sldId id="282" r:id="rId29"/>
+    <p:sldId id="263" r:id="rId30"/>
+    <p:sldId id="275" r:id="rId31"/>
+    <p:sldId id="283" r:id="rId32"/>
+    <p:sldId id="284" r:id="rId33"/>
+    <p:sldId id="260" r:id="rId34"/>
   </p:sldIdLst>
   <p:sldSz cx="9144000" cy="5143500" type="screen16x9"/>
   <p:notesSz cx="6858000" cy="9144000"/>
   <p:embeddedFontLst>
     <p:embeddedFont>
       <p:font typeface="Arial Unicode MS" panose="02010600030101010101" charset="-122"/>
-      <p:regular r:id="rId40"/>
+      <p:regular r:id="rId37"/>
     </p:embeddedFont>
     <p:embeddedFont>
       <p:font typeface="Calibri" panose="020F0502020204030204" pitchFamily="34" charset="0"/>
-      <p:regular r:id="rId41"/>
-      <p:bold r:id="rId42"/>
-      <p:italic r:id="rId43"/>
-      <p:boldItalic r:id="rId44"/>
+      <p:regular r:id="rId38"/>
+      <p:bold r:id="rId39"/>
+      <p:italic r:id="rId40"/>
+      <p:boldItalic r:id="rId41"/>
     </p:embeddedFont>
   </p:embeddedFontLst>
   <p:defaultTextStyle>
@@ -165,9 +162,6 @@
           <p14:sldIdLst>
             <p14:sldId id="256"/>
             <p14:sldId id="257"/>
-            <p14:sldId id="264"/>
-            <p14:sldId id="265"/>
-            <p14:sldId id="289"/>
             <p14:sldId id="290"/>
             <p14:sldId id="288"/>
             <p14:sldId id="287"/>
@@ -3669,630 +3663,6 @@
           <a:chExt cx="0" cy="0"/>
         </a:xfrm>
       </p:grpSpPr>
-      <p:sp>
-        <p:nvSpPr>
-          <p:cNvPr id="46" name="灯片编号占位符 45"/>
-          <p:cNvSpPr>
-            <a:spLocks noGrp="1"/>
-          </p:cNvSpPr>
-          <p:nvPr>
-            <p:ph type="sldNum" sz="quarter" idx="12"/>
-          </p:nvPr>
-        </p:nvSpPr>
-        <p:spPr/>
-        <p:txBody>
-          <a:bodyPr/>
-          <a:lstStyle/>
-          <a:p>
-            <a:fld id="{B67B34C1-29DF-48A7-B438-B832F2B2885C}" type="slidenum">
-              <a:rPr lang="zh-CN" altLang="en-US" smtClean="0"/>
-              <a:pPr/>
-              <a:t>10</a:t>
-            </a:fld>
-            <a:endParaRPr lang="zh-CN" altLang="en-US" dirty="0"/>
-          </a:p>
-        </p:txBody>
-      </p:sp>
-      <p:sp>
-        <p:nvSpPr>
-          <p:cNvPr id="25" name="矩形 24"/>
-          <p:cNvSpPr/>
-          <p:nvPr/>
-        </p:nvSpPr>
-        <p:spPr>
-          <a:xfrm>
-            <a:off x="283464" y="286512"/>
-            <a:ext cx="155448" cy="457200"/>
-          </a:xfrm>
-          <a:prstGeom prst="rect">
-            <a:avLst/>
-          </a:prstGeom>
-          <a:solidFill>
-            <a:srgbClr val="FC611F"/>
-          </a:solidFill>
-          <a:ln>
-            <a:noFill/>
-          </a:ln>
-        </p:spPr>
-        <p:style>
-          <a:lnRef idx="2">
-            <a:schemeClr val="accent1">
-              <a:shade val="50000"/>
-            </a:schemeClr>
-          </a:lnRef>
-          <a:fillRef idx="1">
-            <a:schemeClr val="accent1"/>
-          </a:fillRef>
-          <a:effectRef idx="0">
-            <a:schemeClr val="accent1"/>
-          </a:effectRef>
-          <a:fontRef idx="minor">
-            <a:schemeClr val="lt1"/>
-          </a:fontRef>
-        </p:style>
-        <p:txBody>
-          <a:bodyPr rtlCol="0" anchor="ctr"/>
-          <a:lstStyle/>
-          <a:p>
-            <a:pPr algn="ctr"/>
-            <a:endParaRPr lang="zh-CN" altLang="en-US"/>
-          </a:p>
-        </p:txBody>
-      </p:sp>
-      <p:cxnSp>
-        <p:nvCxnSpPr>
-          <p:cNvPr id="26" name="直接连接符 25"/>
-          <p:cNvCxnSpPr/>
-          <p:nvPr/>
-        </p:nvCxnSpPr>
-        <p:spPr>
-          <a:xfrm>
-            <a:off x="502920" y="286512"/>
-            <a:ext cx="0" cy="457200"/>
-          </a:xfrm>
-          <a:prstGeom prst="line">
-            <a:avLst/>
-          </a:prstGeom>
-          <a:ln w="38100">
-            <a:solidFill>
-              <a:srgbClr val="FC611F"/>
-            </a:solidFill>
-          </a:ln>
-        </p:spPr>
-        <p:style>
-          <a:lnRef idx="1">
-            <a:schemeClr val="accent1"/>
-          </a:lnRef>
-          <a:fillRef idx="0">
-            <a:schemeClr val="accent1"/>
-          </a:fillRef>
-          <a:effectRef idx="0">
-            <a:schemeClr val="accent1"/>
-          </a:effectRef>
-          <a:fontRef idx="minor">
-            <a:schemeClr val="tx1"/>
-          </a:fontRef>
-        </p:style>
-      </p:cxnSp>
-      <p:sp>
-        <p:nvSpPr>
-          <p:cNvPr id="27" name="矩形 26"/>
-          <p:cNvSpPr/>
-          <p:nvPr/>
-        </p:nvSpPr>
-        <p:spPr>
-          <a:xfrm>
-            <a:off x="510667" y="203552"/>
-            <a:ext cx="1027845" cy="400110"/>
-          </a:xfrm>
-          <a:prstGeom prst="rect">
-            <a:avLst/>
-          </a:prstGeom>
-        </p:spPr>
-        <p:txBody>
-          <a:bodyPr wrap="none">
-            <a:spAutoFit/>
-          </a:bodyPr>
-          <a:lstStyle/>
-          <a:p>
-            <a:pPr algn="ctr"/>
-            <a:r>
-              <a:rPr lang="en-US" altLang="zh-CN" sz="2000" b="1" dirty="0" smtClean="0">
-                <a:solidFill>
-                  <a:srgbClr val="FC611F"/>
-                </a:solidFill>
-                <a:latin typeface="Arial Unicode MS" panose="020B0604020202020204" pitchFamily="34" charset="-122"/>
-                <a:ea typeface="Arial Unicode MS" panose="020B0604020202020204" pitchFamily="34" charset="-122"/>
-                <a:cs typeface="Arial Unicode MS" panose="020B0604020202020204" pitchFamily="34" charset="-122"/>
-              </a:rPr>
-              <a:t>Review</a:t>
-            </a:r>
-          </a:p>
-        </p:txBody>
-      </p:sp>
-      <p:pic>
-        <p:nvPicPr>
-          <p:cNvPr id="2" name="Picture 1"/>
-          <p:cNvPicPr>
-            <a:picLocks noChangeAspect="1"/>
-          </p:cNvPicPr>
-          <p:nvPr/>
-        </p:nvPicPr>
-        <p:blipFill>
-          <a:blip r:embed="rId2">
-            <a:extLst>
-              <a:ext uri="{28A0092B-C50C-407E-A947-70E740481C1C}">
-                <a14:useLocalDpi xmlns:a14="http://schemas.microsoft.com/office/drawing/2010/main" val="0"/>
-              </a:ext>
-            </a:extLst>
-          </a:blip>
-          <a:stretch>
-            <a:fillRect/>
-          </a:stretch>
-        </p:blipFill>
-        <p:spPr>
-          <a:xfrm>
-            <a:off x="1546258" y="536307"/>
-            <a:ext cx="5614374" cy="4270763"/>
-          </a:xfrm>
-          <a:prstGeom prst="rect">
-            <a:avLst/>
-          </a:prstGeom>
-        </p:spPr>
-      </p:pic>
-    </p:spTree>
-    <p:extLst>
-      <p:ext uri="{BB962C8B-B14F-4D97-AF65-F5344CB8AC3E}">
-        <p14:creationId xmlns:p14="http://schemas.microsoft.com/office/powerpoint/2010/main" val="2170068530"/>
-      </p:ext>
-    </p:extLst>
-  </p:cSld>
-  <p:clrMapOvr>
-    <a:masterClrMapping/>
-  </p:clrMapOvr>
-  <p:timing>
-    <p:tnLst>
-      <p:par>
-        <p:cTn id="1" dur="indefinite" restart="never" nodeType="tmRoot"/>
-      </p:par>
-    </p:tnLst>
-  </p:timing>
-</p:sld>
-</file>
-
-<file path=ppt/slides/slide11.xml><?xml version="1.0" encoding="utf-8"?>
-<p:sld xmlns:a="http://schemas.openxmlformats.org/drawingml/2006/main" xmlns:r="http://schemas.openxmlformats.org/officeDocument/2006/relationships" xmlns:p="http://schemas.openxmlformats.org/presentationml/2006/main">
-  <p:cSld>
-    <p:spTree>
-      <p:nvGrpSpPr>
-        <p:cNvPr id="1" name=""/>
-        <p:cNvGrpSpPr/>
-        <p:nvPr/>
-      </p:nvGrpSpPr>
-      <p:grpSpPr>
-        <a:xfrm>
-          <a:off x="0" y="0"/>
-          <a:ext cx="0" cy="0"/>
-          <a:chOff x="0" y="0"/>
-          <a:chExt cx="0" cy="0"/>
-        </a:xfrm>
-      </p:grpSpPr>
-      <p:sp>
-        <p:nvSpPr>
-          <p:cNvPr id="46" name="灯片编号占位符 45"/>
-          <p:cNvSpPr>
-            <a:spLocks noGrp="1"/>
-          </p:cNvSpPr>
-          <p:nvPr>
-            <p:ph type="sldNum" sz="quarter" idx="12"/>
-          </p:nvPr>
-        </p:nvSpPr>
-        <p:spPr/>
-        <p:txBody>
-          <a:bodyPr/>
-          <a:lstStyle/>
-          <a:p>
-            <a:fld id="{B67B34C1-29DF-48A7-B438-B832F2B2885C}" type="slidenum">
-              <a:rPr lang="zh-CN" altLang="en-US" smtClean="0"/>
-              <a:pPr/>
-              <a:t>11</a:t>
-            </a:fld>
-            <a:endParaRPr lang="zh-CN" altLang="en-US" dirty="0"/>
-          </a:p>
-        </p:txBody>
-      </p:sp>
-      <p:sp>
-        <p:nvSpPr>
-          <p:cNvPr id="25" name="矩形 24"/>
-          <p:cNvSpPr/>
-          <p:nvPr/>
-        </p:nvSpPr>
-        <p:spPr>
-          <a:xfrm>
-            <a:off x="283464" y="286512"/>
-            <a:ext cx="155448" cy="457200"/>
-          </a:xfrm>
-          <a:prstGeom prst="rect">
-            <a:avLst/>
-          </a:prstGeom>
-          <a:solidFill>
-            <a:srgbClr val="FC611F"/>
-          </a:solidFill>
-          <a:ln>
-            <a:noFill/>
-          </a:ln>
-        </p:spPr>
-        <p:style>
-          <a:lnRef idx="2">
-            <a:schemeClr val="accent1">
-              <a:shade val="50000"/>
-            </a:schemeClr>
-          </a:lnRef>
-          <a:fillRef idx="1">
-            <a:schemeClr val="accent1"/>
-          </a:fillRef>
-          <a:effectRef idx="0">
-            <a:schemeClr val="accent1"/>
-          </a:effectRef>
-          <a:fontRef idx="minor">
-            <a:schemeClr val="lt1"/>
-          </a:fontRef>
-        </p:style>
-        <p:txBody>
-          <a:bodyPr rtlCol="0" anchor="ctr"/>
-          <a:lstStyle/>
-          <a:p>
-            <a:pPr algn="ctr"/>
-            <a:endParaRPr lang="zh-CN" altLang="en-US"/>
-          </a:p>
-        </p:txBody>
-      </p:sp>
-      <p:cxnSp>
-        <p:nvCxnSpPr>
-          <p:cNvPr id="26" name="直接连接符 25"/>
-          <p:cNvCxnSpPr/>
-          <p:nvPr/>
-        </p:nvCxnSpPr>
-        <p:spPr>
-          <a:xfrm>
-            <a:off x="502920" y="286512"/>
-            <a:ext cx="0" cy="457200"/>
-          </a:xfrm>
-          <a:prstGeom prst="line">
-            <a:avLst/>
-          </a:prstGeom>
-          <a:ln w="38100">
-            <a:solidFill>
-              <a:srgbClr val="FC611F"/>
-            </a:solidFill>
-          </a:ln>
-        </p:spPr>
-        <p:style>
-          <a:lnRef idx="1">
-            <a:schemeClr val="accent1"/>
-          </a:lnRef>
-          <a:fillRef idx="0">
-            <a:schemeClr val="accent1"/>
-          </a:fillRef>
-          <a:effectRef idx="0">
-            <a:schemeClr val="accent1"/>
-          </a:effectRef>
-          <a:fontRef idx="minor">
-            <a:schemeClr val="tx1"/>
-          </a:fontRef>
-        </p:style>
-      </p:cxnSp>
-      <p:sp>
-        <p:nvSpPr>
-          <p:cNvPr id="27" name="矩形 26"/>
-          <p:cNvSpPr/>
-          <p:nvPr/>
-        </p:nvSpPr>
-        <p:spPr>
-          <a:xfrm>
-            <a:off x="510667" y="203552"/>
-            <a:ext cx="1027845" cy="400110"/>
-          </a:xfrm>
-          <a:prstGeom prst="rect">
-            <a:avLst/>
-          </a:prstGeom>
-        </p:spPr>
-        <p:txBody>
-          <a:bodyPr wrap="none">
-            <a:spAutoFit/>
-          </a:bodyPr>
-          <a:lstStyle/>
-          <a:p>
-            <a:pPr algn="ctr"/>
-            <a:r>
-              <a:rPr lang="en-US" altLang="zh-CN" sz="2000" b="1" dirty="0" smtClean="0">
-                <a:solidFill>
-                  <a:srgbClr val="FC611F"/>
-                </a:solidFill>
-                <a:latin typeface="Arial Unicode MS" panose="020B0604020202020204" pitchFamily="34" charset="-122"/>
-                <a:ea typeface="Arial Unicode MS" panose="020B0604020202020204" pitchFamily="34" charset="-122"/>
-                <a:cs typeface="Arial Unicode MS" panose="020B0604020202020204" pitchFamily="34" charset="-122"/>
-              </a:rPr>
-              <a:t>Review</a:t>
-            </a:r>
-          </a:p>
-        </p:txBody>
-      </p:sp>
-      <p:pic>
-        <p:nvPicPr>
-          <p:cNvPr id="4" name="Picture 3"/>
-          <p:cNvPicPr>
-            <a:picLocks noChangeAspect="1"/>
-          </p:cNvPicPr>
-          <p:nvPr/>
-        </p:nvPicPr>
-        <p:blipFill>
-          <a:blip r:embed="rId2">
-            <a:extLst>
-              <a:ext uri="{28A0092B-C50C-407E-A947-70E740481C1C}">
-                <a14:useLocalDpi xmlns:a14="http://schemas.microsoft.com/office/drawing/2010/main" val="0"/>
-              </a:ext>
-            </a:extLst>
-          </a:blip>
-          <a:stretch>
-            <a:fillRect/>
-          </a:stretch>
-        </p:blipFill>
-        <p:spPr>
-          <a:xfrm>
-            <a:off x="1618938" y="743712"/>
-            <a:ext cx="6242977" cy="4159918"/>
-          </a:xfrm>
-          <a:prstGeom prst="rect">
-            <a:avLst/>
-          </a:prstGeom>
-        </p:spPr>
-      </p:pic>
-    </p:spTree>
-    <p:extLst>
-      <p:ext uri="{BB962C8B-B14F-4D97-AF65-F5344CB8AC3E}">
-        <p14:creationId xmlns:p14="http://schemas.microsoft.com/office/powerpoint/2010/main" val="4046044907"/>
-      </p:ext>
-    </p:extLst>
-  </p:cSld>
-  <p:clrMapOvr>
-    <a:masterClrMapping/>
-  </p:clrMapOvr>
-  <p:timing>
-    <p:tnLst>
-      <p:par>
-        <p:cTn id="1" dur="indefinite" restart="never" nodeType="tmRoot"/>
-      </p:par>
-    </p:tnLst>
-  </p:timing>
-</p:sld>
-</file>
-
-<file path=ppt/slides/slide12.xml><?xml version="1.0" encoding="utf-8"?>
-<p:sld xmlns:a="http://schemas.openxmlformats.org/drawingml/2006/main" xmlns:r="http://schemas.openxmlformats.org/officeDocument/2006/relationships" xmlns:p="http://schemas.openxmlformats.org/presentationml/2006/main">
-  <p:cSld>
-    <p:spTree>
-      <p:nvGrpSpPr>
-        <p:cNvPr id="1" name=""/>
-        <p:cNvGrpSpPr/>
-        <p:nvPr/>
-      </p:nvGrpSpPr>
-      <p:grpSpPr>
-        <a:xfrm>
-          <a:off x="0" y="0"/>
-          <a:ext cx="0" cy="0"/>
-          <a:chOff x="0" y="0"/>
-          <a:chExt cx="0" cy="0"/>
-        </a:xfrm>
-      </p:grpSpPr>
-      <p:sp>
-        <p:nvSpPr>
-          <p:cNvPr id="46" name="灯片编号占位符 45"/>
-          <p:cNvSpPr>
-            <a:spLocks noGrp="1"/>
-          </p:cNvSpPr>
-          <p:nvPr>
-            <p:ph type="sldNum" sz="quarter" idx="12"/>
-          </p:nvPr>
-        </p:nvSpPr>
-        <p:spPr/>
-        <p:txBody>
-          <a:bodyPr/>
-          <a:lstStyle/>
-          <a:p>
-            <a:fld id="{B67B34C1-29DF-48A7-B438-B832F2B2885C}" type="slidenum">
-              <a:rPr lang="zh-CN" altLang="en-US" smtClean="0"/>
-              <a:pPr/>
-              <a:t>12</a:t>
-            </a:fld>
-            <a:endParaRPr lang="zh-CN" altLang="en-US" dirty="0"/>
-          </a:p>
-        </p:txBody>
-      </p:sp>
-      <p:sp>
-        <p:nvSpPr>
-          <p:cNvPr id="25" name="矩形 24"/>
-          <p:cNvSpPr/>
-          <p:nvPr/>
-        </p:nvSpPr>
-        <p:spPr>
-          <a:xfrm>
-            <a:off x="283464" y="286512"/>
-            <a:ext cx="155448" cy="457200"/>
-          </a:xfrm>
-          <a:prstGeom prst="rect">
-            <a:avLst/>
-          </a:prstGeom>
-          <a:solidFill>
-            <a:srgbClr val="FC611F"/>
-          </a:solidFill>
-          <a:ln>
-            <a:noFill/>
-          </a:ln>
-        </p:spPr>
-        <p:style>
-          <a:lnRef idx="2">
-            <a:schemeClr val="accent1">
-              <a:shade val="50000"/>
-            </a:schemeClr>
-          </a:lnRef>
-          <a:fillRef idx="1">
-            <a:schemeClr val="accent1"/>
-          </a:fillRef>
-          <a:effectRef idx="0">
-            <a:schemeClr val="accent1"/>
-          </a:effectRef>
-          <a:fontRef idx="minor">
-            <a:schemeClr val="lt1"/>
-          </a:fontRef>
-        </p:style>
-        <p:txBody>
-          <a:bodyPr rtlCol="0" anchor="ctr"/>
-          <a:lstStyle/>
-          <a:p>
-            <a:pPr algn="ctr"/>
-            <a:endParaRPr lang="zh-CN" altLang="en-US"/>
-          </a:p>
-        </p:txBody>
-      </p:sp>
-      <p:cxnSp>
-        <p:nvCxnSpPr>
-          <p:cNvPr id="26" name="直接连接符 25"/>
-          <p:cNvCxnSpPr/>
-          <p:nvPr/>
-        </p:nvCxnSpPr>
-        <p:spPr>
-          <a:xfrm>
-            <a:off x="502920" y="286512"/>
-            <a:ext cx="0" cy="457200"/>
-          </a:xfrm>
-          <a:prstGeom prst="line">
-            <a:avLst/>
-          </a:prstGeom>
-          <a:ln w="38100">
-            <a:solidFill>
-              <a:srgbClr val="FC611F"/>
-            </a:solidFill>
-          </a:ln>
-        </p:spPr>
-        <p:style>
-          <a:lnRef idx="1">
-            <a:schemeClr val="accent1"/>
-          </a:lnRef>
-          <a:fillRef idx="0">
-            <a:schemeClr val="accent1"/>
-          </a:fillRef>
-          <a:effectRef idx="0">
-            <a:schemeClr val="accent1"/>
-          </a:effectRef>
-          <a:fontRef idx="minor">
-            <a:schemeClr val="tx1"/>
-          </a:fontRef>
-        </p:style>
-      </p:cxnSp>
-      <p:sp>
-        <p:nvSpPr>
-          <p:cNvPr id="27" name="矩形 26"/>
-          <p:cNvSpPr/>
-          <p:nvPr/>
-        </p:nvSpPr>
-        <p:spPr>
-          <a:xfrm>
-            <a:off x="510667" y="203552"/>
-            <a:ext cx="1027845" cy="400110"/>
-          </a:xfrm>
-          <a:prstGeom prst="rect">
-            <a:avLst/>
-          </a:prstGeom>
-        </p:spPr>
-        <p:txBody>
-          <a:bodyPr wrap="none">
-            <a:spAutoFit/>
-          </a:bodyPr>
-          <a:lstStyle/>
-          <a:p>
-            <a:pPr algn="ctr"/>
-            <a:r>
-              <a:rPr lang="en-US" altLang="zh-CN" sz="2000" b="1" dirty="0" smtClean="0">
-                <a:solidFill>
-                  <a:srgbClr val="FC611F"/>
-                </a:solidFill>
-                <a:latin typeface="Arial Unicode MS" panose="020B0604020202020204" pitchFamily="34" charset="-122"/>
-                <a:ea typeface="Arial Unicode MS" panose="020B0604020202020204" pitchFamily="34" charset="-122"/>
-                <a:cs typeface="Arial Unicode MS" panose="020B0604020202020204" pitchFamily="34" charset="-122"/>
-              </a:rPr>
-              <a:t>Review</a:t>
-            </a:r>
-          </a:p>
-        </p:txBody>
-      </p:sp>
-      <p:pic>
-        <p:nvPicPr>
-          <p:cNvPr id="3" name="Picture 2"/>
-          <p:cNvPicPr>
-            <a:picLocks noChangeAspect="1"/>
-          </p:cNvPicPr>
-          <p:nvPr/>
-        </p:nvPicPr>
-        <p:blipFill>
-          <a:blip r:embed="rId2">
-            <a:extLst>
-              <a:ext uri="{28A0092B-C50C-407E-A947-70E740481C1C}">
-                <a14:useLocalDpi xmlns:a14="http://schemas.microsoft.com/office/drawing/2010/main" val="0"/>
-              </a:ext>
-            </a:extLst>
-          </a:blip>
-          <a:stretch>
-            <a:fillRect/>
-          </a:stretch>
-        </p:blipFill>
-        <p:spPr>
-          <a:xfrm>
-            <a:off x="1226504" y="603662"/>
-            <a:ext cx="6148657" cy="4224933"/>
-          </a:xfrm>
-          <a:prstGeom prst="rect">
-            <a:avLst/>
-          </a:prstGeom>
-        </p:spPr>
-      </p:pic>
-    </p:spTree>
-    <p:extLst>
-      <p:ext uri="{BB962C8B-B14F-4D97-AF65-F5344CB8AC3E}">
-        <p14:creationId xmlns:p14="http://schemas.microsoft.com/office/powerpoint/2010/main" val="2993754326"/>
-      </p:ext>
-    </p:extLst>
-  </p:cSld>
-  <p:clrMapOvr>
-    <a:masterClrMapping/>
-  </p:clrMapOvr>
-  <p:timing>
-    <p:tnLst>
-      <p:par>
-        <p:cTn id="1" dur="indefinite" restart="never" nodeType="tmRoot"/>
-      </p:par>
-    </p:tnLst>
-  </p:timing>
-</p:sld>
-</file>
-
-<file path=ppt/slides/slide13.xml><?xml version="1.0" encoding="utf-8"?>
-<p:sld xmlns:a="http://schemas.openxmlformats.org/drawingml/2006/main" xmlns:r="http://schemas.openxmlformats.org/officeDocument/2006/relationships" xmlns:p="http://schemas.openxmlformats.org/presentationml/2006/main">
-  <p:cSld>
-    <p:spTree>
-      <p:nvGrpSpPr>
-        <p:cNvPr id="1" name=""/>
-        <p:cNvGrpSpPr/>
-        <p:nvPr/>
-      </p:nvGrpSpPr>
-      <p:grpSpPr>
-        <a:xfrm>
-          <a:off x="0" y="0"/>
-          <a:ext cx="0" cy="0"/>
-          <a:chOff x="0" y="0"/>
-          <a:chExt cx="0" cy="0"/>
-        </a:xfrm>
-      </p:grpSpPr>
       <p:grpSp>
         <p:nvGrpSpPr>
           <p:cNvPr id="32" name="组合 31"/>
@@ -5000,6 +4370,659 @@
 </p:sld>
 </file>
 
+<file path=ppt/slides/slide11.xml><?xml version="1.0" encoding="utf-8"?>
+<p:sld xmlns:a="http://schemas.openxmlformats.org/drawingml/2006/main" xmlns:r="http://schemas.openxmlformats.org/officeDocument/2006/relationships" xmlns:p="http://schemas.openxmlformats.org/presentationml/2006/main">
+  <p:cSld>
+    <p:spTree>
+      <p:nvGrpSpPr>
+        <p:cNvPr id="1" name=""/>
+        <p:cNvGrpSpPr/>
+        <p:nvPr/>
+      </p:nvGrpSpPr>
+      <p:grpSpPr>
+        <a:xfrm>
+          <a:off x="0" y="0"/>
+          <a:ext cx="0" cy="0"/>
+          <a:chOff x="0" y="0"/>
+          <a:chExt cx="0" cy="0"/>
+        </a:xfrm>
+      </p:grpSpPr>
+      <p:sp>
+        <p:nvSpPr>
+          <p:cNvPr id="46" name="灯片编号占位符 45"/>
+          <p:cNvSpPr>
+            <a:spLocks noGrp="1"/>
+          </p:cNvSpPr>
+          <p:nvPr>
+            <p:ph type="sldNum" sz="quarter" idx="12"/>
+          </p:nvPr>
+        </p:nvSpPr>
+        <p:spPr/>
+        <p:txBody>
+          <a:bodyPr/>
+          <a:lstStyle/>
+          <a:p>
+            <a:fld id="{B67B34C1-29DF-48A7-B438-B832F2B2885C}" type="slidenum">
+              <a:rPr lang="zh-CN" altLang="en-US" smtClean="0"/>
+              <a:pPr/>
+              <a:t>11</a:t>
+            </a:fld>
+            <a:endParaRPr lang="zh-CN" altLang="en-US" dirty="0"/>
+          </a:p>
+        </p:txBody>
+      </p:sp>
+      <p:sp>
+        <p:nvSpPr>
+          <p:cNvPr id="25" name="矩形 24"/>
+          <p:cNvSpPr/>
+          <p:nvPr/>
+        </p:nvSpPr>
+        <p:spPr>
+          <a:xfrm>
+            <a:off x="283464" y="286512"/>
+            <a:ext cx="155448" cy="457200"/>
+          </a:xfrm>
+          <a:prstGeom prst="rect">
+            <a:avLst/>
+          </a:prstGeom>
+          <a:solidFill>
+            <a:srgbClr val="FC611F"/>
+          </a:solidFill>
+          <a:ln>
+            <a:noFill/>
+          </a:ln>
+        </p:spPr>
+        <p:style>
+          <a:lnRef idx="2">
+            <a:schemeClr val="accent1">
+              <a:shade val="50000"/>
+            </a:schemeClr>
+          </a:lnRef>
+          <a:fillRef idx="1">
+            <a:schemeClr val="accent1"/>
+          </a:fillRef>
+          <a:effectRef idx="0">
+            <a:schemeClr val="accent1"/>
+          </a:effectRef>
+          <a:fontRef idx="minor">
+            <a:schemeClr val="lt1"/>
+          </a:fontRef>
+        </p:style>
+        <p:txBody>
+          <a:bodyPr rtlCol="0" anchor="ctr"/>
+          <a:lstStyle/>
+          <a:p>
+            <a:pPr algn="ctr"/>
+            <a:endParaRPr lang="zh-CN" altLang="en-US"/>
+          </a:p>
+        </p:txBody>
+      </p:sp>
+      <p:cxnSp>
+        <p:nvCxnSpPr>
+          <p:cNvPr id="26" name="直接连接符 25"/>
+          <p:cNvCxnSpPr/>
+          <p:nvPr/>
+        </p:nvCxnSpPr>
+        <p:spPr>
+          <a:xfrm>
+            <a:off x="502920" y="286512"/>
+            <a:ext cx="0" cy="457200"/>
+          </a:xfrm>
+          <a:prstGeom prst="line">
+            <a:avLst/>
+          </a:prstGeom>
+          <a:ln w="38100">
+            <a:solidFill>
+              <a:srgbClr val="FC611F"/>
+            </a:solidFill>
+          </a:ln>
+        </p:spPr>
+        <p:style>
+          <a:lnRef idx="1">
+            <a:schemeClr val="accent1"/>
+          </a:lnRef>
+          <a:fillRef idx="0">
+            <a:schemeClr val="accent1"/>
+          </a:fillRef>
+          <a:effectRef idx="0">
+            <a:schemeClr val="accent1"/>
+          </a:effectRef>
+          <a:fontRef idx="minor">
+            <a:schemeClr val="tx1"/>
+          </a:fontRef>
+        </p:style>
+      </p:cxnSp>
+      <p:sp>
+        <p:nvSpPr>
+          <p:cNvPr id="27" name="矩形 26"/>
+          <p:cNvSpPr/>
+          <p:nvPr/>
+        </p:nvSpPr>
+        <p:spPr>
+          <a:xfrm>
+            <a:off x="503396" y="196057"/>
+            <a:ext cx="697627" cy="400110"/>
+          </a:xfrm>
+          <a:prstGeom prst="rect">
+            <a:avLst/>
+          </a:prstGeom>
+        </p:spPr>
+        <p:txBody>
+          <a:bodyPr wrap="none">
+            <a:spAutoFit/>
+          </a:bodyPr>
+          <a:lstStyle/>
+          <a:p>
+            <a:pPr algn="ctr"/>
+            <a:r>
+              <a:rPr lang="en-US" altLang="zh-CN" sz="2000" b="1" dirty="0" smtClean="0">
+                <a:solidFill>
+                  <a:srgbClr val="FC611F"/>
+                </a:solidFill>
+                <a:latin typeface="Arial Unicode MS" panose="020B0604020202020204" pitchFamily="34" charset="-122"/>
+                <a:ea typeface="Arial Unicode MS" panose="020B0604020202020204" pitchFamily="34" charset="-122"/>
+                <a:cs typeface="Arial Unicode MS" panose="020B0604020202020204" pitchFamily="34" charset="-122"/>
+              </a:rPr>
+              <a:t>JVM</a:t>
+            </a:r>
+          </a:p>
+        </p:txBody>
+      </p:sp>
+      <p:pic>
+        <p:nvPicPr>
+          <p:cNvPr id="2" name="Picture 1"/>
+          <p:cNvPicPr>
+            <a:picLocks noChangeAspect="1"/>
+          </p:cNvPicPr>
+          <p:nvPr/>
+        </p:nvPicPr>
+        <p:blipFill>
+          <a:blip r:embed="rId2">
+            <a:extLst>
+              <a:ext uri="{28A0092B-C50C-407E-A947-70E740481C1C}">
+                <a14:useLocalDpi xmlns:a14="http://schemas.microsoft.com/office/drawing/2010/main" val="0"/>
+              </a:ext>
+            </a:extLst>
+          </a:blip>
+          <a:stretch>
+            <a:fillRect/>
+          </a:stretch>
+        </p:blipFill>
+        <p:spPr>
+          <a:xfrm>
+            <a:off x="361188" y="1003091"/>
+            <a:ext cx="8265985" cy="3786265"/>
+          </a:xfrm>
+          <a:prstGeom prst="rect">
+            <a:avLst/>
+          </a:prstGeom>
+        </p:spPr>
+      </p:pic>
+    </p:spTree>
+    <p:extLst>
+      <p:ext uri="{BB962C8B-B14F-4D97-AF65-F5344CB8AC3E}">
+        <p14:creationId xmlns:p14="http://schemas.microsoft.com/office/powerpoint/2010/main" val="311613258"/>
+      </p:ext>
+    </p:extLst>
+  </p:cSld>
+  <p:clrMapOvr>
+    <a:masterClrMapping/>
+  </p:clrMapOvr>
+  <p:timing>
+    <p:tnLst>
+      <p:par>
+        <p:cTn id="1" dur="indefinite" restart="never" nodeType="tmRoot"/>
+      </p:par>
+    </p:tnLst>
+  </p:timing>
+</p:sld>
+</file>
+
+<file path=ppt/slides/slide12.xml><?xml version="1.0" encoding="utf-8"?>
+<p:sld xmlns:a="http://schemas.openxmlformats.org/drawingml/2006/main" xmlns:r="http://schemas.openxmlformats.org/officeDocument/2006/relationships" xmlns:p="http://schemas.openxmlformats.org/presentationml/2006/main">
+  <p:cSld>
+    <p:spTree>
+      <p:nvGrpSpPr>
+        <p:cNvPr id="1" name=""/>
+        <p:cNvGrpSpPr/>
+        <p:nvPr/>
+      </p:nvGrpSpPr>
+      <p:grpSpPr>
+        <a:xfrm>
+          <a:off x="0" y="0"/>
+          <a:ext cx="0" cy="0"/>
+          <a:chOff x="0" y="0"/>
+          <a:chExt cx="0" cy="0"/>
+        </a:xfrm>
+      </p:grpSpPr>
+      <p:sp>
+        <p:nvSpPr>
+          <p:cNvPr id="46" name="灯片编号占位符 45"/>
+          <p:cNvSpPr>
+            <a:spLocks noGrp="1"/>
+          </p:cNvSpPr>
+          <p:nvPr>
+            <p:ph type="sldNum" sz="quarter" idx="12"/>
+          </p:nvPr>
+        </p:nvSpPr>
+        <p:spPr/>
+        <p:txBody>
+          <a:bodyPr/>
+          <a:lstStyle/>
+          <a:p>
+            <a:fld id="{B67B34C1-29DF-48A7-B438-B832F2B2885C}" type="slidenum">
+              <a:rPr lang="zh-CN" altLang="en-US" smtClean="0"/>
+              <a:pPr/>
+              <a:t>12</a:t>
+            </a:fld>
+            <a:endParaRPr lang="zh-CN" altLang="en-US" dirty="0"/>
+          </a:p>
+        </p:txBody>
+      </p:sp>
+      <p:sp>
+        <p:nvSpPr>
+          <p:cNvPr id="25" name="矩形 24"/>
+          <p:cNvSpPr/>
+          <p:nvPr/>
+        </p:nvSpPr>
+        <p:spPr>
+          <a:xfrm>
+            <a:off x="283464" y="286512"/>
+            <a:ext cx="155448" cy="457200"/>
+          </a:xfrm>
+          <a:prstGeom prst="rect">
+            <a:avLst/>
+          </a:prstGeom>
+          <a:solidFill>
+            <a:srgbClr val="FC611F"/>
+          </a:solidFill>
+          <a:ln>
+            <a:noFill/>
+          </a:ln>
+        </p:spPr>
+        <p:style>
+          <a:lnRef idx="2">
+            <a:schemeClr val="accent1">
+              <a:shade val="50000"/>
+            </a:schemeClr>
+          </a:lnRef>
+          <a:fillRef idx="1">
+            <a:schemeClr val="accent1"/>
+          </a:fillRef>
+          <a:effectRef idx="0">
+            <a:schemeClr val="accent1"/>
+          </a:effectRef>
+          <a:fontRef idx="minor">
+            <a:schemeClr val="lt1"/>
+          </a:fontRef>
+        </p:style>
+        <p:txBody>
+          <a:bodyPr rtlCol="0" anchor="ctr"/>
+          <a:lstStyle/>
+          <a:p>
+            <a:pPr algn="ctr"/>
+            <a:endParaRPr lang="zh-CN" altLang="en-US"/>
+          </a:p>
+        </p:txBody>
+      </p:sp>
+      <p:cxnSp>
+        <p:nvCxnSpPr>
+          <p:cNvPr id="26" name="直接连接符 25"/>
+          <p:cNvCxnSpPr/>
+          <p:nvPr/>
+        </p:nvCxnSpPr>
+        <p:spPr>
+          <a:xfrm>
+            <a:off x="502920" y="286512"/>
+            <a:ext cx="0" cy="457200"/>
+          </a:xfrm>
+          <a:prstGeom prst="line">
+            <a:avLst/>
+          </a:prstGeom>
+          <a:ln w="38100">
+            <a:solidFill>
+              <a:srgbClr val="FC611F"/>
+            </a:solidFill>
+          </a:ln>
+        </p:spPr>
+        <p:style>
+          <a:lnRef idx="1">
+            <a:schemeClr val="accent1"/>
+          </a:lnRef>
+          <a:fillRef idx="0">
+            <a:schemeClr val="accent1"/>
+          </a:fillRef>
+          <a:effectRef idx="0">
+            <a:schemeClr val="accent1"/>
+          </a:effectRef>
+          <a:fontRef idx="minor">
+            <a:schemeClr val="tx1"/>
+          </a:fontRef>
+        </p:style>
+      </p:cxnSp>
+      <p:sp>
+        <p:nvSpPr>
+          <p:cNvPr id="27" name="矩形 26"/>
+          <p:cNvSpPr/>
+          <p:nvPr/>
+        </p:nvSpPr>
+        <p:spPr>
+          <a:xfrm>
+            <a:off x="510128" y="196057"/>
+            <a:ext cx="1298753" cy="400110"/>
+          </a:xfrm>
+          <a:prstGeom prst="rect">
+            <a:avLst/>
+          </a:prstGeom>
+        </p:spPr>
+        <p:txBody>
+          <a:bodyPr wrap="none">
+            <a:spAutoFit/>
+          </a:bodyPr>
+          <a:lstStyle/>
+          <a:p>
+            <a:pPr algn="ctr"/>
+            <a:r>
+              <a:rPr lang="en-US" altLang="zh-CN" sz="2000" b="1" dirty="0" smtClean="0">
+                <a:solidFill>
+                  <a:srgbClr val="FC611F"/>
+                </a:solidFill>
+                <a:latin typeface="Arial Unicode MS" panose="020B0604020202020204" pitchFamily="34" charset="-122"/>
+                <a:ea typeface="Arial Unicode MS" panose="020B0604020202020204" pitchFamily="34" charset="-122"/>
+                <a:cs typeface="Arial Unicode MS" panose="020B0604020202020204" pitchFamily="34" charset="-122"/>
+              </a:rPr>
+              <a:t>Big Three</a:t>
+            </a:r>
+          </a:p>
+        </p:txBody>
+      </p:sp>
+      <p:pic>
+        <p:nvPicPr>
+          <p:cNvPr id="3" name="Picture 2"/>
+          <p:cNvPicPr>
+            <a:picLocks noChangeAspect="1"/>
+          </p:cNvPicPr>
+          <p:nvPr/>
+        </p:nvPicPr>
+        <p:blipFill>
+          <a:blip r:embed="rId2">
+            <a:extLst>
+              <a:ext uri="{28A0092B-C50C-407E-A947-70E740481C1C}">
+                <a14:useLocalDpi xmlns:a14="http://schemas.microsoft.com/office/drawing/2010/main" val="0"/>
+              </a:ext>
+            </a:extLst>
+          </a:blip>
+          <a:stretch>
+            <a:fillRect/>
+          </a:stretch>
+        </p:blipFill>
+        <p:spPr>
+          <a:xfrm>
+            <a:off x="283465" y="923594"/>
+            <a:ext cx="4519660" cy="3543475"/>
+          </a:xfrm>
+          <a:prstGeom prst="rect">
+            <a:avLst/>
+          </a:prstGeom>
+        </p:spPr>
+      </p:pic>
+      <p:pic>
+        <p:nvPicPr>
+          <p:cNvPr id="5" name="Picture 4"/>
+          <p:cNvPicPr>
+            <a:picLocks noChangeAspect="1"/>
+          </p:cNvPicPr>
+          <p:nvPr/>
+        </p:nvPicPr>
+        <p:blipFill>
+          <a:blip r:embed="rId3">
+            <a:extLst>
+              <a:ext uri="{28A0092B-C50C-407E-A947-70E740481C1C}">
+                <a14:useLocalDpi xmlns:a14="http://schemas.microsoft.com/office/drawing/2010/main" val="0"/>
+              </a:ext>
+            </a:extLst>
+          </a:blip>
+          <a:stretch>
+            <a:fillRect/>
+          </a:stretch>
+        </p:blipFill>
+        <p:spPr>
+          <a:xfrm>
+            <a:off x="4172433" y="923594"/>
+            <a:ext cx="4719701" cy="3543475"/>
+          </a:xfrm>
+          <a:prstGeom prst="rect">
+            <a:avLst/>
+          </a:prstGeom>
+        </p:spPr>
+      </p:pic>
+    </p:spTree>
+    <p:extLst>
+      <p:ext uri="{BB962C8B-B14F-4D97-AF65-F5344CB8AC3E}">
+        <p14:creationId xmlns:p14="http://schemas.microsoft.com/office/powerpoint/2010/main" val="346479132"/>
+      </p:ext>
+    </p:extLst>
+  </p:cSld>
+  <p:clrMapOvr>
+    <a:masterClrMapping/>
+  </p:clrMapOvr>
+  <p:timing>
+    <p:tnLst>
+      <p:par>
+        <p:cTn id="1" dur="indefinite" restart="never" nodeType="tmRoot"/>
+      </p:par>
+    </p:tnLst>
+  </p:timing>
+</p:sld>
+</file>
+
+<file path=ppt/slides/slide13.xml><?xml version="1.0" encoding="utf-8"?>
+<p:sld xmlns:a="http://schemas.openxmlformats.org/drawingml/2006/main" xmlns:r="http://schemas.openxmlformats.org/officeDocument/2006/relationships" xmlns:p="http://schemas.openxmlformats.org/presentationml/2006/main">
+  <p:cSld>
+    <p:spTree>
+      <p:nvGrpSpPr>
+        <p:cNvPr id="1" name=""/>
+        <p:cNvGrpSpPr/>
+        <p:nvPr/>
+      </p:nvGrpSpPr>
+      <p:grpSpPr>
+        <a:xfrm>
+          <a:off x="0" y="0"/>
+          <a:ext cx="0" cy="0"/>
+          <a:chOff x="0" y="0"/>
+          <a:chExt cx="0" cy="0"/>
+        </a:xfrm>
+      </p:grpSpPr>
+      <p:sp>
+        <p:nvSpPr>
+          <p:cNvPr id="46" name="灯片编号占位符 45"/>
+          <p:cNvSpPr>
+            <a:spLocks noGrp="1"/>
+          </p:cNvSpPr>
+          <p:nvPr>
+            <p:ph type="sldNum" sz="quarter" idx="12"/>
+          </p:nvPr>
+        </p:nvSpPr>
+        <p:spPr/>
+        <p:txBody>
+          <a:bodyPr/>
+          <a:lstStyle/>
+          <a:p>
+            <a:fld id="{B67B34C1-29DF-48A7-B438-B832F2B2885C}" type="slidenum">
+              <a:rPr lang="zh-CN" altLang="en-US" smtClean="0"/>
+              <a:pPr/>
+              <a:t>13</a:t>
+            </a:fld>
+            <a:endParaRPr lang="zh-CN" altLang="en-US" dirty="0"/>
+          </a:p>
+        </p:txBody>
+      </p:sp>
+      <p:sp>
+        <p:nvSpPr>
+          <p:cNvPr id="25" name="矩形 24"/>
+          <p:cNvSpPr/>
+          <p:nvPr/>
+        </p:nvSpPr>
+        <p:spPr>
+          <a:xfrm>
+            <a:off x="283464" y="286512"/>
+            <a:ext cx="155448" cy="457200"/>
+          </a:xfrm>
+          <a:prstGeom prst="rect">
+            <a:avLst/>
+          </a:prstGeom>
+          <a:solidFill>
+            <a:srgbClr val="FC611F"/>
+          </a:solidFill>
+          <a:ln>
+            <a:noFill/>
+          </a:ln>
+        </p:spPr>
+        <p:style>
+          <a:lnRef idx="2">
+            <a:schemeClr val="accent1">
+              <a:shade val="50000"/>
+            </a:schemeClr>
+          </a:lnRef>
+          <a:fillRef idx="1">
+            <a:schemeClr val="accent1"/>
+          </a:fillRef>
+          <a:effectRef idx="0">
+            <a:schemeClr val="accent1"/>
+          </a:effectRef>
+          <a:fontRef idx="minor">
+            <a:schemeClr val="lt1"/>
+          </a:fontRef>
+        </p:style>
+        <p:txBody>
+          <a:bodyPr rtlCol="0" anchor="ctr"/>
+          <a:lstStyle/>
+          <a:p>
+            <a:pPr algn="ctr"/>
+            <a:endParaRPr lang="zh-CN" altLang="en-US"/>
+          </a:p>
+        </p:txBody>
+      </p:sp>
+      <p:cxnSp>
+        <p:nvCxnSpPr>
+          <p:cNvPr id="26" name="直接连接符 25"/>
+          <p:cNvCxnSpPr/>
+          <p:nvPr/>
+        </p:nvCxnSpPr>
+        <p:spPr>
+          <a:xfrm>
+            <a:off x="502920" y="286512"/>
+            <a:ext cx="0" cy="457200"/>
+          </a:xfrm>
+          <a:prstGeom prst="line">
+            <a:avLst/>
+          </a:prstGeom>
+          <a:ln w="38100">
+            <a:solidFill>
+              <a:srgbClr val="FC611F"/>
+            </a:solidFill>
+          </a:ln>
+        </p:spPr>
+        <p:style>
+          <a:lnRef idx="1">
+            <a:schemeClr val="accent1"/>
+          </a:lnRef>
+          <a:fillRef idx="0">
+            <a:schemeClr val="accent1"/>
+          </a:fillRef>
+          <a:effectRef idx="0">
+            <a:schemeClr val="accent1"/>
+          </a:effectRef>
+          <a:fontRef idx="minor">
+            <a:schemeClr val="tx1"/>
+          </a:fontRef>
+        </p:style>
+      </p:cxnSp>
+      <p:sp>
+        <p:nvSpPr>
+          <p:cNvPr id="27" name="矩形 26"/>
+          <p:cNvSpPr/>
+          <p:nvPr/>
+        </p:nvSpPr>
+        <p:spPr>
+          <a:xfrm>
+            <a:off x="490938" y="196057"/>
+            <a:ext cx="827470" cy="400110"/>
+          </a:xfrm>
+          <a:prstGeom prst="rect">
+            <a:avLst/>
+          </a:prstGeom>
+        </p:spPr>
+        <p:txBody>
+          <a:bodyPr wrap="none">
+            <a:spAutoFit/>
+          </a:bodyPr>
+          <a:lstStyle/>
+          <a:p>
+            <a:pPr algn="ctr"/>
+            <a:r>
+              <a:rPr lang="en-US" altLang="zh-CN" sz="2000" b="1" dirty="0" smtClean="0">
+                <a:solidFill>
+                  <a:srgbClr val="FC611F"/>
+                </a:solidFill>
+                <a:latin typeface="Arial Unicode MS" panose="020B0604020202020204" pitchFamily="34" charset="-122"/>
+                <a:ea typeface="Arial Unicode MS" panose="020B0604020202020204" pitchFamily="34" charset="-122"/>
+                <a:cs typeface="Arial Unicode MS" panose="020B0604020202020204" pitchFamily="34" charset="-122"/>
+              </a:rPr>
+              <a:t>Scala</a:t>
+            </a:r>
+          </a:p>
+        </p:txBody>
+      </p:sp>
+      <p:pic>
+        <p:nvPicPr>
+          <p:cNvPr id="2" name="Picture 1"/>
+          <p:cNvPicPr>
+            <a:picLocks noChangeAspect="1"/>
+          </p:cNvPicPr>
+          <p:nvPr/>
+        </p:nvPicPr>
+        <p:blipFill rotWithShape="1">
+          <a:blip r:embed="rId2">
+            <a:extLst>
+              <a:ext uri="{28A0092B-C50C-407E-A947-70E740481C1C}">
+                <a14:useLocalDpi xmlns:a14="http://schemas.microsoft.com/office/drawing/2010/main" val="0"/>
+              </a:ext>
+            </a:extLst>
+          </a:blip>
+          <a:srcRect b="35446"/>
+          <a:stretch/>
+        </p:blipFill>
+        <p:spPr>
+          <a:xfrm>
+            <a:off x="1048373" y="668761"/>
+            <a:ext cx="6244341" cy="4030955"/>
+          </a:xfrm>
+          <a:prstGeom prst="rect">
+            <a:avLst/>
+          </a:prstGeom>
+        </p:spPr>
+      </p:pic>
+    </p:spTree>
+    <p:extLst>
+      <p:ext uri="{BB962C8B-B14F-4D97-AF65-F5344CB8AC3E}">
+        <p14:creationId xmlns:p14="http://schemas.microsoft.com/office/powerpoint/2010/main" val="2344096103"/>
+      </p:ext>
+    </p:extLst>
+  </p:cSld>
+  <p:clrMapOvr>
+    <a:masterClrMapping/>
+  </p:clrMapOvr>
+  <p:timing>
+    <p:tnLst>
+      <p:par>
+        <p:cTn id="1" dur="indefinite" restart="never" nodeType="tmRoot"/>
+      </p:par>
+    </p:tnLst>
+  </p:timing>
+</p:sld>
+</file>
+
 <file path=ppt/slides/slide14.xml><?xml version="1.0" encoding="utf-8"?>
 <p:sld xmlns:a="http://schemas.openxmlformats.org/drawingml/2006/main" xmlns:r="http://schemas.openxmlformats.org/officeDocument/2006/relationships" xmlns:p="http://schemas.openxmlformats.org/presentationml/2006/main">
   <p:cSld>
@@ -5130,8 +5153,8 @@
         </p:nvSpPr>
         <p:spPr>
           <a:xfrm>
-            <a:off x="503396" y="196057"/>
-            <a:ext cx="697627" cy="400110"/>
+            <a:off x="506752" y="196057"/>
+            <a:ext cx="570990" cy="400110"/>
           </a:xfrm>
           <a:prstGeom prst="rect">
             <a:avLst/>
@@ -5145,7 +5168,7 @@
           <a:p>
             <a:pPr algn="ctr"/>
             <a:r>
-              <a:rPr lang="en-US" altLang="zh-CN" sz="2000" b="1" dirty="0" smtClean="0">
+              <a:rPr lang="en-US" altLang="zh-CN" sz="2000" b="1" dirty="0" err="1" smtClean="0">
                 <a:solidFill>
                   <a:srgbClr val="FC611F"/>
                 </a:solidFill>
@@ -5153,20 +5176,28 @@
                 <a:ea typeface="Arial Unicode MS" panose="020B0604020202020204" pitchFamily="34" charset="-122"/>
                 <a:cs typeface="Arial Unicode MS" panose="020B0604020202020204" pitchFamily="34" charset="-122"/>
               </a:rPr>
-              <a:t>JVM</a:t>
+              <a:t>Sbt</a:t>
             </a:r>
+            <a:endParaRPr lang="en-US" altLang="zh-CN" sz="2000" b="1" dirty="0" smtClean="0">
+              <a:solidFill>
+                <a:srgbClr val="FC611F"/>
+              </a:solidFill>
+              <a:latin typeface="Arial Unicode MS" panose="020B0604020202020204" pitchFamily="34" charset="-122"/>
+              <a:ea typeface="Arial Unicode MS" panose="020B0604020202020204" pitchFamily="34" charset="-122"/>
+              <a:cs typeface="Arial Unicode MS" panose="020B0604020202020204" pitchFamily="34" charset="-122"/>
+            </a:endParaRPr>
           </a:p>
         </p:txBody>
       </p:sp>
       <p:pic>
         <p:nvPicPr>
-          <p:cNvPr id="2" name="Picture 1"/>
+          <p:cNvPr id="3" name="Picture 2"/>
           <p:cNvPicPr>
             <a:picLocks noChangeAspect="1"/>
           </p:cNvPicPr>
           <p:nvPr/>
         </p:nvPicPr>
-        <p:blipFill>
+        <p:blipFill rotWithShape="1">
           <a:blip r:embed="rId2">
             <a:extLst>
               <a:ext uri="{28A0092B-C50C-407E-A947-70E740481C1C}">
@@ -5174,14 +5205,13 @@
               </a:ext>
             </a:extLst>
           </a:blip>
-          <a:stretch>
-            <a:fillRect/>
-          </a:stretch>
+          <a:srcRect b="6994"/>
+          <a:stretch/>
         </p:blipFill>
         <p:spPr>
           <a:xfrm>
-            <a:off x="361188" y="1003091"/>
-            <a:ext cx="8265985" cy="3786265"/>
+            <a:off x="1361138" y="610595"/>
+            <a:ext cx="6178913" cy="4314542"/>
           </a:xfrm>
           <a:prstGeom prst="rect">
             <a:avLst/>
@@ -5191,7 +5221,7 @@
     </p:spTree>
     <p:extLst>
       <p:ext uri="{BB962C8B-B14F-4D97-AF65-F5344CB8AC3E}">
-        <p14:creationId xmlns:p14="http://schemas.microsoft.com/office/powerpoint/2010/main" val="311613258"/>
+        <p14:creationId xmlns:p14="http://schemas.microsoft.com/office/powerpoint/2010/main" val="2394396971"/>
       </p:ext>
     </p:extLst>
   </p:cSld>
@@ -5338,8 +5368,8 @@
         </p:nvSpPr>
         <p:spPr>
           <a:xfrm>
-            <a:off x="510128" y="196057"/>
-            <a:ext cx="1298753" cy="400110"/>
+            <a:off x="506752" y="196057"/>
+            <a:ext cx="570990" cy="400110"/>
           </a:xfrm>
           <a:prstGeom prst="rect">
             <a:avLst/>
@@ -5353,7 +5383,7 @@
           <a:p>
             <a:pPr algn="ctr"/>
             <a:r>
-              <a:rPr lang="en-US" altLang="zh-CN" sz="2000" b="1" dirty="0" smtClean="0">
+              <a:rPr lang="en-US" altLang="zh-CN" sz="2000" b="1" dirty="0" err="1" smtClean="0">
                 <a:solidFill>
                   <a:srgbClr val="FC611F"/>
                 </a:solidFill>
@@ -5361,14 +5391,22 @@
                 <a:ea typeface="Arial Unicode MS" panose="020B0604020202020204" pitchFamily="34" charset="-122"/>
                 <a:cs typeface="Arial Unicode MS" panose="020B0604020202020204" pitchFamily="34" charset="-122"/>
               </a:rPr>
-              <a:t>Big Three</a:t>
+              <a:t>Sbt</a:t>
             </a:r>
+            <a:endParaRPr lang="en-US" altLang="zh-CN" sz="2000" b="1" dirty="0" smtClean="0">
+              <a:solidFill>
+                <a:srgbClr val="FC611F"/>
+              </a:solidFill>
+              <a:latin typeface="Arial Unicode MS" panose="020B0604020202020204" pitchFamily="34" charset="-122"/>
+              <a:ea typeface="Arial Unicode MS" panose="020B0604020202020204" pitchFamily="34" charset="-122"/>
+              <a:cs typeface="Arial Unicode MS" panose="020B0604020202020204" pitchFamily="34" charset="-122"/>
+            </a:endParaRPr>
           </a:p>
         </p:txBody>
       </p:sp>
       <p:pic>
         <p:nvPicPr>
-          <p:cNvPr id="3" name="Picture 2"/>
+          <p:cNvPr id="2" name="Picture 1"/>
           <p:cNvPicPr>
             <a:picLocks noChangeAspect="1"/>
           </p:cNvPicPr>
@@ -5388,38 +5426,8 @@
         </p:blipFill>
         <p:spPr>
           <a:xfrm>
-            <a:off x="283465" y="923594"/>
-            <a:ext cx="4519660" cy="3543475"/>
-          </a:xfrm>
-          <a:prstGeom prst="rect">
-            <a:avLst/>
-          </a:prstGeom>
-        </p:spPr>
-      </p:pic>
-      <p:pic>
-        <p:nvPicPr>
-          <p:cNvPr id="5" name="Picture 4"/>
-          <p:cNvPicPr>
-            <a:picLocks noChangeAspect="1"/>
-          </p:cNvPicPr>
-          <p:nvPr/>
-        </p:nvPicPr>
-        <p:blipFill>
-          <a:blip r:embed="rId3">
-            <a:extLst>
-              <a:ext uri="{28A0092B-C50C-407E-A947-70E740481C1C}">
-                <a14:useLocalDpi xmlns:a14="http://schemas.microsoft.com/office/drawing/2010/main" val="0"/>
-              </a:ext>
-            </a:extLst>
-          </a:blip>
-          <a:stretch>
-            <a:fillRect/>
-          </a:stretch>
-        </p:blipFill>
-        <p:spPr>
-          <a:xfrm>
-            <a:off x="4172433" y="923594"/>
-            <a:ext cx="4719701" cy="3543475"/>
+            <a:off x="744373" y="596167"/>
+            <a:ext cx="7238245" cy="4344029"/>
           </a:xfrm>
           <a:prstGeom prst="rect">
             <a:avLst/>
@@ -5429,7 +5437,7 @@
     </p:spTree>
     <p:extLst>
       <p:ext uri="{BB962C8B-B14F-4D97-AF65-F5344CB8AC3E}">
-        <p14:creationId xmlns:p14="http://schemas.microsoft.com/office/powerpoint/2010/main" val="346479132"/>
+        <p14:creationId xmlns:p14="http://schemas.microsoft.com/office/powerpoint/2010/main" val="3642966330"/>
       </p:ext>
     </p:extLst>
   </p:cSld>
@@ -5576,8 +5584,8 @@
         </p:nvSpPr>
         <p:spPr>
           <a:xfrm>
-            <a:off x="490938" y="196057"/>
-            <a:ext cx="827470" cy="400110"/>
+            <a:off x="541433" y="196057"/>
+            <a:ext cx="726481" cy="400110"/>
           </a:xfrm>
           <a:prstGeom prst="rect">
             <a:avLst/>
@@ -5599,7 +5607,7 @@
                 <a:ea typeface="Arial Unicode MS" panose="020B0604020202020204" pitchFamily="34" charset="-122"/>
                 <a:cs typeface="Arial Unicode MS" panose="020B0604020202020204" pitchFamily="34" charset="-122"/>
               </a:rPr>
-              <a:t>Scala</a:t>
+              <a:t>Yarn</a:t>
             </a:r>
           </a:p>
         </p:txBody>
@@ -5612,7 +5620,7 @@
           </p:cNvPicPr>
           <p:nvPr/>
         </p:nvPicPr>
-        <p:blipFill rotWithShape="1">
+        <p:blipFill>
           <a:blip r:embed="rId2">
             <a:extLst>
               <a:ext uri="{28A0092B-C50C-407E-A947-70E740481C1C}">
@@ -5620,13 +5628,14 @@
               </a:ext>
             </a:extLst>
           </a:blip>
-          <a:srcRect b="35446"/>
-          <a:stretch/>
+          <a:stretch>
+            <a:fillRect/>
+          </a:stretch>
         </p:blipFill>
         <p:spPr>
           <a:xfrm>
-            <a:off x="1048373" y="668761"/>
-            <a:ext cx="6244341" cy="4030955"/>
+            <a:off x="541432" y="1067425"/>
+            <a:ext cx="7935299" cy="3691952"/>
           </a:xfrm>
           <a:prstGeom prst="rect">
             <a:avLst/>
@@ -5636,7 +5645,7 @@
     </p:spTree>
     <p:extLst>
       <p:ext uri="{BB962C8B-B14F-4D97-AF65-F5344CB8AC3E}">
-        <p14:creationId xmlns:p14="http://schemas.microsoft.com/office/powerpoint/2010/main" val="2344096103"/>
+        <p14:creationId xmlns:p14="http://schemas.microsoft.com/office/powerpoint/2010/main" val="2795588161"/>
       </p:ext>
     </p:extLst>
   </p:cSld>
@@ -5783,8 +5792,8 @@
         </p:nvSpPr>
         <p:spPr>
           <a:xfrm>
-            <a:off x="506752" y="196057"/>
-            <a:ext cx="570990" cy="400110"/>
+            <a:off x="541433" y="196057"/>
+            <a:ext cx="726481" cy="400110"/>
           </a:xfrm>
           <a:prstGeom prst="rect">
             <a:avLst/>
@@ -5798,7 +5807,7 @@
           <a:p>
             <a:pPr algn="ctr"/>
             <a:r>
-              <a:rPr lang="en-US" altLang="zh-CN" sz="2000" b="1" dirty="0" err="1" smtClean="0">
+              <a:rPr lang="en-US" altLang="zh-CN" sz="2000" b="1" dirty="0" smtClean="0">
                 <a:solidFill>
                   <a:srgbClr val="FC611F"/>
                 </a:solidFill>
@@ -5806,28 +5815,20 @@
                 <a:ea typeface="Arial Unicode MS" panose="020B0604020202020204" pitchFamily="34" charset="-122"/>
                 <a:cs typeface="Arial Unicode MS" panose="020B0604020202020204" pitchFamily="34" charset="-122"/>
               </a:rPr>
-              <a:t>Sbt</a:t>
+              <a:t>Yarn</a:t>
             </a:r>
-            <a:endParaRPr lang="en-US" altLang="zh-CN" sz="2000" b="1" dirty="0" smtClean="0">
-              <a:solidFill>
-                <a:srgbClr val="FC611F"/>
-              </a:solidFill>
-              <a:latin typeface="Arial Unicode MS" panose="020B0604020202020204" pitchFamily="34" charset="-122"/>
-              <a:ea typeface="Arial Unicode MS" panose="020B0604020202020204" pitchFamily="34" charset="-122"/>
-              <a:cs typeface="Arial Unicode MS" panose="020B0604020202020204" pitchFamily="34" charset="-122"/>
-            </a:endParaRPr>
           </a:p>
         </p:txBody>
       </p:sp>
       <p:pic>
         <p:nvPicPr>
-          <p:cNvPr id="3" name="Picture 2"/>
+          <p:cNvPr id="4" name="Picture 3"/>
           <p:cNvPicPr>
             <a:picLocks noChangeAspect="1"/>
           </p:cNvPicPr>
           <p:nvPr/>
         </p:nvPicPr>
-        <p:blipFill rotWithShape="1">
+        <p:blipFill>
           <a:blip r:embed="rId2">
             <a:extLst>
               <a:ext uri="{28A0092B-C50C-407E-A947-70E740481C1C}">
@@ -5835,13 +5836,14 @@
               </a:ext>
             </a:extLst>
           </a:blip>
-          <a:srcRect b="6994"/>
-          <a:stretch/>
+          <a:stretch>
+            <a:fillRect/>
+          </a:stretch>
         </p:blipFill>
         <p:spPr>
           <a:xfrm>
-            <a:off x="1361138" y="610595"/>
-            <a:ext cx="6178913" cy="4314542"/>
+            <a:off x="502920" y="1063208"/>
+            <a:ext cx="8039100" cy="3676650"/>
           </a:xfrm>
           <a:prstGeom prst="rect">
             <a:avLst/>
@@ -5851,7 +5853,7 @@
     </p:spTree>
     <p:extLst>
       <p:ext uri="{BB962C8B-B14F-4D97-AF65-F5344CB8AC3E}">
-        <p14:creationId xmlns:p14="http://schemas.microsoft.com/office/powerpoint/2010/main" val="2394396971"/>
+        <p14:creationId xmlns:p14="http://schemas.microsoft.com/office/powerpoint/2010/main" val="3256956388"/>
       </p:ext>
     </p:extLst>
   </p:cSld>
@@ -5998,8 +6000,8 @@
         </p:nvSpPr>
         <p:spPr>
           <a:xfrm>
-            <a:off x="506752" y="196057"/>
-            <a:ext cx="570990" cy="400110"/>
+            <a:off x="541433" y="196057"/>
+            <a:ext cx="726481" cy="400110"/>
           </a:xfrm>
           <a:prstGeom prst="rect">
             <a:avLst/>
@@ -6013,7 +6015,7 @@
           <a:p>
             <a:pPr algn="ctr"/>
             <a:r>
-              <a:rPr lang="en-US" altLang="zh-CN" sz="2000" b="1" dirty="0" err="1" smtClean="0">
+              <a:rPr lang="en-US" altLang="zh-CN" sz="2000" b="1" dirty="0" smtClean="0">
                 <a:solidFill>
                   <a:srgbClr val="FC611F"/>
                 </a:solidFill>
@@ -6021,16 +6023,8 @@
                 <a:ea typeface="Arial Unicode MS" panose="020B0604020202020204" pitchFamily="34" charset="-122"/>
                 <a:cs typeface="Arial Unicode MS" panose="020B0604020202020204" pitchFamily="34" charset="-122"/>
               </a:rPr>
-              <a:t>Sbt</a:t>
+              <a:t>Yarn</a:t>
             </a:r>
-            <a:endParaRPr lang="en-US" altLang="zh-CN" sz="2000" b="1" dirty="0" smtClean="0">
-              <a:solidFill>
-                <a:srgbClr val="FC611F"/>
-              </a:solidFill>
-              <a:latin typeface="Arial Unicode MS" panose="020B0604020202020204" pitchFamily="34" charset="-122"/>
-              <a:ea typeface="Arial Unicode MS" panose="020B0604020202020204" pitchFamily="34" charset="-122"/>
-              <a:cs typeface="Arial Unicode MS" panose="020B0604020202020204" pitchFamily="34" charset="-122"/>
-            </a:endParaRPr>
           </a:p>
         </p:txBody>
       </p:sp>
@@ -6042,7 +6036,7 @@
           </p:cNvPicPr>
           <p:nvPr/>
         </p:nvPicPr>
-        <p:blipFill>
+        <p:blipFill rotWithShape="1">
           <a:blip r:embed="rId2">
             <a:extLst>
               <a:ext uri="{28A0092B-C50C-407E-A947-70E740481C1C}">
@@ -6050,24 +6044,154 @@
               </a:ext>
             </a:extLst>
           </a:blip>
-          <a:stretch>
-            <a:fillRect/>
-          </a:stretch>
+          <a:srcRect t="5941" b="5796"/>
+          <a:stretch/>
         </p:blipFill>
         <p:spPr>
           <a:xfrm>
-            <a:off x="744373" y="596167"/>
-            <a:ext cx="7238245" cy="4344029"/>
+            <a:off x="1591826" y="596167"/>
+            <a:ext cx="5733510" cy="4104656"/>
           </a:xfrm>
           <a:prstGeom prst="rect">
             <a:avLst/>
           </a:prstGeom>
         </p:spPr>
       </p:pic>
+      <p:sp>
+        <p:nvSpPr>
+          <p:cNvPr id="8" name="矩形 39"/>
+          <p:cNvSpPr/>
+          <p:nvPr/>
+        </p:nvSpPr>
+        <p:spPr>
+          <a:xfrm>
+            <a:off x="541433" y="4700823"/>
+            <a:ext cx="8337917" cy="307777"/>
+          </a:xfrm>
+          <a:prstGeom prst="rect">
+            <a:avLst/>
+          </a:prstGeom>
+        </p:spPr>
+        <p:txBody>
+          <a:bodyPr wrap="square">
+            <a:spAutoFit/>
+          </a:bodyPr>
+          <a:lstStyle>
+            <a:defPPr>
+              <a:defRPr lang="zh-CN"/>
+            </a:defPPr>
+            <a:lvl1pPr marL="0" algn="l" defTabSz="914400" rtl="0" eaLnBrk="1" latinLnBrk="0" hangingPunct="1">
+              <a:defRPr sz="1800" kern="1200">
+                <a:solidFill>
+                  <a:schemeClr val="tx1"/>
+                </a:solidFill>
+                <a:latin typeface="+mn-lt"/>
+                <a:ea typeface="+mn-ea"/>
+                <a:cs typeface="+mn-cs"/>
+              </a:defRPr>
+            </a:lvl1pPr>
+            <a:lvl2pPr marL="457200" algn="l" defTabSz="914400" rtl="0" eaLnBrk="1" latinLnBrk="0" hangingPunct="1">
+              <a:defRPr sz="1800" kern="1200">
+                <a:solidFill>
+                  <a:schemeClr val="tx1"/>
+                </a:solidFill>
+                <a:latin typeface="+mn-lt"/>
+                <a:ea typeface="+mn-ea"/>
+                <a:cs typeface="+mn-cs"/>
+              </a:defRPr>
+            </a:lvl2pPr>
+            <a:lvl3pPr marL="914400" algn="l" defTabSz="914400" rtl="0" eaLnBrk="1" latinLnBrk="0" hangingPunct="1">
+              <a:defRPr sz="1800" kern="1200">
+                <a:solidFill>
+                  <a:schemeClr val="tx1"/>
+                </a:solidFill>
+                <a:latin typeface="+mn-lt"/>
+                <a:ea typeface="+mn-ea"/>
+                <a:cs typeface="+mn-cs"/>
+              </a:defRPr>
+            </a:lvl3pPr>
+            <a:lvl4pPr marL="1371600" algn="l" defTabSz="914400" rtl="0" eaLnBrk="1" latinLnBrk="0" hangingPunct="1">
+              <a:defRPr sz="1800" kern="1200">
+                <a:solidFill>
+                  <a:schemeClr val="tx1"/>
+                </a:solidFill>
+                <a:latin typeface="+mn-lt"/>
+                <a:ea typeface="+mn-ea"/>
+                <a:cs typeface="+mn-cs"/>
+              </a:defRPr>
+            </a:lvl4pPr>
+            <a:lvl5pPr marL="1828800" algn="l" defTabSz="914400" rtl="0" eaLnBrk="1" latinLnBrk="0" hangingPunct="1">
+              <a:defRPr sz="1800" kern="1200">
+                <a:solidFill>
+                  <a:schemeClr val="tx1"/>
+                </a:solidFill>
+                <a:latin typeface="+mn-lt"/>
+                <a:ea typeface="+mn-ea"/>
+                <a:cs typeface="+mn-cs"/>
+              </a:defRPr>
+            </a:lvl5pPr>
+            <a:lvl6pPr marL="2286000" algn="l" defTabSz="914400" rtl="0" eaLnBrk="1" latinLnBrk="0" hangingPunct="1">
+              <a:defRPr sz="1800" kern="1200">
+                <a:solidFill>
+                  <a:schemeClr val="tx1"/>
+                </a:solidFill>
+                <a:latin typeface="+mn-lt"/>
+                <a:ea typeface="+mn-ea"/>
+                <a:cs typeface="+mn-cs"/>
+              </a:defRPr>
+            </a:lvl6pPr>
+            <a:lvl7pPr marL="2743200" algn="l" defTabSz="914400" rtl="0" eaLnBrk="1" latinLnBrk="0" hangingPunct="1">
+              <a:defRPr sz="1800" kern="1200">
+                <a:solidFill>
+                  <a:schemeClr val="tx1"/>
+                </a:solidFill>
+                <a:latin typeface="+mn-lt"/>
+                <a:ea typeface="+mn-ea"/>
+                <a:cs typeface="+mn-cs"/>
+              </a:defRPr>
+            </a:lvl7pPr>
+            <a:lvl8pPr marL="3200400" algn="l" defTabSz="914400" rtl="0" eaLnBrk="1" latinLnBrk="0" hangingPunct="1">
+              <a:defRPr sz="1800" kern="1200">
+                <a:solidFill>
+                  <a:schemeClr val="tx1"/>
+                </a:solidFill>
+                <a:latin typeface="+mn-lt"/>
+                <a:ea typeface="+mn-ea"/>
+                <a:cs typeface="+mn-cs"/>
+              </a:defRPr>
+            </a:lvl8pPr>
+            <a:lvl9pPr marL="3657600" algn="l" defTabSz="914400" rtl="0" eaLnBrk="1" latinLnBrk="0" hangingPunct="1">
+              <a:defRPr sz="1800" kern="1200">
+                <a:solidFill>
+                  <a:schemeClr val="tx1"/>
+                </a:solidFill>
+                <a:latin typeface="+mn-lt"/>
+                <a:ea typeface="+mn-ea"/>
+                <a:cs typeface="+mn-cs"/>
+              </a:defRPr>
+            </a:lvl9pPr>
+          </a:lstStyle>
+          <a:p>
+            <a:r>
+              <a:rPr lang="en-US" altLang="zh-CN" sz="1400" dirty="0">
+                <a:solidFill>
+                  <a:srgbClr val="1C2B38"/>
+                </a:solidFill>
+              </a:rPr>
+              <a:t>https://hadoop.apache.org/docs/stable/hadoop-yarn/hadoop-yarn-site/WritingYarnApplications.html</a:t>
+            </a:r>
+            <a:endParaRPr lang="en-US" altLang="zh-CN" sz="1400" dirty="0" smtClean="0">
+              <a:solidFill>
+                <a:srgbClr val="1C2B38"/>
+              </a:solidFill>
+            </a:endParaRPr>
+          </a:p>
+        </p:txBody>
+      </p:sp>
     </p:spTree>
     <p:extLst>
       <p:ext uri="{BB962C8B-B14F-4D97-AF65-F5344CB8AC3E}">
-        <p14:creationId xmlns:p14="http://schemas.microsoft.com/office/powerpoint/2010/main" val="3642966330"/>
+        <p14:creationId xmlns:p14="http://schemas.microsoft.com/office/powerpoint/2010/main" val="3415486300"/>
       </p:ext>
     </p:extLst>
   </p:cSld>
@@ -6214,8 +6338,8 @@
         </p:nvSpPr>
         <p:spPr>
           <a:xfrm>
-            <a:off x="541433" y="196057"/>
-            <a:ext cx="726481" cy="400110"/>
+            <a:off x="509784" y="196057"/>
+            <a:ext cx="939680" cy="400110"/>
           </a:xfrm>
           <a:prstGeom prst="rect">
             <a:avLst/>
@@ -6229,7 +6353,7 @@
           <a:p>
             <a:pPr algn="ctr"/>
             <a:r>
-              <a:rPr lang="en-US" altLang="zh-CN" sz="2000" b="1" dirty="0" smtClean="0">
+              <a:rPr lang="en-US" altLang="zh-CN" sz="2000" b="1" dirty="0" err="1" smtClean="0">
                 <a:solidFill>
                   <a:srgbClr val="FC611F"/>
                 </a:solidFill>
@@ -6237,8 +6361,16 @@
                 <a:ea typeface="Arial Unicode MS" panose="020B0604020202020204" pitchFamily="34" charset="-122"/>
                 <a:cs typeface="Arial Unicode MS" panose="020B0604020202020204" pitchFamily="34" charset="-122"/>
               </a:rPr>
-              <a:t>Yarn</a:t>
+              <a:t>Mesos</a:t>
             </a:r>
+            <a:endParaRPr lang="en-US" altLang="zh-CN" sz="2000" b="1" dirty="0" smtClean="0">
+              <a:solidFill>
+                <a:srgbClr val="FC611F"/>
+              </a:solidFill>
+              <a:latin typeface="Arial Unicode MS" panose="020B0604020202020204" pitchFamily="34" charset="-122"/>
+              <a:ea typeface="Arial Unicode MS" panose="020B0604020202020204" pitchFamily="34" charset="-122"/>
+              <a:cs typeface="Arial Unicode MS" panose="020B0604020202020204" pitchFamily="34" charset="-122"/>
+            </a:endParaRPr>
           </a:p>
         </p:txBody>
       </p:sp>
@@ -6264,8 +6396,8 @@
         </p:blipFill>
         <p:spPr>
           <a:xfrm>
-            <a:off x="541432" y="1067425"/>
-            <a:ext cx="7935299" cy="3691952"/>
+            <a:off x="1435116" y="596167"/>
+            <a:ext cx="6214132" cy="4287844"/>
           </a:xfrm>
           <a:prstGeom prst="rect">
             <a:avLst/>
@@ -6275,7 +6407,7 @@
     </p:spTree>
     <p:extLst>
       <p:ext uri="{BB962C8B-B14F-4D97-AF65-F5344CB8AC3E}">
-        <p14:creationId xmlns:p14="http://schemas.microsoft.com/office/powerpoint/2010/main" val="2795588161"/>
+        <p14:creationId xmlns:p14="http://schemas.microsoft.com/office/powerpoint/2010/main" val="4177264155"/>
       </p:ext>
     </p:extLst>
   </p:cSld>
@@ -7938,768 +8070,6 @@
           <a:chExt cx="0" cy="0"/>
         </a:xfrm>
       </p:grpSpPr>
-      <p:sp>
-        <p:nvSpPr>
-          <p:cNvPr id="46" name="灯片编号占位符 45"/>
-          <p:cNvSpPr>
-            <a:spLocks noGrp="1"/>
-          </p:cNvSpPr>
-          <p:nvPr>
-            <p:ph type="sldNum" sz="quarter" idx="12"/>
-          </p:nvPr>
-        </p:nvSpPr>
-        <p:spPr/>
-        <p:txBody>
-          <a:bodyPr/>
-          <a:lstStyle/>
-          <a:p>
-            <a:fld id="{B67B34C1-29DF-48A7-B438-B832F2B2885C}" type="slidenum">
-              <a:rPr lang="zh-CN" altLang="en-US" smtClean="0"/>
-              <a:pPr/>
-              <a:t>20</a:t>
-            </a:fld>
-            <a:endParaRPr lang="zh-CN" altLang="en-US" dirty="0"/>
-          </a:p>
-        </p:txBody>
-      </p:sp>
-      <p:sp>
-        <p:nvSpPr>
-          <p:cNvPr id="25" name="矩形 24"/>
-          <p:cNvSpPr/>
-          <p:nvPr/>
-        </p:nvSpPr>
-        <p:spPr>
-          <a:xfrm>
-            <a:off x="283464" y="286512"/>
-            <a:ext cx="155448" cy="457200"/>
-          </a:xfrm>
-          <a:prstGeom prst="rect">
-            <a:avLst/>
-          </a:prstGeom>
-          <a:solidFill>
-            <a:srgbClr val="FC611F"/>
-          </a:solidFill>
-          <a:ln>
-            <a:noFill/>
-          </a:ln>
-        </p:spPr>
-        <p:style>
-          <a:lnRef idx="2">
-            <a:schemeClr val="accent1">
-              <a:shade val="50000"/>
-            </a:schemeClr>
-          </a:lnRef>
-          <a:fillRef idx="1">
-            <a:schemeClr val="accent1"/>
-          </a:fillRef>
-          <a:effectRef idx="0">
-            <a:schemeClr val="accent1"/>
-          </a:effectRef>
-          <a:fontRef idx="minor">
-            <a:schemeClr val="lt1"/>
-          </a:fontRef>
-        </p:style>
-        <p:txBody>
-          <a:bodyPr rtlCol="0" anchor="ctr"/>
-          <a:lstStyle/>
-          <a:p>
-            <a:pPr algn="ctr"/>
-            <a:endParaRPr lang="zh-CN" altLang="en-US"/>
-          </a:p>
-        </p:txBody>
-      </p:sp>
-      <p:cxnSp>
-        <p:nvCxnSpPr>
-          <p:cNvPr id="26" name="直接连接符 25"/>
-          <p:cNvCxnSpPr/>
-          <p:nvPr/>
-        </p:nvCxnSpPr>
-        <p:spPr>
-          <a:xfrm>
-            <a:off x="502920" y="286512"/>
-            <a:ext cx="0" cy="457200"/>
-          </a:xfrm>
-          <a:prstGeom prst="line">
-            <a:avLst/>
-          </a:prstGeom>
-          <a:ln w="38100">
-            <a:solidFill>
-              <a:srgbClr val="FC611F"/>
-            </a:solidFill>
-          </a:ln>
-        </p:spPr>
-        <p:style>
-          <a:lnRef idx="1">
-            <a:schemeClr val="accent1"/>
-          </a:lnRef>
-          <a:fillRef idx="0">
-            <a:schemeClr val="accent1"/>
-          </a:fillRef>
-          <a:effectRef idx="0">
-            <a:schemeClr val="accent1"/>
-          </a:effectRef>
-          <a:fontRef idx="minor">
-            <a:schemeClr val="tx1"/>
-          </a:fontRef>
-        </p:style>
-      </p:cxnSp>
-      <p:sp>
-        <p:nvSpPr>
-          <p:cNvPr id="27" name="矩形 26"/>
-          <p:cNvSpPr/>
-          <p:nvPr/>
-        </p:nvSpPr>
-        <p:spPr>
-          <a:xfrm>
-            <a:off x="541433" y="196057"/>
-            <a:ext cx="726481" cy="400110"/>
-          </a:xfrm>
-          <a:prstGeom prst="rect">
-            <a:avLst/>
-          </a:prstGeom>
-        </p:spPr>
-        <p:txBody>
-          <a:bodyPr wrap="none">
-            <a:spAutoFit/>
-          </a:bodyPr>
-          <a:lstStyle/>
-          <a:p>
-            <a:pPr algn="ctr"/>
-            <a:r>
-              <a:rPr lang="en-US" altLang="zh-CN" sz="2000" b="1" dirty="0" smtClean="0">
-                <a:solidFill>
-                  <a:srgbClr val="FC611F"/>
-                </a:solidFill>
-                <a:latin typeface="Arial Unicode MS" panose="020B0604020202020204" pitchFamily="34" charset="-122"/>
-                <a:ea typeface="Arial Unicode MS" panose="020B0604020202020204" pitchFamily="34" charset="-122"/>
-                <a:cs typeface="Arial Unicode MS" panose="020B0604020202020204" pitchFamily="34" charset="-122"/>
-              </a:rPr>
-              <a:t>Yarn</a:t>
-            </a:r>
-          </a:p>
-        </p:txBody>
-      </p:sp>
-      <p:pic>
-        <p:nvPicPr>
-          <p:cNvPr id="4" name="Picture 3"/>
-          <p:cNvPicPr>
-            <a:picLocks noChangeAspect="1"/>
-          </p:cNvPicPr>
-          <p:nvPr/>
-        </p:nvPicPr>
-        <p:blipFill>
-          <a:blip r:embed="rId2">
-            <a:extLst>
-              <a:ext uri="{28A0092B-C50C-407E-A947-70E740481C1C}">
-                <a14:useLocalDpi xmlns:a14="http://schemas.microsoft.com/office/drawing/2010/main" val="0"/>
-              </a:ext>
-            </a:extLst>
-          </a:blip>
-          <a:stretch>
-            <a:fillRect/>
-          </a:stretch>
-        </p:blipFill>
-        <p:spPr>
-          <a:xfrm>
-            <a:off x="502920" y="1063208"/>
-            <a:ext cx="8039100" cy="3676650"/>
-          </a:xfrm>
-          <a:prstGeom prst="rect">
-            <a:avLst/>
-          </a:prstGeom>
-        </p:spPr>
-      </p:pic>
-    </p:spTree>
-    <p:extLst>
-      <p:ext uri="{BB962C8B-B14F-4D97-AF65-F5344CB8AC3E}">
-        <p14:creationId xmlns:p14="http://schemas.microsoft.com/office/powerpoint/2010/main" val="3256956388"/>
-      </p:ext>
-    </p:extLst>
-  </p:cSld>
-  <p:clrMapOvr>
-    <a:masterClrMapping/>
-  </p:clrMapOvr>
-  <p:timing>
-    <p:tnLst>
-      <p:par>
-        <p:cTn id="1" dur="indefinite" restart="never" nodeType="tmRoot"/>
-      </p:par>
-    </p:tnLst>
-  </p:timing>
-</p:sld>
-</file>
-
-<file path=ppt/slides/slide21.xml><?xml version="1.0" encoding="utf-8"?>
-<p:sld xmlns:a="http://schemas.openxmlformats.org/drawingml/2006/main" xmlns:r="http://schemas.openxmlformats.org/officeDocument/2006/relationships" xmlns:p="http://schemas.openxmlformats.org/presentationml/2006/main">
-  <p:cSld>
-    <p:spTree>
-      <p:nvGrpSpPr>
-        <p:cNvPr id="1" name=""/>
-        <p:cNvGrpSpPr/>
-        <p:nvPr/>
-      </p:nvGrpSpPr>
-      <p:grpSpPr>
-        <a:xfrm>
-          <a:off x="0" y="0"/>
-          <a:ext cx="0" cy="0"/>
-          <a:chOff x="0" y="0"/>
-          <a:chExt cx="0" cy="0"/>
-        </a:xfrm>
-      </p:grpSpPr>
-      <p:sp>
-        <p:nvSpPr>
-          <p:cNvPr id="46" name="灯片编号占位符 45"/>
-          <p:cNvSpPr>
-            <a:spLocks noGrp="1"/>
-          </p:cNvSpPr>
-          <p:nvPr>
-            <p:ph type="sldNum" sz="quarter" idx="12"/>
-          </p:nvPr>
-        </p:nvSpPr>
-        <p:spPr/>
-        <p:txBody>
-          <a:bodyPr/>
-          <a:lstStyle/>
-          <a:p>
-            <a:fld id="{B67B34C1-29DF-48A7-B438-B832F2B2885C}" type="slidenum">
-              <a:rPr lang="zh-CN" altLang="en-US" smtClean="0"/>
-              <a:pPr/>
-              <a:t>21</a:t>
-            </a:fld>
-            <a:endParaRPr lang="zh-CN" altLang="en-US" dirty="0"/>
-          </a:p>
-        </p:txBody>
-      </p:sp>
-      <p:sp>
-        <p:nvSpPr>
-          <p:cNvPr id="25" name="矩形 24"/>
-          <p:cNvSpPr/>
-          <p:nvPr/>
-        </p:nvSpPr>
-        <p:spPr>
-          <a:xfrm>
-            <a:off x="283464" y="286512"/>
-            <a:ext cx="155448" cy="457200"/>
-          </a:xfrm>
-          <a:prstGeom prst="rect">
-            <a:avLst/>
-          </a:prstGeom>
-          <a:solidFill>
-            <a:srgbClr val="FC611F"/>
-          </a:solidFill>
-          <a:ln>
-            <a:noFill/>
-          </a:ln>
-        </p:spPr>
-        <p:style>
-          <a:lnRef idx="2">
-            <a:schemeClr val="accent1">
-              <a:shade val="50000"/>
-            </a:schemeClr>
-          </a:lnRef>
-          <a:fillRef idx="1">
-            <a:schemeClr val="accent1"/>
-          </a:fillRef>
-          <a:effectRef idx="0">
-            <a:schemeClr val="accent1"/>
-          </a:effectRef>
-          <a:fontRef idx="minor">
-            <a:schemeClr val="lt1"/>
-          </a:fontRef>
-        </p:style>
-        <p:txBody>
-          <a:bodyPr rtlCol="0" anchor="ctr"/>
-          <a:lstStyle/>
-          <a:p>
-            <a:pPr algn="ctr"/>
-            <a:endParaRPr lang="zh-CN" altLang="en-US"/>
-          </a:p>
-        </p:txBody>
-      </p:sp>
-      <p:cxnSp>
-        <p:nvCxnSpPr>
-          <p:cNvPr id="26" name="直接连接符 25"/>
-          <p:cNvCxnSpPr/>
-          <p:nvPr/>
-        </p:nvCxnSpPr>
-        <p:spPr>
-          <a:xfrm>
-            <a:off x="502920" y="286512"/>
-            <a:ext cx="0" cy="457200"/>
-          </a:xfrm>
-          <a:prstGeom prst="line">
-            <a:avLst/>
-          </a:prstGeom>
-          <a:ln w="38100">
-            <a:solidFill>
-              <a:srgbClr val="FC611F"/>
-            </a:solidFill>
-          </a:ln>
-        </p:spPr>
-        <p:style>
-          <a:lnRef idx="1">
-            <a:schemeClr val="accent1"/>
-          </a:lnRef>
-          <a:fillRef idx="0">
-            <a:schemeClr val="accent1"/>
-          </a:fillRef>
-          <a:effectRef idx="0">
-            <a:schemeClr val="accent1"/>
-          </a:effectRef>
-          <a:fontRef idx="minor">
-            <a:schemeClr val="tx1"/>
-          </a:fontRef>
-        </p:style>
-      </p:cxnSp>
-      <p:sp>
-        <p:nvSpPr>
-          <p:cNvPr id="27" name="矩形 26"/>
-          <p:cNvSpPr/>
-          <p:nvPr/>
-        </p:nvSpPr>
-        <p:spPr>
-          <a:xfrm>
-            <a:off x="541433" y="196057"/>
-            <a:ext cx="726481" cy="400110"/>
-          </a:xfrm>
-          <a:prstGeom prst="rect">
-            <a:avLst/>
-          </a:prstGeom>
-        </p:spPr>
-        <p:txBody>
-          <a:bodyPr wrap="none">
-            <a:spAutoFit/>
-          </a:bodyPr>
-          <a:lstStyle/>
-          <a:p>
-            <a:pPr algn="ctr"/>
-            <a:r>
-              <a:rPr lang="en-US" altLang="zh-CN" sz="2000" b="1" dirty="0" smtClean="0">
-                <a:solidFill>
-                  <a:srgbClr val="FC611F"/>
-                </a:solidFill>
-                <a:latin typeface="Arial Unicode MS" panose="020B0604020202020204" pitchFamily="34" charset="-122"/>
-                <a:ea typeface="Arial Unicode MS" panose="020B0604020202020204" pitchFamily="34" charset="-122"/>
-                <a:cs typeface="Arial Unicode MS" panose="020B0604020202020204" pitchFamily="34" charset="-122"/>
-              </a:rPr>
-              <a:t>Yarn</a:t>
-            </a:r>
-          </a:p>
-        </p:txBody>
-      </p:sp>
-      <p:pic>
-        <p:nvPicPr>
-          <p:cNvPr id="2" name="Picture 1"/>
-          <p:cNvPicPr>
-            <a:picLocks noChangeAspect="1"/>
-          </p:cNvPicPr>
-          <p:nvPr/>
-        </p:nvPicPr>
-        <p:blipFill rotWithShape="1">
-          <a:blip r:embed="rId2">
-            <a:extLst>
-              <a:ext uri="{28A0092B-C50C-407E-A947-70E740481C1C}">
-                <a14:useLocalDpi xmlns:a14="http://schemas.microsoft.com/office/drawing/2010/main" val="0"/>
-              </a:ext>
-            </a:extLst>
-          </a:blip>
-          <a:srcRect t="5941" b="5796"/>
-          <a:stretch/>
-        </p:blipFill>
-        <p:spPr>
-          <a:xfrm>
-            <a:off x="1591826" y="596167"/>
-            <a:ext cx="5733510" cy="4104656"/>
-          </a:xfrm>
-          <a:prstGeom prst="rect">
-            <a:avLst/>
-          </a:prstGeom>
-        </p:spPr>
-      </p:pic>
-      <p:sp>
-        <p:nvSpPr>
-          <p:cNvPr id="8" name="矩形 39"/>
-          <p:cNvSpPr/>
-          <p:nvPr/>
-        </p:nvSpPr>
-        <p:spPr>
-          <a:xfrm>
-            <a:off x="541433" y="4700823"/>
-            <a:ext cx="8337917" cy="307777"/>
-          </a:xfrm>
-          <a:prstGeom prst="rect">
-            <a:avLst/>
-          </a:prstGeom>
-        </p:spPr>
-        <p:txBody>
-          <a:bodyPr wrap="square">
-            <a:spAutoFit/>
-          </a:bodyPr>
-          <a:lstStyle>
-            <a:defPPr>
-              <a:defRPr lang="zh-CN"/>
-            </a:defPPr>
-            <a:lvl1pPr marL="0" algn="l" defTabSz="914400" rtl="0" eaLnBrk="1" latinLnBrk="0" hangingPunct="1">
-              <a:defRPr sz="1800" kern="1200">
-                <a:solidFill>
-                  <a:schemeClr val="tx1"/>
-                </a:solidFill>
-                <a:latin typeface="+mn-lt"/>
-                <a:ea typeface="+mn-ea"/>
-                <a:cs typeface="+mn-cs"/>
-              </a:defRPr>
-            </a:lvl1pPr>
-            <a:lvl2pPr marL="457200" algn="l" defTabSz="914400" rtl="0" eaLnBrk="1" latinLnBrk="0" hangingPunct="1">
-              <a:defRPr sz="1800" kern="1200">
-                <a:solidFill>
-                  <a:schemeClr val="tx1"/>
-                </a:solidFill>
-                <a:latin typeface="+mn-lt"/>
-                <a:ea typeface="+mn-ea"/>
-                <a:cs typeface="+mn-cs"/>
-              </a:defRPr>
-            </a:lvl2pPr>
-            <a:lvl3pPr marL="914400" algn="l" defTabSz="914400" rtl="0" eaLnBrk="1" latinLnBrk="0" hangingPunct="1">
-              <a:defRPr sz="1800" kern="1200">
-                <a:solidFill>
-                  <a:schemeClr val="tx1"/>
-                </a:solidFill>
-                <a:latin typeface="+mn-lt"/>
-                <a:ea typeface="+mn-ea"/>
-                <a:cs typeface="+mn-cs"/>
-              </a:defRPr>
-            </a:lvl3pPr>
-            <a:lvl4pPr marL="1371600" algn="l" defTabSz="914400" rtl="0" eaLnBrk="1" latinLnBrk="0" hangingPunct="1">
-              <a:defRPr sz="1800" kern="1200">
-                <a:solidFill>
-                  <a:schemeClr val="tx1"/>
-                </a:solidFill>
-                <a:latin typeface="+mn-lt"/>
-                <a:ea typeface="+mn-ea"/>
-                <a:cs typeface="+mn-cs"/>
-              </a:defRPr>
-            </a:lvl4pPr>
-            <a:lvl5pPr marL="1828800" algn="l" defTabSz="914400" rtl="0" eaLnBrk="1" latinLnBrk="0" hangingPunct="1">
-              <a:defRPr sz="1800" kern="1200">
-                <a:solidFill>
-                  <a:schemeClr val="tx1"/>
-                </a:solidFill>
-                <a:latin typeface="+mn-lt"/>
-                <a:ea typeface="+mn-ea"/>
-                <a:cs typeface="+mn-cs"/>
-              </a:defRPr>
-            </a:lvl5pPr>
-            <a:lvl6pPr marL="2286000" algn="l" defTabSz="914400" rtl="0" eaLnBrk="1" latinLnBrk="0" hangingPunct="1">
-              <a:defRPr sz="1800" kern="1200">
-                <a:solidFill>
-                  <a:schemeClr val="tx1"/>
-                </a:solidFill>
-                <a:latin typeface="+mn-lt"/>
-                <a:ea typeface="+mn-ea"/>
-                <a:cs typeface="+mn-cs"/>
-              </a:defRPr>
-            </a:lvl6pPr>
-            <a:lvl7pPr marL="2743200" algn="l" defTabSz="914400" rtl="0" eaLnBrk="1" latinLnBrk="0" hangingPunct="1">
-              <a:defRPr sz="1800" kern="1200">
-                <a:solidFill>
-                  <a:schemeClr val="tx1"/>
-                </a:solidFill>
-                <a:latin typeface="+mn-lt"/>
-                <a:ea typeface="+mn-ea"/>
-                <a:cs typeface="+mn-cs"/>
-              </a:defRPr>
-            </a:lvl7pPr>
-            <a:lvl8pPr marL="3200400" algn="l" defTabSz="914400" rtl="0" eaLnBrk="1" latinLnBrk="0" hangingPunct="1">
-              <a:defRPr sz="1800" kern="1200">
-                <a:solidFill>
-                  <a:schemeClr val="tx1"/>
-                </a:solidFill>
-                <a:latin typeface="+mn-lt"/>
-                <a:ea typeface="+mn-ea"/>
-                <a:cs typeface="+mn-cs"/>
-              </a:defRPr>
-            </a:lvl8pPr>
-            <a:lvl9pPr marL="3657600" algn="l" defTabSz="914400" rtl="0" eaLnBrk="1" latinLnBrk="0" hangingPunct="1">
-              <a:defRPr sz="1800" kern="1200">
-                <a:solidFill>
-                  <a:schemeClr val="tx1"/>
-                </a:solidFill>
-                <a:latin typeface="+mn-lt"/>
-                <a:ea typeface="+mn-ea"/>
-                <a:cs typeface="+mn-cs"/>
-              </a:defRPr>
-            </a:lvl9pPr>
-          </a:lstStyle>
-          <a:p>
-            <a:r>
-              <a:rPr lang="en-US" altLang="zh-CN" sz="1400" dirty="0">
-                <a:solidFill>
-                  <a:srgbClr val="1C2B38"/>
-                </a:solidFill>
-              </a:rPr>
-              <a:t>https://hadoop.apache.org/docs/stable/hadoop-yarn/hadoop-yarn-site/WritingYarnApplications.html</a:t>
-            </a:r>
-            <a:endParaRPr lang="en-US" altLang="zh-CN" sz="1400" dirty="0" smtClean="0">
-              <a:solidFill>
-                <a:srgbClr val="1C2B38"/>
-              </a:solidFill>
-            </a:endParaRPr>
-          </a:p>
-        </p:txBody>
-      </p:sp>
-    </p:spTree>
-    <p:extLst>
-      <p:ext uri="{BB962C8B-B14F-4D97-AF65-F5344CB8AC3E}">
-        <p14:creationId xmlns:p14="http://schemas.microsoft.com/office/powerpoint/2010/main" val="3415486300"/>
-      </p:ext>
-    </p:extLst>
-  </p:cSld>
-  <p:clrMapOvr>
-    <a:masterClrMapping/>
-  </p:clrMapOvr>
-  <p:timing>
-    <p:tnLst>
-      <p:par>
-        <p:cTn id="1" dur="indefinite" restart="never" nodeType="tmRoot"/>
-      </p:par>
-    </p:tnLst>
-  </p:timing>
-</p:sld>
-</file>
-
-<file path=ppt/slides/slide22.xml><?xml version="1.0" encoding="utf-8"?>
-<p:sld xmlns:a="http://schemas.openxmlformats.org/drawingml/2006/main" xmlns:r="http://schemas.openxmlformats.org/officeDocument/2006/relationships" xmlns:p="http://schemas.openxmlformats.org/presentationml/2006/main">
-  <p:cSld>
-    <p:spTree>
-      <p:nvGrpSpPr>
-        <p:cNvPr id="1" name=""/>
-        <p:cNvGrpSpPr/>
-        <p:nvPr/>
-      </p:nvGrpSpPr>
-      <p:grpSpPr>
-        <a:xfrm>
-          <a:off x="0" y="0"/>
-          <a:ext cx="0" cy="0"/>
-          <a:chOff x="0" y="0"/>
-          <a:chExt cx="0" cy="0"/>
-        </a:xfrm>
-      </p:grpSpPr>
-      <p:sp>
-        <p:nvSpPr>
-          <p:cNvPr id="46" name="灯片编号占位符 45"/>
-          <p:cNvSpPr>
-            <a:spLocks noGrp="1"/>
-          </p:cNvSpPr>
-          <p:nvPr>
-            <p:ph type="sldNum" sz="quarter" idx="12"/>
-          </p:nvPr>
-        </p:nvSpPr>
-        <p:spPr/>
-        <p:txBody>
-          <a:bodyPr/>
-          <a:lstStyle/>
-          <a:p>
-            <a:fld id="{B67B34C1-29DF-48A7-B438-B832F2B2885C}" type="slidenum">
-              <a:rPr lang="zh-CN" altLang="en-US" smtClean="0"/>
-              <a:pPr/>
-              <a:t>22</a:t>
-            </a:fld>
-            <a:endParaRPr lang="zh-CN" altLang="en-US" dirty="0"/>
-          </a:p>
-        </p:txBody>
-      </p:sp>
-      <p:sp>
-        <p:nvSpPr>
-          <p:cNvPr id="25" name="矩形 24"/>
-          <p:cNvSpPr/>
-          <p:nvPr/>
-        </p:nvSpPr>
-        <p:spPr>
-          <a:xfrm>
-            <a:off x="283464" y="286512"/>
-            <a:ext cx="155448" cy="457200"/>
-          </a:xfrm>
-          <a:prstGeom prst="rect">
-            <a:avLst/>
-          </a:prstGeom>
-          <a:solidFill>
-            <a:srgbClr val="FC611F"/>
-          </a:solidFill>
-          <a:ln>
-            <a:noFill/>
-          </a:ln>
-        </p:spPr>
-        <p:style>
-          <a:lnRef idx="2">
-            <a:schemeClr val="accent1">
-              <a:shade val="50000"/>
-            </a:schemeClr>
-          </a:lnRef>
-          <a:fillRef idx="1">
-            <a:schemeClr val="accent1"/>
-          </a:fillRef>
-          <a:effectRef idx="0">
-            <a:schemeClr val="accent1"/>
-          </a:effectRef>
-          <a:fontRef idx="minor">
-            <a:schemeClr val="lt1"/>
-          </a:fontRef>
-        </p:style>
-        <p:txBody>
-          <a:bodyPr rtlCol="0" anchor="ctr"/>
-          <a:lstStyle/>
-          <a:p>
-            <a:pPr algn="ctr"/>
-            <a:endParaRPr lang="zh-CN" altLang="en-US"/>
-          </a:p>
-        </p:txBody>
-      </p:sp>
-      <p:cxnSp>
-        <p:nvCxnSpPr>
-          <p:cNvPr id="26" name="直接连接符 25"/>
-          <p:cNvCxnSpPr/>
-          <p:nvPr/>
-        </p:nvCxnSpPr>
-        <p:spPr>
-          <a:xfrm>
-            <a:off x="502920" y="286512"/>
-            <a:ext cx="0" cy="457200"/>
-          </a:xfrm>
-          <a:prstGeom prst="line">
-            <a:avLst/>
-          </a:prstGeom>
-          <a:ln w="38100">
-            <a:solidFill>
-              <a:srgbClr val="FC611F"/>
-            </a:solidFill>
-          </a:ln>
-        </p:spPr>
-        <p:style>
-          <a:lnRef idx="1">
-            <a:schemeClr val="accent1"/>
-          </a:lnRef>
-          <a:fillRef idx="0">
-            <a:schemeClr val="accent1"/>
-          </a:fillRef>
-          <a:effectRef idx="0">
-            <a:schemeClr val="accent1"/>
-          </a:effectRef>
-          <a:fontRef idx="minor">
-            <a:schemeClr val="tx1"/>
-          </a:fontRef>
-        </p:style>
-      </p:cxnSp>
-      <p:sp>
-        <p:nvSpPr>
-          <p:cNvPr id="27" name="矩形 26"/>
-          <p:cNvSpPr/>
-          <p:nvPr/>
-        </p:nvSpPr>
-        <p:spPr>
-          <a:xfrm>
-            <a:off x="509784" y="196057"/>
-            <a:ext cx="939680" cy="400110"/>
-          </a:xfrm>
-          <a:prstGeom prst="rect">
-            <a:avLst/>
-          </a:prstGeom>
-        </p:spPr>
-        <p:txBody>
-          <a:bodyPr wrap="none">
-            <a:spAutoFit/>
-          </a:bodyPr>
-          <a:lstStyle/>
-          <a:p>
-            <a:pPr algn="ctr"/>
-            <a:r>
-              <a:rPr lang="en-US" altLang="zh-CN" sz="2000" b="1" dirty="0" err="1" smtClean="0">
-                <a:solidFill>
-                  <a:srgbClr val="FC611F"/>
-                </a:solidFill>
-                <a:latin typeface="Arial Unicode MS" panose="020B0604020202020204" pitchFamily="34" charset="-122"/>
-                <a:ea typeface="Arial Unicode MS" panose="020B0604020202020204" pitchFamily="34" charset="-122"/>
-                <a:cs typeface="Arial Unicode MS" panose="020B0604020202020204" pitchFamily="34" charset="-122"/>
-              </a:rPr>
-              <a:t>Mesos</a:t>
-            </a:r>
-            <a:endParaRPr lang="en-US" altLang="zh-CN" sz="2000" b="1" dirty="0" smtClean="0">
-              <a:solidFill>
-                <a:srgbClr val="FC611F"/>
-              </a:solidFill>
-              <a:latin typeface="Arial Unicode MS" panose="020B0604020202020204" pitchFamily="34" charset="-122"/>
-              <a:ea typeface="Arial Unicode MS" panose="020B0604020202020204" pitchFamily="34" charset="-122"/>
-              <a:cs typeface="Arial Unicode MS" panose="020B0604020202020204" pitchFamily="34" charset="-122"/>
-            </a:endParaRPr>
-          </a:p>
-        </p:txBody>
-      </p:sp>
-      <p:pic>
-        <p:nvPicPr>
-          <p:cNvPr id="2" name="Picture 1"/>
-          <p:cNvPicPr>
-            <a:picLocks noChangeAspect="1"/>
-          </p:cNvPicPr>
-          <p:nvPr/>
-        </p:nvPicPr>
-        <p:blipFill>
-          <a:blip r:embed="rId2">
-            <a:extLst>
-              <a:ext uri="{28A0092B-C50C-407E-A947-70E740481C1C}">
-                <a14:useLocalDpi xmlns:a14="http://schemas.microsoft.com/office/drawing/2010/main" val="0"/>
-              </a:ext>
-            </a:extLst>
-          </a:blip>
-          <a:stretch>
-            <a:fillRect/>
-          </a:stretch>
-        </p:blipFill>
-        <p:spPr>
-          <a:xfrm>
-            <a:off x="1435116" y="596167"/>
-            <a:ext cx="6214132" cy="4287844"/>
-          </a:xfrm>
-          <a:prstGeom prst="rect">
-            <a:avLst/>
-          </a:prstGeom>
-        </p:spPr>
-      </p:pic>
-    </p:spTree>
-    <p:extLst>
-      <p:ext uri="{BB962C8B-B14F-4D97-AF65-F5344CB8AC3E}">
-        <p14:creationId xmlns:p14="http://schemas.microsoft.com/office/powerpoint/2010/main" val="4177264155"/>
-      </p:ext>
-    </p:extLst>
-  </p:cSld>
-  <p:clrMapOvr>
-    <a:masterClrMapping/>
-  </p:clrMapOvr>
-  <p:timing>
-    <p:tnLst>
-      <p:par>
-        <p:cTn id="1" dur="indefinite" restart="never" nodeType="tmRoot"/>
-      </p:par>
-    </p:tnLst>
-  </p:timing>
-</p:sld>
-</file>
-
-<file path=ppt/slides/slide23.xml><?xml version="1.0" encoding="utf-8"?>
-<p:sld xmlns:a="http://schemas.openxmlformats.org/drawingml/2006/main" xmlns:r="http://schemas.openxmlformats.org/officeDocument/2006/relationships" xmlns:p="http://schemas.openxmlformats.org/presentationml/2006/main">
-  <p:cSld>
-    <p:spTree>
-      <p:nvGrpSpPr>
-        <p:cNvPr id="1" name=""/>
-        <p:cNvGrpSpPr/>
-        <p:nvPr/>
-      </p:nvGrpSpPr>
-      <p:grpSpPr>
-        <a:xfrm>
-          <a:off x="0" y="0"/>
-          <a:ext cx="0" cy="0"/>
-          <a:chOff x="0" y="0"/>
-          <a:chExt cx="0" cy="0"/>
-        </a:xfrm>
-      </p:grpSpPr>
       <p:grpSp>
         <p:nvGrpSpPr>
           <p:cNvPr id="32" name="组合 31"/>
@@ -9395,6 +8765,624 @@
 </p:sld>
 </file>
 
+<file path=ppt/slides/slide21.xml><?xml version="1.0" encoding="utf-8"?>
+<p:sld xmlns:a="http://schemas.openxmlformats.org/drawingml/2006/main" xmlns:r="http://schemas.openxmlformats.org/officeDocument/2006/relationships" xmlns:p="http://schemas.openxmlformats.org/presentationml/2006/main">
+  <p:cSld>
+    <p:spTree>
+      <p:nvGrpSpPr>
+        <p:cNvPr id="1" name=""/>
+        <p:cNvGrpSpPr/>
+        <p:nvPr/>
+      </p:nvGrpSpPr>
+      <p:grpSpPr>
+        <a:xfrm>
+          <a:off x="0" y="0"/>
+          <a:ext cx="0" cy="0"/>
+          <a:chOff x="0" y="0"/>
+          <a:chExt cx="0" cy="0"/>
+        </a:xfrm>
+      </p:grpSpPr>
+      <p:sp>
+        <p:nvSpPr>
+          <p:cNvPr id="46" name="灯片编号占位符 45"/>
+          <p:cNvSpPr>
+            <a:spLocks noGrp="1"/>
+          </p:cNvSpPr>
+          <p:nvPr>
+            <p:ph type="sldNum" sz="quarter" idx="12"/>
+          </p:nvPr>
+        </p:nvSpPr>
+        <p:spPr/>
+        <p:txBody>
+          <a:bodyPr/>
+          <a:lstStyle/>
+          <a:p>
+            <a:fld id="{B67B34C1-29DF-48A7-B438-B832F2B2885C}" type="slidenum">
+              <a:rPr lang="zh-CN" altLang="en-US" smtClean="0"/>
+              <a:pPr/>
+              <a:t>21</a:t>
+            </a:fld>
+            <a:endParaRPr lang="zh-CN" altLang="en-US" dirty="0"/>
+          </a:p>
+        </p:txBody>
+      </p:sp>
+      <p:sp>
+        <p:nvSpPr>
+          <p:cNvPr id="25" name="矩形 24"/>
+          <p:cNvSpPr/>
+          <p:nvPr/>
+        </p:nvSpPr>
+        <p:spPr>
+          <a:xfrm>
+            <a:off x="283464" y="286512"/>
+            <a:ext cx="155448" cy="457200"/>
+          </a:xfrm>
+          <a:prstGeom prst="rect">
+            <a:avLst/>
+          </a:prstGeom>
+          <a:solidFill>
+            <a:srgbClr val="FC611F"/>
+          </a:solidFill>
+          <a:ln>
+            <a:noFill/>
+          </a:ln>
+        </p:spPr>
+        <p:style>
+          <a:lnRef idx="2">
+            <a:schemeClr val="accent1">
+              <a:shade val="50000"/>
+            </a:schemeClr>
+          </a:lnRef>
+          <a:fillRef idx="1">
+            <a:schemeClr val="accent1"/>
+          </a:fillRef>
+          <a:effectRef idx="0">
+            <a:schemeClr val="accent1"/>
+          </a:effectRef>
+          <a:fontRef idx="minor">
+            <a:schemeClr val="lt1"/>
+          </a:fontRef>
+        </p:style>
+        <p:txBody>
+          <a:bodyPr rtlCol="0" anchor="ctr"/>
+          <a:lstStyle/>
+          <a:p>
+            <a:pPr algn="ctr"/>
+            <a:endParaRPr lang="zh-CN" altLang="en-US"/>
+          </a:p>
+        </p:txBody>
+      </p:sp>
+      <p:cxnSp>
+        <p:nvCxnSpPr>
+          <p:cNvPr id="26" name="直接连接符 25"/>
+          <p:cNvCxnSpPr/>
+          <p:nvPr/>
+        </p:nvCxnSpPr>
+        <p:spPr>
+          <a:xfrm>
+            <a:off x="502920" y="286512"/>
+            <a:ext cx="0" cy="457200"/>
+          </a:xfrm>
+          <a:prstGeom prst="line">
+            <a:avLst/>
+          </a:prstGeom>
+          <a:ln w="38100">
+            <a:solidFill>
+              <a:srgbClr val="FC611F"/>
+            </a:solidFill>
+          </a:ln>
+        </p:spPr>
+        <p:style>
+          <a:lnRef idx="1">
+            <a:schemeClr val="accent1"/>
+          </a:lnRef>
+          <a:fillRef idx="0">
+            <a:schemeClr val="accent1"/>
+          </a:fillRef>
+          <a:effectRef idx="0">
+            <a:schemeClr val="accent1"/>
+          </a:effectRef>
+          <a:fontRef idx="minor">
+            <a:schemeClr val="tx1"/>
+          </a:fontRef>
+        </p:style>
+      </p:cxnSp>
+      <p:sp>
+        <p:nvSpPr>
+          <p:cNvPr id="27" name="矩形 26"/>
+          <p:cNvSpPr/>
+          <p:nvPr/>
+        </p:nvSpPr>
+        <p:spPr>
+          <a:xfrm>
+            <a:off x="518245" y="196057"/>
+            <a:ext cx="2226892" cy="400110"/>
+          </a:xfrm>
+          <a:prstGeom prst="rect">
+            <a:avLst/>
+          </a:prstGeom>
+        </p:spPr>
+        <p:txBody>
+          <a:bodyPr wrap="none">
+            <a:spAutoFit/>
+          </a:bodyPr>
+          <a:lstStyle/>
+          <a:p>
+            <a:pPr algn="ctr"/>
+            <a:r>
+              <a:rPr lang="en-US" altLang="zh-CN" sz="2000" b="1" dirty="0" smtClean="0">
+                <a:solidFill>
+                  <a:srgbClr val="FC611F"/>
+                </a:solidFill>
+                <a:latin typeface="Arial Unicode MS" panose="020B0604020202020204" pitchFamily="34" charset="-122"/>
+                <a:ea typeface="Arial Unicode MS" panose="020B0604020202020204" pitchFamily="34" charset="-122"/>
+                <a:cs typeface="Arial Unicode MS" panose="020B0604020202020204" pitchFamily="34" charset="-122"/>
+              </a:rPr>
+              <a:t>Spark Standalone</a:t>
+            </a:r>
+          </a:p>
+        </p:txBody>
+      </p:sp>
+      <p:pic>
+        <p:nvPicPr>
+          <p:cNvPr id="2" name="Picture 1"/>
+          <p:cNvPicPr>
+            <a:picLocks noChangeAspect="1"/>
+          </p:cNvPicPr>
+          <p:nvPr/>
+        </p:nvPicPr>
+        <p:blipFill>
+          <a:blip r:embed="rId2">
+            <a:extLst>
+              <a:ext uri="{28A0092B-C50C-407E-A947-70E740481C1C}">
+                <a14:useLocalDpi xmlns:a14="http://schemas.microsoft.com/office/drawing/2010/main" val="0"/>
+              </a:ext>
+            </a:extLst>
+          </a:blip>
+          <a:stretch>
+            <a:fillRect/>
+          </a:stretch>
+        </p:blipFill>
+        <p:spPr>
+          <a:xfrm>
+            <a:off x="1204735" y="900157"/>
+            <a:ext cx="6674568" cy="3882831"/>
+          </a:xfrm>
+          <a:prstGeom prst="rect">
+            <a:avLst/>
+          </a:prstGeom>
+        </p:spPr>
+      </p:pic>
+    </p:spTree>
+    <p:extLst>
+      <p:ext uri="{BB962C8B-B14F-4D97-AF65-F5344CB8AC3E}">
+        <p14:creationId xmlns:p14="http://schemas.microsoft.com/office/powerpoint/2010/main" val="1950469518"/>
+      </p:ext>
+    </p:extLst>
+  </p:cSld>
+  <p:clrMapOvr>
+    <a:masterClrMapping/>
+  </p:clrMapOvr>
+  <p:timing>
+    <p:tnLst>
+      <p:par>
+        <p:cTn id="1" dur="indefinite" restart="never" nodeType="tmRoot"/>
+      </p:par>
+    </p:tnLst>
+  </p:timing>
+</p:sld>
+</file>
+
+<file path=ppt/slides/slide22.xml><?xml version="1.0" encoding="utf-8"?>
+<p:sld xmlns:a="http://schemas.openxmlformats.org/drawingml/2006/main" xmlns:r="http://schemas.openxmlformats.org/officeDocument/2006/relationships" xmlns:p="http://schemas.openxmlformats.org/presentationml/2006/main">
+  <p:cSld>
+    <p:spTree>
+      <p:nvGrpSpPr>
+        <p:cNvPr id="1" name=""/>
+        <p:cNvGrpSpPr/>
+        <p:nvPr/>
+      </p:nvGrpSpPr>
+      <p:grpSpPr>
+        <a:xfrm>
+          <a:off x="0" y="0"/>
+          <a:ext cx="0" cy="0"/>
+          <a:chOff x="0" y="0"/>
+          <a:chExt cx="0" cy="0"/>
+        </a:xfrm>
+      </p:grpSpPr>
+      <p:sp>
+        <p:nvSpPr>
+          <p:cNvPr id="46" name="灯片编号占位符 45"/>
+          <p:cNvSpPr>
+            <a:spLocks noGrp="1"/>
+          </p:cNvSpPr>
+          <p:nvPr>
+            <p:ph type="sldNum" sz="quarter" idx="12"/>
+          </p:nvPr>
+        </p:nvSpPr>
+        <p:spPr/>
+        <p:txBody>
+          <a:bodyPr/>
+          <a:lstStyle/>
+          <a:p>
+            <a:fld id="{B67B34C1-29DF-48A7-B438-B832F2B2885C}" type="slidenum">
+              <a:rPr lang="zh-CN" altLang="en-US" smtClean="0"/>
+              <a:pPr/>
+              <a:t>22</a:t>
+            </a:fld>
+            <a:endParaRPr lang="zh-CN" altLang="en-US" dirty="0"/>
+          </a:p>
+        </p:txBody>
+      </p:sp>
+      <p:sp>
+        <p:nvSpPr>
+          <p:cNvPr id="25" name="矩形 24"/>
+          <p:cNvSpPr/>
+          <p:nvPr/>
+        </p:nvSpPr>
+        <p:spPr>
+          <a:xfrm>
+            <a:off x="283464" y="286512"/>
+            <a:ext cx="155448" cy="457200"/>
+          </a:xfrm>
+          <a:prstGeom prst="rect">
+            <a:avLst/>
+          </a:prstGeom>
+          <a:solidFill>
+            <a:srgbClr val="FC611F"/>
+          </a:solidFill>
+          <a:ln>
+            <a:noFill/>
+          </a:ln>
+        </p:spPr>
+        <p:style>
+          <a:lnRef idx="2">
+            <a:schemeClr val="accent1">
+              <a:shade val="50000"/>
+            </a:schemeClr>
+          </a:lnRef>
+          <a:fillRef idx="1">
+            <a:schemeClr val="accent1"/>
+          </a:fillRef>
+          <a:effectRef idx="0">
+            <a:schemeClr val="accent1"/>
+          </a:effectRef>
+          <a:fontRef idx="minor">
+            <a:schemeClr val="lt1"/>
+          </a:fontRef>
+        </p:style>
+        <p:txBody>
+          <a:bodyPr rtlCol="0" anchor="ctr"/>
+          <a:lstStyle/>
+          <a:p>
+            <a:pPr algn="ctr"/>
+            <a:endParaRPr lang="zh-CN" altLang="en-US"/>
+          </a:p>
+        </p:txBody>
+      </p:sp>
+      <p:cxnSp>
+        <p:nvCxnSpPr>
+          <p:cNvPr id="26" name="直接连接符 25"/>
+          <p:cNvCxnSpPr/>
+          <p:nvPr/>
+        </p:nvCxnSpPr>
+        <p:spPr>
+          <a:xfrm>
+            <a:off x="502920" y="286512"/>
+            <a:ext cx="0" cy="457200"/>
+          </a:xfrm>
+          <a:prstGeom prst="line">
+            <a:avLst/>
+          </a:prstGeom>
+          <a:ln w="38100">
+            <a:solidFill>
+              <a:srgbClr val="FC611F"/>
+            </a:solidFill>
+          </a:ln>
+        </p:spPr>
+        <p:style>
+          <a:lnRef idx="1">
+            <a:schemeClr val="accent1"/>
+          </a:lnRef>
+          <a:fillRef idx="0">
+            <a:schemeClr val="accent1"/>
+          </a:fillRef>
+          <a:effectRef idx="0">
+            <a:schemeClr val="accent1"/>
+          </a:effectRef>
+          <a:fontRef idx="minor">
+            <a:schemeClr val="tx1"/>
+          </a:fontRef>
+        </p:style>
+      </p:cxnSp>
+      <p:sp>
+        <p:nvSpPr>
+          <p:cNvPr id="27" name="矩形 26"/>
+          <p:cNvSpPr/>
+          <p:nvPr/>
+        </p:nvSpPr>
+        <p:spPr>
+          <a:xfrm>
+            <a:off x="475828" y="196057"/>
+            <a:ext cx="2656496" cy="400110"/>
+          </a:xfrm>
+          <a:prstGeom prst="rect">
+            <a:avLst/>
+          </a:prstGeom>
+        </p:spPr>
+        <p:txBody>
+          <a:bodyPr wrap="none">
+            <a:spAutoFit/>
+          </a:bodyPr>
+          <a:lstStyle/>
+          <a:p>
+            <a:pPr algn="ctr"/>
+            <a:r>
+              <a:rPr lang="en-US" altLang="zh-CN" sz="2000" b="1" dirty="0" smtClean="0">
+                <a:solidFill>
+                  <a:srgbClr val="FC611F"/>
+                </a:solidFill>
+                <a:latin typeface="Arial Unicode MS" panose="020B0604020202020204" pitchFamily="34" charset="-122"/>
+                <a:ea typeface="Arial Unicode MS" panose="020B0604020202020204" pitchFamily="34" charset="-122"/>
+                <a:cs typeface="Arial Unicode MS" panose="020B0604020202020204" pitchFamily="34" charset="-122"/>
+              </a:rPr>
+              <a:t>Spark Standalone HA</a:t>
+            </a:r>
+          </a:p>
+        </p:txBody>
+      </p:sp>
+      <p:pic>
+        <p:nvPicPr>
+          <p:cNvPr id="3" name="Picture 2"/>
+          <p:cNvPicPr>
+            <a:picLocks noChangeAspect="1"/>
+          </p:cNvPicPr>
+          <p:nvPr/>
+        </p:nvPicPr>
+        <p:blipFill>
+          <a:blip r:embed="rId2">
+            <a:extLst>
+              <a:ext uri="{28A0092B-C50C-407E-A947-70E740481C1C}">
+                <a14:useLocalDpi xmlns:a14="http://schemas.microsoft.com/office/drawing/2010/main" val="0"/>
+              </a:ext>
+            </a:extLst>
+          </a:blip>
+          <a:stretch>
+            <a:fillRect/>
+          </a:stretch>
+        </p:blipFill>
+        <p:spPr>
+          <a:xfrm>
+            <a:off x="475828" y="1134646"/>
+            <a:ext cx="7956491" cy="3534790"/>
+          </a:xfrm>
+          <a:prstGeom prst="rect">
+            <a:avLst/>
+          </a:prstGeom>
+        </p:spPr>
+      </p:pic>
+    </p:spTree>
+    <p:extLst>
+      <p:ext uri="{BB962C8B-B14F-4D97-AF65-F5344CB8AC3E}">
+        <p14:creationId xmlns:p14="http://schemas.microsoft.com/office/powerpoint/2010/main" val="2966028695"/>
+      </p:ext>
+    </p:extLst>
+  </p:cSld>
+  <p:clrMapOvr>
+    <a:masterClrMapping/>
+  </p:clrMapOvr>
+  <p:timing>
+    <p:tnLst>
+      <p:par>
+        <p:cTn id="1" dur="indefinite" restart="never" nodeType="tmRoot"/>
+      </p:par>
+    </p:tnLst>
+  </p:timing>
+</p:sld>
+</file>
+
+<file path=ppt/slides/slide23.xml><?xml version="1.0" encoding="utf-8"?>
+<p:sld xmlns:a="http://schemas.openxmlformats.org/drawingml/2006/main" xmlns:r="http://schemas.openxmlformats.org/officeDocument/2006/relationships" xmlns:p="http://schemas.openxmlformats.org/presentationml/2006/main">
+  <p:cSld>
+    <p:spTree>
+      <p:nvGrpSpPr>
+        <p:cNvPr id="1" name=""/>
+        <p:cNvGrpSpPr/>
+        <p:nvPr/>
+      </p:nvGrpSpPr>
+      <p:grpSpPr>
+        <a:xfrm>
+          <a:off x="0" y="0"/>
+          <a:ext cx="0" cy="0"/>
+          <a:chOff x="0" y="0"/>
+          <a:chExt cx="0" cy="0"/>
+        </a:xfrm>
+      </p:grpSpPr>
+      <p:sp>
+        <p:nvSpPr>
+          <p:cNvPr id="46" name="灯片编号占位符 45"/>
+          <p:cNvSpPr>
+            <a:spLocks noGrp="1"/>
+          </p:cNvSpPr>
+          <p:nvPr>
+            <p:ph type="sldNum" sz="quarter" idx="12"/>
+          </p:nvPr>
+        </p:nvSpPr>
+        <p:spPr/>
+        <p:txBody>
+          <a:bodyPr/>
+          <a:lstStyle/>
+          <a:p>
+            <a:fld id="{B67B34C1-29DF-48A7-B438-B832F2B2885C}" type="slidenum">
+              <a:rPr lang="zh-CN" altLang="en-US" smtClean="0"/>
+              <a:pPr/>
+              <a:t>23</a:t>
+            </a:fld>
+            <a:endParaRPr lang="zh-CN" altLang="en-US" dirty="0"/>
+          </a:p>
+        </p:txBody>
+      </p:sp>
+      <p:sp>
+        <p:nvSpPr>
+          <p:cNvPr id="25" name="矩形 24"/>
+          <p:cNvSpPr/>
+          <p:nvPr/>
+        </p:nvSpPr>
+        <p:spPr>
+          <a:xfrm>
+            <a:off x="283464" y="286512"/>
+            <a:ext cx="155448" cy="457200"/>
+          </a:xfrm>
+          <a:prstGeom prst="rect">
+            <a:avLst/>
+          </a:prstGeom>
+          <a:solidFill>
+            <a:srgbClr val="FC611F"/>
+          </a:solidFill>
+          <a:ln>
+            <a:noFill/>
+          </a:ln>
+        </p:spPr>
+        <p:style>
+          <a:lnRef idx="2">
+            <a:schemeClr val="accent1">
+              <a:shade val="50000"/>
+            </a:schemeClr>
+          </a:lnRef>
+          <a:fillRef idx="1">
+            <a:schemeClr val="accent1"/>
+          </a:fillRef>
+          <a:effectRef idx="0">
+            <a:schemeClr val="accent1"/>
+          </a:effectRef>
+          <a:fontRef idx="minor">
+            <a:schemeClr val="lt1"/>
+          </a:fontRef>
+        </p:style>
+        <p:txBody>
+          <a:bodyPr rtlCol="0" anchor="ctr"/>
+          <a:lstStyle/>
+          <a:p>
+            <a:pPr algn="ctr"/>
+            <a:endParaRPr lang="zh-CN" altLang="en-US"/>
+          </a:p>
+        </p:txBody>
+      </p:sp>
+      <p:cxnSp>
+        <p:nvCxnSpPr>
+          <p:cNvPr id="26" name="直接连接符 25"/>
+          <p:cNvCxnSpPr/>
+          <p:nvPr/>
+        </p:nvCxnSpPr>
+        <p:spPr>
+          <a:xfrm>
+            <a:off x="502920" y="286512"/>
+            <a:ext cx="0" cy="457200"/>
+          </a:xfrm>
+          <a:prstGeom prst="line">
+            <a:avLst/>
+          </a:prstGeom>
+          <a:ln w="38100">
+            <a:solidFill>
+              <a:srgbClr val="FC611F"/>
+            </a:solidFill>
+          </a:ln>
+        </p:spPr>
+        <p:style>
+          <a:lnRef idx="1">
+            <a:schemeClr val="accent1"/>
+          </a:lnRef>
+          <a:fillRef idx="0">
+            <a:schemeClr val="accent1"/>
+          </a:fillRef>
+          <a:effectRef idx="0">
+            <a:schemeClr val="accent1"/>
+          </a:effectRef>
+          <a:fontRef idx="minor">
+            <a:schemeClr val="tx1"/>
+          </a:fontRef>
+        </p:style>
+      </p:cxnSp>
+      <p:sp>
+        <p:nvSpPr>
+          <p:cNvPr id="27" name="矩形 26"/>
+          <p:cNvSpPr/>
+          <p:nvPr/>
+        </p:nvSpPr>
+        <p:spPr>
+          <a:xfrm>
+            <a:off x="479405" y="196057"/>
+            <a:ext cx="2754279" cy="400110"/>
+          </a:xfrm>
+          <a:prstGeom prst="rect">
+            <a:avLst/>
+          </a:prstGeom>
+        </p:spPr>
+        <p:txBody>
+          <a:bodyPr wrap="none">
+            <a:spAutoFit/>
+          </a:bodyPr>
+          <a:lstStyle/>
+          <a:p>
+            <a:pPr algn="ctr"/>
+            <a:r>
+              <a:rPr lang="en-US" altLang="zh-CN" sz="2000" b="1" dirty="0" smtClean="0">
+                <a:solidFill>
+                  <a:srgbClr val="FC611F"/>
+                </a:solidFill>
+                <a:latin typeface="Arial Unicode MS" panose="020B0604020202020204" pitchFamily="34" charset="-122"/>
+                <a:ea typeface="Arial Unicode MS" panose="020B0604020202020204" pitchFamily="34" charset="-122"/>
+                <a:cs typeface="Arial Unicode MS" panose="020B0604020202020204" pitchFamily="34" charset="-122"/>
+              </a:rPr>
+              <a:t>Spark Source Compile</a:t>
+            </a:r>
+          </a:p>
+        </p:txBody>
+      </p:sp>
+      <p:pic>
+        <p:nvPicPr>
+          <p:cNvPr id="2" name="Picture 1"/>
+          <p:cNvPicPr>
+            <a:picLocks noChangeAspect="1"/>
+          </p:cNvPicPr>
+          <p:nvPr/>
+        </p:nvPicPr>
+        <p:blipFill>
+          <a:blip r:embed="rId2"/>
+          <a:stretch>
+            <a:fillRect/>
+          </a:stretch>
+        </p:blipFill>
+        <p:spPr>
+          <a:xfrm>
+            <a:off x="1746353" y="743712"/>
+            <a:ext cx="5517255" cy="4072482"/>
+          </a:xfrm>
+          <a:prstGeom prst="rect">
+            <a:avLst/>
+          </a:prstGeom>
+        </p:spPr>
+      </p:pic>
+    </p:spTree>
+    <p:extLst>
+      <p:ext uri="{BB962C8B-B14F-4D97-AF65-F5344CB8AC3E}">
+        <p14:creationId xmlns:p14="http://schemas.microsoft.com/office/powerpoint/2010/main" val="2721686952"/>
+      </p:ext>
+    </p:extLst>
+  </p:cSld>
+  <p:clrMapOvr>
+    <a:masterClrMapping/>
+  </p:clrMapOvr>
+  <p:timing>
+    <p:tnLst>
+      <p:par>
+        <p:cTn id="1" dur="indefinite" restart="never" nodeType="tmRoot"/>
+      </p:par>
+    </p:tnLst>
+  </p:timing>
+</p:sld>
+</file>
+
 <file path=ppt/slides/slide24.xml><?xml version="1.0" encoding="utf-8"?>
 <p:sld xmlns:a="http://schemas.openxmlformats.org/drawingml/2006/main" xmlns:r="http://schemas.openxmlformats.org/officeDocument/2006/relationships" xmlns:p="http://schemas.openxmlformats.org/presentationml/2006/main">
   <p:cSld>
@@ -9525,8 +9513,8 @@
         </p:nvSpPr>
         <p:spPr>
           <a:xfrm>
-            <a:off x="518245" y="196057"/>
-            <a:ext cx="2226892" cy="400110"/>
+            <a:off x="547366" y="196057"/>
+            <a:ext cx="1883850" cy="400110"/>
           </a:xfrm>
           <a:prstGeom prst="rect">
             <a:avLst/>
@@ -9548,7 +9536,7 @@
                 <a:ea typeface="Arial Unicode MS" panose="020B0604020202020204" pitchFamily="34" charset="-122"/>
                 <a:cs typeface="Arial Unicode MS" panose="020B0604020202020204" pitchFamily="34" charset="-122"/>
               </a:rPr>
-              <a:t>Spark Standalone</a:t>
+              <a:t>Spark On Yarn</a:t>
             </a:r>
           </a:p>
         </p:txBody>
@@ -9575,8 +9563,8 @@
         </p:blipFill>
         <p:spPr>
           <a:xfrm>
-            <a:off x="1204735" y="900157"/>
-            <a:ext cx="6674568" cy="3882831"/>
+            <a:off x="756586" y="743712"/>
+            <a:ext cx="7248161" cy="4131913"/>
           </a:xfrm>
           <a:prstGeom prst="rect">
             <a:avLst/>
@@ -9586,7 +9574,7 @@
     </p:spTree>
     <p:extLst>
       <p:ext uri="{BB962C8B-B14F-4D97-AF65-F5344CB8AC3E}">
-        <p14:creationId xmlns:p14="http://schemas.microsoft.com/office/powerpoint/2010/main" val="1950469518"/>
+        <p14:creationId xmlns:p14="http://schemas.microsoft.com/office/powerpoint/2010/main" val="4110288098"/>
       </p:ext>
     </p:extLst>
   </p:cSld>
@@ -9639,624 +9627,6 @@
               <a:rPr lang="zh-CN" altLang="en-US" smtClean="0"/>
               <a:pPr/>
               <a:t>25</a:t>
-            </a:fld>
-            <a:endParaRPr lang="zh-CN" altLang="en-US" dirty="0"/>
-          </a:p>
-        </p:txBody>
-      </p:sp>
-      <p:sp>
-        <p:nvSpPr>
-          <p:cNvPr id="25" name="矩形 24"/>
-          <p:cNvSpPr/>
-          <p:nvPr/>
-        </p:nvSpPr>
-        <p:spPr>
-          <a:xfrm>
-            <a:off x="283464" y="286512"/>
-            <a:ext cx="155448" cy="457200"/>
-          </a:xfrm>
-          <a:prstGeom prst="rect">
-            <a:avLst/>
-          </a:prstGeom>
-          <a:solidFill>
-            <a:srgbClr val="FC611F"/>
-          </a:solidFill>
-          <a:ln>
-            <a:noFill/>
-          </a:ln>
-        </p:spPr>
-        <p:style>
-          <a:lnRef idx="2">
-            <a:schemeClr val="accent1">
-              <a:shade val="50000"/>
-            </a:schemeClr>
-          </a:lnRef>
-          <a:fillRef idx="1">
-            <a:schemeClr val="accent1"/>
-          </a:fillRef>
-          <a:effectRef idx="0">
-            <a:schemeClr val="accent1"/>
-          </a:effectRef>
-          <a:fontRef idx="minor">
-            <a:schemeClr val="lt1"/>
-          </a:fontRef>
-        </p:style>
-        <p:txBody>
-          <a:bodyPr rtlCol="0" anchor="ctr"/>
-          <a:lstStyle/>
-          <a:p>
-            <a:pPr algn="ctr"/>
-            <a:endParaRPr lang="zh-CN" altLang="en-US"/>
-          </a:p>
-        </p:txBody>
-      </p:sp>
-      <p:cxnSp>
-        <p:nvCxnSpPr>
-          <p:cNvPr id="26" name="直接连接符 25"/>
-          <p:cNvCxnSpPr/>
-          <p:nvPr/>
-        </p:nvCxnSpPr>
-        <p:spPr>
-          <a:xfrm>
-            <a:off x="502920" y="286512"/>
-            <a:ext cx="0" cy="457200"/>
-          </a:xfrm>
-          <a:prstGeom prst="line">
-            <a:avLst/>
-          </a:prstGeom>
-          <a:ln w="38100">
-            <a:solidFill>
-              <a:srgbClr val="FC611F"/>
-            </a:solidFill>
-          </a:ln>
-        </p:spPr>
-        <p:style>
-          <a:lnRef idx="1">
-            <a:schemeClr val="accent1"/>
-          </a:lnRef>
-          <a:fillRef idx="0">
-            <a:schemeClr val="accent1"/>
-          </a:fillRef>
-          <a:effectRef idx="0">
-            <a:schemeClr val="accent1"/>
-          </a:effectRef>
-          <a:fontRef idx="minor">
-            <a:schemeClr val="tx1"/>
-          </a:fontRef>
-        </p:style>
-      </p:cxnSp>
-      <p:sp>
-        <p:nvSpPr>
-          <p:cNvPr id="27" name="矩形 26"/>
-          <p:cNvSpPr/>
-          <p:nvPr/>
-        </p:nvSpPr>
-        <p:spPr>
-          <a:xfrm>
-            <a:off x="475828" y="196057"/>
-            <a:ext cx="2656496" cy="400110"/>
-          </a:xfrm>
-          <a:prstGeom prst="rect">
-            <a:avLst/>
-          </a:prstGeom>
-        </p:spPr>
-        <p:txBody>
-          <a:bodyPr wrap="none">
-            <a:spAutoFit/>
-          </a:bodyPr>
-          <a:lstStyle/>
-          <a:p>
-            <a:pPr algn="ctr"/>
-            <a:r>
-              <a:rPr lang="en-US" altLang="zh-CN" sz="2000" b="1" dirty="0" smtClean="0">
-                <a:solidFill>
-                  <a:srgbClr val="FC611F"/>
-                </a:solidFill>
-                <a:latin typeface="Arial Unicode MS" panose="020B0604020202020204" pitchFamily="34" charset="-122"/>
-                <a:ea typeface="Arial Unicode MS" panose="020B0604020202020204" pitchFamily="34" charset="-122"/>
-                <a:cs typeface="Arial Unicode MS" panose="020B0604020202020204" pitchFamily="34" charset="-122"/>
-              </a:rPr>
-              <a:t>Spark Standalone HA</a:t>
-            </a:r>
-          </a:p>
-        </p:txBody>
-      </p:sp>
-      <p:pic>
-        <p:nvPicPr>
-          <p:cNvPr id="3" name="Picture 2"/>
-          <p:cNvPicPr>
-            <a:picLocks noChangeAspect="1"/>
-          </p:cNvPicPr>
-          <p:nvPr/>
-        </p:nvPicPr>
-        <p:blipFill>
-          <a:blip r:embed="rId2">
-            <a:extLst>
-              <a:ext uri="{28A0092B-C50C-407E-A947-70E740481C1C}">
-                <a14:useLocalDpi xmlns:a14="http://schemas.microsoft.com/office/drawing/2010/main" val="0"/>
-              </a:ext>
-            </a:extLst>
-          </a:blip>
-          <a:stretch>
-            <a:fillRect/>
-          </a:stretch>
-        </p:blipFill>
-        <p:spPr>
-          <a:xfrm>
-            <a:off x="475828" y="1134646"/>
-            <a:ext cx="7956491" cy="3534790"/>
-          </a:xfrm>
-          <a:prstGeom prst="rect">
-            <a:avLst/>
-          </a:prstGeom>
-        </p:spPr>
-      </p:pic>
-    </p:spTree>
-    <p:extLst>
-      <p:ext uri="{BB962C8B-B14F-4D97-AF65-F5344CB8AC3E}">
-        <p14:creationId xmlns:p14="http://schemas.microsoft.com/office/powerpoint/2010/main" val="2966028695"/>
-      </p:ext>
-    </p:extLst>
-  </p:cSld>
-  <p:clrMapOvr>
-    <a:masterClrMapping/>
-  </p:clrMapOvr>
-  <p:timing>
-    <p:tnLst>
-      <p:par>
-        <p:cTn id="1" dur="indefinite" restart="never" nodeType="tmRoot"/>
-      </p:par>
-    </p:tnLst>
-  </p:timing>
-</p:sld>
-</file>
-
-<file path=ppt/slides/slide26.xml><?xml version="1.0" encoding="utf-8"?>
-<p:sld xmlns:a="http://schemas.openxmlformats.org/drawingml/2006/main" xmlns:r="http://schemas.openxmlformats.org/officeDocument/2006/relationships" xmlns:p="http://schemas.openxmlformats.org/presentationml/2006/main">
-  <p:cSld>
-    <p:spTree>
-      <p:nvGrpSpPr>
-        <p:cNvPr id="1" name=""/>
-        <p:cNvGrpSpPr/>
-        <p:nvPr/>
-      </p:nvGrpSpPr>
-      <p:grpSpPr>
-        <a:xfrm>
-          <a:off x="0" y="0"/>
-          <a:ext cx="0" cy="0"/>
-          <a:chOff x="0" y="0"/>
-          <a:chExt cx="0" cy="0"/>
-        </a:xfrm>
-      </p:grpSpPr>
-      <p:sp>
-        <p:nvSpPr>
-          <p:cNvPr id="46" name="灯片编号占位符 45"/>
-          <p:cNvSpPr>
-            <a:spLocks noGrp="1"/>
-          </p:cNvSpPr>
-          <p:nvPr>
-            <p:ph type="sldNum" sz="quarter" idx="12"/>
-          </p:nvPr>
-        </p:nvSpPr>
-        <p:spPr/>
-        <p:txBody>
-          <a:bodyPr/>
-          <a:lstStyle/>
-          <a:p>
-            <a:fld id="{B67B34C1-29DF-48A7-B438-B832F2B2885C}" type="slidenum">
-              <a:rPr lang="zh-CN" altLang="en-US" smtClean="0"/>
-              <a:pPr/>
-              <a:t>26</a:t>
-            </a:fld>
-            <a:endParaRPr lang="zh-CN" altLang="en-US" dirty="0"/>
-          </a:p>
-        </p:txBody>
-      </p:sp>
-      <p:sp>
-        <p:nvSpPr>
-          <p:cNvPr id="25" name="矩形 24"/>
-          <p:cNvSpPr/>
-          <p:nvPr/>
-        </p:nvSpPr>
-        <p:spPr>
-          <a:xfrm>
-            <a:off x="283464" y="286512"/>
-            <a:ext cx="155448" cy="457200"/>
-          </a:xfrm>
-          <a:prstGeom prst="rect">
-            <a:avLst/>
-          </a:prstGeom>
-          <a:solidFill>
-            <a:srgbClr val="FC611F"/>
-          </a:solidFill>
-          <a:ln>
-            <a:noFill/>
-          </a:ln>
-        </p:spPr>
-        <p:style>
-          <a:lnRef idx="2">
-            <a:schemeClr val="accent1">
-              <a:shade val="50000"/>
-            </a:schemeClr>
-          </a:lnRef>
-          <a:fillRef idx="1">
-            <a:schemeClr val="accent1"/>
-          </a:fillRef>
-          <a:effectRef idx="0">
-            <a:schemeClr val="accent1"/>
-          </a:effectRef>
-          <a:fontRef idx="minor">
-            <a:schemeClr val="lt1"/>
-          </a:fontRef>
-        </p:style>
-        <p:txBody>
-          <a:bodyPr rtlCol="0" anchor="ctr"/>
-          <a:lstStyle/>
-          <a:p>
-            <a:pPr algn="ctr"/>
-            <a:endParaRPr lang="zh-CN" altLang="en-US"/>
-          </a:p>
-        </p:txBody>
-      </p:sp>
-      <p:cxnSp>
-        <p:nvCxnSpPr>
-          <p:cNvPr id="26" name="直接连接符 25"/>
-          <p:cNvCxnSpPr/>
-          <p:nvPr/>
-        </p:nvCxnSpPr>
-        <p:spPr>
-          <a:xfrm>
-            <a:off x="502920" y="286512"/>
-            <a:ext cx="0" cy="457200"/>
-          </a:xfrm>
-          <a:prstGeom prst="line">
-            <a:avLst/>
-          </a:prstGeom>
-          <a:ln w="38100">
-            <a:solidFill>
-              <a:srgbClr val="FC611F"/>
-            </a:solidFill>
-          </a:ln>
-        </p:spPr>
-        <p:style>
-          <a:lnRef idx="1">
-            <a:schemeClr val="accent1"/>
-          </a:lnRef>
-          <a:fillRef idx="0">
-            <a:schemeClr val="accent1"/>
-          </a:fillRef>
-          <a:effectRef idx="0">
-            <a:schemeClr val="accent1"/>
-          </a:effectRef>
-          <a:fontRef idx="minor">
-            <a:schemeClr val="tx1"/>
-          </a:fontRef>
-        </p:style>
-      </p:cxnSp>
-      <p:sp>
-        <p:nvSpPr>
-          <p:cNvPr id="27" name="矩形 26"/>
-          <p:cNvSpPr/>
-          <p:nvPr/>
-        </p:nvSpPr>
-        <p:spPr>
-          <a:xfrm>
-            <a:off x="479405" y="196057"/>
-            <a:ext cx="2754279" cy="400110"/>
-          </a:xfrm>
-          <a:prstGeom prst="rect">
-            <a:avLst/>
-          </a:prstGeom>
-        </p:spPr>
-        <p:txBody>
-          <a:bodyPr wrap="none">
-            <a:spAutoFit/>
-          </a:bodyPr>
-          <a:lstStyle/>
-          <a:p>
-            <a:pPr algn="ctr"/>
-            <a:r>
-              <a:rPr lang="en-US" altLang="zh-CN" sz="2000" b="1" dirty="0" smtClean="0">
-                <a:solidFill>
-                  <a:srgbClr val="FC611F"/>
-                </a:solidFill>
-                <a:latin typeface="Arial Unicode MS" panose="020B0604020202020204" pitchFamily="34" charset="-122"/>
-                <a:ea typeface="Arial Unicode MS" panose="020B0604020202020204" pitchFamily="34" charset="-122"/>
-                <a:cs typeface="Arial Unicode MS" panose="020B0604020202020204" pitchFamily="34" charset="-122"/>
-              </a:rPr>
-              <a:t>Spark Source Compile</a:t>
-            </a:r>
-          </a:p>
-        </p:txBody>
-      </p:sp>
-      <p:pic>
-        <p:nvPicPr>
-          <p:cNvPr id="2" name="Picture 1"/>
-          <p:cNvPicPr>
-            <a:picLocks noChangeAspect="1"/>
-          </p:cNvPicPr>
-          <p:nvPr/>
-        </p:nvPicPr>
-        <p:blipFill>
-          <a:blip r:embed="rId2"/>
-          <a:stretch>
-            <a:fillRect/>
-          </a:stretch>
-        </p:blipFill>
-        <p:spPr>
-          <a:xfrm>
-            <a:off x="1746353" y="743712"/>
-            <a:ext cx="5517255" cy="4072482"/>
-          </a:xfrm>
-          <a:prstGeom prst="rect">
-            <a:avLst/>
-          </a:prstGeom>
-        </p:spPr>
-      </p:pic>
-    </p:spTree>
-    <p:extLst>
-      <p:ext uri="{BB962C8B-B14F-4D97-AF65-F5344CB8AC3E}">
-        <p14:creationId xmlns:p14="http://schemas.microsoft.com/office/powerpoint/2010/main" val="2721686952"/>
-      </p:ext>
-    </p:extLst>
-  </p:cSld>
-  <p:clrMapOvr>
-    <a:masterClrMapping/>
-  </p:clrMapOvr>
-  <p:timing>
-    <p:tnLst>
-      <p:par>
-        <p:cTn id="1" dur="indefinite" restart="never" nodeType="tmRoot"/>
-      </p:par>
-    </p:tnLst>
-  </p:timing>
-</p:sld>
-</file>
-
-<file path=ppt/slides/slide27.xml><?xml version="1.0" encoding="utf-8"?>
-<p:sld xmlns:a="http://schemas.openxmlformats.org/drawingml/2006/main" xmlns:r="http://schemas.openxmlformats.org/officeDocument/2006/relationships" xmlns:p="http://schemas.openxmlformats.org/presentationml/2006/main">
-  <p:cSld>
-    <p:spTree>
-      <p:nvGrpSpPr>
-        <p:cNvPr id="1" name=""/>
-        <p:cNvGrpSpPr/>
-        <p:nvPr/>
-      </p:nvGrpSpPr>
-      <p:grpSpPr>
-        <a:xfrm>
-          <a:off x="0" y="0"/>
-          <a:ext cx="0" cy="0"/>
-          <a:chOff x="0" y="0"/>
-          <a:chExt cx="0" cy="0"/>
-        </a:xfrm>
-      </p:grpSpPr>
-      <p:sp>
-        <p:nvSpPr>
-          <p:cNvPr id="46" name="灯片编号占位符 45"/>
-          <p:cNvSpPr>
-            <a:spLocks noGrp="1"/>
-          </p:cNvSpPr>
-          <p:nvPr>
-            <p:ph type="sldNum" sz="quarter" idx="12"/>
-          </p:nvPr>
-        </p:nvSpPr>
-        <p:spPr/>
-        <p:txBody>
-          <a:bodyPr/>
-          <a:lstStyle/>
-          <a:p>
-            <a:fld id="{B67B34C1-29DF-48A7-B438-B832F2B2885C}" type="slidenum">
-              <a:rPr lang="zh-CN" altLang="en-US" smtClean="0"/>
-              <a:pPr/>
-              <a:t>27</a:t>
-            </a:fld>
-            <a:endParaRPr lang="zh-CN" altLang="en-US" dirty="0"/>
-          </a:p>
-        </p:txBody>
-      </p:sp>
-      <p:sp>
-        <p:nvSpPr>
-          <p:cNvPr id="25" name="矩形 24"/>
-          <p:cNvSpPr/>
-          <p:nvPr/>
-        </p:nvSpPr>
-        <p:spPr>
-          <a:xfrm>
-            <a:off x="283464" y="286512"/>
-            <a:ext cx="155448" cy="457200"/>
-          </a:xfrm>
-          <a:prstGeom prst="rect">
-            <a:avLst/>
-          </a:prstGeom>
-          <a:solidFill>
-            <a:srgbClr val="FC611F"/>
-          </a:solidFill>
-          <a:ln>
-            <a:noFill/>
-          </a:ln>
-        </p:spPr>
-        <p:style>
-          <a:lnRef idx="2">
-            <a:schemeClr val="accent1">
-              <a:shade val="50000"/>
-            </a:schemeClr>
-          </a:lnRef>
-          <a:fillRef idx="1">
-            <a:schemeClr val="accent1"/>
-          </a:fillRef>
-          <a:effectRef idx="0">
-            <a:schemeClr val="accent1"/>
-          </a:effectRef>
-          <a:fontRef idx="minor">
-            <a:schemeClr val="lt1"/>
-          </a:fontRef>
-        </p:style>
-        <p:txBody>
-          <a:bodyPr rtlCol="0" anchor="ctr"/>
-          <a:lstStyle/>
-          <a:p>
-            <a:pPr algn="ctr"/>
-            <a:endParaRPr lang="zh-CN" altLang="en-US"/>
-          </a:p>
-        </p:txBody>
-      </p:sp>
-      <p:cxnSp>
-        <p:nvCxnSpPr>
-          <p:cNvPr id="26" name="直接连接符 25"/>
-          <p:cNvCxnSpPr/>
-          <p:nvPr/>
-        </p:nvCxnSpPr>
-        <p:spPr>
-          <a:xfrm>
-            <a:off x="502920" y="286512"/>
-            <a:ext cx="0" cy="457200"/>
-          </a:xfrm>
-          <a:prstGeom prst="line">
-            <a:avLst/>
-          </a:prstGeom>
-          <a:ln w="38100">
-            <a:solidFill>
-              <a:srgbClr val="FC611F"/>
-            </a:solidFill>
-          </a:ln>
-        </p:spPr>
-        <p:style>
-          <a:lnRef idx="1">
-            <a:schemeClr val="accent1"/>
-          </a:lnRef>
-          <a:fillRef idx="0">
-            <a:schemeClr val="accent1"/>
-          </a:fillRef>
-          <a:effectRef idx="0">
-            <a:schemeClr val="accent1"/>
-          </a:effectRef>
-          <a:fontRef idx="minor">
-            <a:schemeClr val="tx1"/>
-          </a:fontRef>
-        </p:style>
-      </p:cxnSp>
-      <p:sp>
-        <p:nvSpPr>
-          <p:cNvPr id="27" name="矩形 26"/>
-          <p:cNvSpPr/>
-          <p:nvPr/>
-        </p:nvSpPr>
-        <p:spPr>
-          <a:xfrm>
-            <a:off x="547366" y="196057"/>
-            <a:ext cx="1883850" cy="400110"/>
-          </a:xfrm>
-          <a:prstGeom prst="rect">
-            <a:avLst/>
-          </a:prstGeom>
-        </p:spPr>
-        <p:txBody>
-          <a:bodyPr wrap="none">
-            <a:spAutoFit/>
-          </a:bodyPr>
-          <a:lstStyle/>
-          <a:p>
-            <a:pPr algn="ctr"/>
-            <a:r>
-              <a:rPr lang="en-US" altLang="zh-CN" sz="2000" b="1" dirty="0" smtClean="0">
-                <a:solidFill>
-                  <a:srgbClr val="FC611F"/>
-                </a:solidFill>
-                <a:latin typeface="Arial Unicode MS" panose="020B0604020202020204" pitchFamily="34" charset="-122"/>
-                <a:ea typeface="Arial Unicode MS" panose="020B0604020202020204" pitchFamily="34" charset="-122"/>
-                <a:cs typeface="Arial Unicode MS" panose="020B0604020202020204" pitchFamily="34" charset="-122"/>
-              </a:rPr>
-              <a:t>Spark On Yarn</a:t>
-            </a:r>
-          </a:p>
-        </p:txBody>
-      </p:sp>
-      <p:pic>
-        <p:nvPicPr>
-          <p:cNvPr id="2" name="Picture 1"/>
-          <p:cNvPicPr>
-            <a:picLocks noChangeAspect="1"/>
-          </p:cNvPicPr>
-          <p:nvPr/>
-        </p:nvPicPr>
-        <p:blipFill>
-          <a:blip r:embed="rId2">
-            <a:extLst>
-              <a:ext uri="{28A0092B-C50C-407E-A947-70E740481C1C}">
-                <a14:useLocalDpi xmlns:a14="http://schemas.microsoft.com/office/drawing/2010/main" val="0"/>
-              </a:ext>
-            </a:extLst>
-          </a:blip>
-          <a:stretch>
-            <a:fillRect/>
-          </a:stretch>
-        </p:blipFill>
-        <p:spPr>
-          <a:xfrm>
-            <a:off x="756586" y="743712"/>
-            <a:ext cx="7248161" cy="4131913"/>
-          </a:xfrm>
-          <a:prstGeom prst="rect">
-            <a:avLst/>
-          </a:prstGeom>
-        </p:spPr>
-      </p:pic>
-    </p:spTree>
-    <p:extLst>
-      <p:ext uri="{BB962C8B-B14F-4D97-AF65-F5344CB8AC3E}">
-        <p14:creationId xmlns:p14="http://schemas.microsoft.com/office/powerpoint/2010/main" val="4110288098"/>
-      </p:ext>
-    </p:extLst>
-  </p:cSld>
-  <p:clrMapOvr>
-    <a:masterClrMapping/>
-  </p:clrMapOvr>
-  <p:timing>
-    <p:tnLst>
-      <p:par>
-        <p:cTn id="1" dur="indefinite" restart="never" nodeType="tmRoot"/>
-      </p:par>
-    </p:tnLst>
-  </p:timing>
-</p:sld>
-</file>
-
-<file path=ppt/slides/slide28.xml><?xml version="1.0" encoding="utf-8"?>
-<p:sld xmlns:a="http://schemas.openxmlformats.org/drawingml/2006/main" xmlns:r="http://schemas.openxmlformats.org/officeDocument/2006/relationships" xmlns:p="http://schemas.openxmlformats.org/presentationml/2006/main">
-  <p:cSld>
-    <p:spTree>
-      <p:nvGrpSpPr>
-        <p:cNvPr id="1" name=""/>
-        <p:cNvGrpSpPr/>
-        <p:nvPr/>
-      </p:nvGrpSpPr>
-      <p:grpSpPr>
-        <a:xfrm>
-          <a:off x="0" y="0"/>
-          <a:ext cx="0" cy="0"/>
-          <a:chOff x="0" y="0"/>
-          <a:chExt cx="0" cy="0"/>
-        </a:xfrm>
-      </p:grpSpPr>
-      <p:sp>
-        <p:nvSpPr>
-          <p:cNvPr id="46" name="灯片编号占位符 45"/>
-          <p:cNvSpPr>
-            <a:spLocks noGrp="1"/>
-          </p:cNvSpPr>
-          <p:nvPr>
-            <p:ph type="sldNum" sz="quarter" idx="12"/>
-          </p:nvPr>
-        </p:nvSpPr>
-        <p:spPr/>
-        <p:txBody>
-          <a:bodyPr/>
-          <a:lstStyle/>
-          <a:p>
-            <a:fld id="{B67B34C1-29DF-48A7-B438-B832F2B2885C}" type="slidenum">
-              <a:rPr lang="zh-CN" altLang="en-US" smtClean="0"/>
-              <a:pPr/>
-              <a:t>28</a:t>
             </a:fld>
             <a:endParaRPr lang="zh-CN" altLang="en-US" dirty="0"/>
           </a:p>
@@ -10448,7 +9818,7 @@
 </p:sld>
 </file>
 
-<file path=ppt/slides/slide29.xml><?xml version="1.0" encoding="utf-8"?>
+<file path=ppt/slides/slide26.xml><?xml version="1.0" encoding="utf-8"?>
 <p:sld xmlns:a="http://schemas.openxmlformats.org/drawingml/2006/main" xmlns:r="http://schemas.openxmlformats.org/officeDocument/2006/relationships" xmlns:p="http://schemas.openxmlformats.org/presentationml/2006/main">
   <p:cSld>
     <p:spTree>
@@ -11161,7 +10531,423 @@
 </p:sld>
 </file>
 
-<file path=ppt/slides/slide3.xml><?xml version="1.0" encoding="utf-8"?>
+<file path=ppt/slides/slide27.xml><?xml version="1.0" encoding="utf-8"?>
+<p:sld xmlns:a="http://schemas.openxmlformats.org/drawingml/2006/main" xmlns:r="http://schemas.openxmlformats.org/officeDocument/2006/relationships" xmlns:p="http://schemas.openxmlformats.org/presentationml/2006/main">
+  <p:cSld>
+    <p:spTree>
+      <p:nvGrpSpPr>
+        <p:cNvPr id="1" name=""/>
+        <p:cNvGrpSpPr/>
+        <p:nvPr/>
+      </p:nvGrpSpPr>
+      <p:grpSpPr>
+        <a:xfrm>
+          <a:off x="0" y="0"/>
+          <a:ext cx="0" cy="0"/>
+          <a:chOff x="0" y="0"/>
+          <a:chExt cx="0" cy="0"/>
+        </a:xfrm>
+      </p:grpSpPr>
+      <p:sp>
+        <p:nvSpPr>
+          <p:cNvPr id="46" name="灯片编号占位符 45"/>
+          <p:cNvSpPr>
+            <a:spLocks noGrp="1"/>
+          </p:cNvSpPr>
+          <p:nvPr>
+            <p:ph type="sldNum" sz="quarter" idx="12"/>
+          </p:nvPr>
+        </p:nvSpPr>
+        <p:spPr/>
+        <p:txBody>
+          <a:bodyPr/>
+          <a:lstStyle/>
+          <a:p>
+            <a:fld id="{B67B34C1-29DF-48A7-B438-B832F2B2885C}" type="slidenum">
+              <a:rPr lang="zh-CN" altLang="en-US" smtClean="0"/>
+              <a:pPr/>
+              <a:t>27</a:t>
+            </a:fld>
+            <a:endParaRPr lang="zh-CN" altLang="en-US" dirty="0"/>
+          </a:p>
+        </p:txBody>
+      </p:sp>
+      <p:sp>
+        <p:nvSpPr>
+          <p:cNvPr id="25" name="矩形 24"/>
+          <p:cNvSpPr/>
+          <p:nvPr/>
+        </p:nvSpPr>
+        <p:spPr>
+          <a:xfrm>
+            <a:off x="283464" y="286512"/>
+            <a:ext cx="155448" cy="457200"/>
+          </a:xfrm>
+          <a:prstGeom prst="rect">
+            <a:avLst/>
+          </a:prstGeom>
+          <a:solidFill>
+            <a:srgbClr val="FC611F"/>
+          </a:solidFill>
+          <a:ln>
+            <a:noFill/>
+          </a:ln>
+        </p:spPr>
+        <p:style>
+          <a:lnRef idx="2">
+            <a:schemeClr val="accent1">
+              <a:shade val="50000"/>
+            </a:schemeClr>
+          </a:lnRef>
+          <a:fillRef idx="1">
+            <a:schemeClr val="accent1"/>
+          </a:fillRef>
+          <a:effectRef idx="0">
+            <a:schemeClr val="accent1"/>
+          </a:effectRef>
+          <a:fontRef idx="minor">
+            <a:schemeClr val="lt1"/>
+          </a:fontRef>
+        </p:style>
+        <p:txBody>
+          <a:bodyPr rtlCol="0" anchor="ctr"/>
+          <a:lstStyle/>
+          <a:p>
+            <a:pPr algn="ctr"/>
+            <a:endParaRPr lang="zh-CN" altLang="en-US"/>
+          </a:p>
+        </p:txBody>
+      </p:sp>
+      <p:cxnSp>
+        <p:nvCxnSpPr>
+          <p:cNvPr id="26" name="直接连接符 25"/>
+          <p:cNvCxnSpPr/>
+          <p:nvPr/>
+        </p:nvCxnSpPr>
+        <p:spPr>
+          <a:xfrm>
+            <a:off x="502920" y="286512"/>
+            <a:ext cx="0" cy="457200"/>
+          </a:xfrm>
+          <a:prstGeom prst="line">
+            <a:avLst/>
+          </a:prstGeom>
+          <a:ln w="38100">
+            <a:solidFill>
+              <a:srgbClr val="FC611F"/>
+            </a:solidFill>
+          </a:ln>
+        </p:spPr>
+        <p:style>
+          <a:lnRef idx="1">
+            <a:schemeClr val="accent1"/>
+          </a:lnRef>
+          <a:fillRef idx="0">
+            <a:schemeClr val="accent1"/>
+          </a:fillRef>
+          <a:effectRef idx="0">
+            <a:schemeClr val="accent1"/>
+          </a:effectRef>
+          <a:fontRef idx="minor">
+            <a:schemeClr val="tx1"/>
+          </a:fontRef>
+        </p:style>
+      </p:cxnSp>
+      <p:sp>
+        <p:nvSpPr>
+          <p:cNvPr id="27" name="矩形 26"/>
+          <p:cNvSpPr/>
+          <p:nvPr/>
+        </p:nvSpPr>
+        <p:spPr>
+          <a:xfrm>
+            <a:off x="532880" y="196057"/>
+            <a:ext cx="1568058" cy="400110"/>
+          </a:xfrm>
+          <a:prstGeom prst="rect">
+            <a:avLst/>
+          </a:prstGeom>
+        </p:spPr>
+        <p:txBody>
+          <a:bodyPr wrap="none">
+            <a:spAutoFit/>
+          </a:bodyPr>
+          <a:lstStyle/>
+          <a:p>
+            <a:pPr algn="ctr"/>
+            <a:r>
+              <a:rPr lang="en-US" altLang="zh-CN" sz="2000" b="1" dirty="0" smtClean="0">
+                <a:solidFill>
+                  <a:srgbClr val="FC611F"/>
+                </a:solidFill>
+                <a:latin typeface="Arial Unicode MS" panose="020B0604020202020204" pitchFamily="34" charset="-122"/>
+                <a:ea typeface="Arial Unicode MS" panose="020B0604020202020204" pitchFamily="34" charset="-122"/>
+                <a:cs typeface="Arial Unicode MS" panose="020B0604020202020204" pitchFamily="34" charset="-122"/>
+              </a:rPr>
+              <a:t>Ecosystems</a:t>
+            </a:r>
+          </a:p>
+        </p:txBody>
+      </p:sp>
+      <p:pic>
+        <p:nvPicPr>
+          <p:cNvPr id="2" name="Picture 1"/>
+          <p:cNvPicPr>
+            <a:picLocks noChangeAspect="1"/>
+          </p:cNvPicPr>
+          <p:nvPr/>
+        </p:nvPicPr>
+        <p:blipFill>
+          <a:blip r:embed="rId2">
+            <a:extLst>
+              <a:ext uri="{28A0092B-C50C-407E-A947-70E740481C1C}">
+                <a14:useLocalDpi xmlns:a14="http://schemas.microsoft.com/office/drawing/2010/main" val="0"/>
+              </a:ext>
+            </a:extLst>
+          </a:blip>
+          <a:stretch>
+            <a:fillRect/>
+          </a:stretch>
+        </p:blipFill>
+        <p:spPr>
+          <a:xfrm>
+            <a:off x="989195" y="849988"/>
+            <a:ext cx="6550858" cy="3960750"/>
+          </a:xfrm>
+          <a:prstGeom prst="rect">
+            <a:avLst/>
+          </a:prstGeom>
+        </p:spPr>
+      </p:pic>
+    </p:spTree>
+    <p:extLst>
+      <p:ext uri="{BB962C8B-B14F-4D97-AF65-F5344CB8AC3E}">
+        <p14:creationId xmlns:p14="http://schemas.microsoft.com/office/powerpoint/2010/main" val="1157409633"/>
+      </p:ext>
+    </p:extLst>
+  </p:cSld>
+  <p:clrMapOvr>
+    <a:masterClrMapping/>
+  </p:clrMapOvr>
+  <p:timing>
+    <p:tnLst>
+      <p:par>
+        <p:cTn id="1" dur="indefinite" restart="never" nodeType="tmRoot"/>
+      </p:par>
+    </p:tnLst>
+  </p:timing>
+</p:sld>
+</file>
+
+<file path=ppt/slides/slide28.xml><?xml version="1.0" encoding="utf-8"?>
+<p:sld xmlns:a="http://schemas.openxmlformats.org/drawingml/2006/main" xmlns:r="http://schemas.openxmlformats.org/officeDocument/2006/relationships" xmlns:p="http://schemas.openxmlformats.org/presentationml/2006/main">
+  <p:cSld>
+    <p:spTree>
+      <p:nvGrpSpPr>
+        <p:cNvPr id="1" name=""/>
+        <p:cNvGrpSpPr/>
+        <p:nvPr/>
+      </p:nvGrpSpPr>
+      <p:grpSpPr>
+        <a:xfrm>
+          <a:off x="0" y="0"/>
+          <a:ext cx="0" cy="0"/>
+          <a:chOff x="0" y="0"/>
+          <a:chExt cx="0" cy="0"/>
+        </a:xfrm>
+      </p:grpSpPr>
+      <p:sp>
+        <p:nvSpPr>
+          <p:cNvPr id="46" name="灯片编号占位符 45"/>
+          <p:cNvSpPr>
+            <a:spLocks noGrp="1"/>
+          </p:cNvSpPr>
+          <p:nvPr>
+            <p:ph type="sldNum" sz="quarter" idx="12"/>
+          </p:nvPr>
+        </p:nvSpPr>
+        <p:spPr/>
+        <p:txBody>
+          <a:bodyPr/>
+          <a:lstStyle/>
+          <a:p>
+            <a:fld id="{B67B34C1-29DF-48A7-B438-B832F2B2885C}" type="slidenum">
+              <a:rPr lang="zh-CN" altLang="en-US" smtClean="0"/>
+              <a:pPr/>
+              <a:t>28</a:t>
+            </a:fld>
+            <a:endParaRPr lang="zh-CN" altLang="en-US" dirty="0"/>
+          </a:p>
+        </p:txBody>
+      </p:sp>
+      <p:sp>
+        <p:nvSpPr>
+          <p:cNvPr id="25" name="矩形 24"/>
+          <p:cNvSpPr/>
+          <p:nvPr/>
+        </p:nvSpPr>
+        <p:spPr>
+          <a:xfrm>
+            <a:off x="283464" y="286512"/>
+            <a:ext cx="155448" cy="457200"/>
+          </a:xfrm>
+          <a:prstGeom prst="rect">
+            <a:avLst/>
+          </a:prstGeom>
+          <a:solidFill>
+            <a:srgbClr val="FC611F"/>
+          </a:solidFill>
+          <a:ln>
+            <a:noFill/>
+          </a:ln>
+        </p:spPr>
+        <p:style>
+          <a:lnRef idx="2">
+            <a:schemeClr val="accent1">
+              <a:shade val="50000"/>
+            </a:schemeClr>
+          </a:lnRef>
+          <a:fillRef idx="1">
+            <a:schemeClr val="accent1"/>
+          </a:fillRef>
+          <a:effectRef idx="0">
+            <a:schemeClr val="accent1"/>
+          </a:effectRef>
+          <a:fontRef idx="minor">
+            <a:schemeClr val="lt1"/>
+          </a:fontRef>
+        </p:style>
+        <p:txBody>
+          <a:bodyPr rtlCol="0" anchor="ctr"/>
+          <a:lstStyle/>
+          <a:p>
+            <a:pPr algn="ctr"/>
+            <a:endParaRPr lang="zh-CN" altLang="en-US"/>
+          </a:p>
+        </p:txBody>
+      </p:sp>
+      <p:cxnSp>
+        <p:nvCxnSpPr>
+          <p:cNvPr id="26" name="直接连接符 25"/>
+          <p:cNvCxnSpPr/>
+          <p:nvPr/>
+        </p:nvCxnSpPr>
+        <p:spPr>
+          <a:xfrm>
+            <a:off x="502920" y="286512"/>
+            <a:ext cx="0" cy="457200"/>
+          </a:xfrm>
+          <a:prstGeom prst="line">
+            <a:avLst/>
+          </a:prstGeom>
+          <a:ln w="38100">
+            <a:solidFill>
+              <a:srgbClr val="FC611F"/>
+            </a:solidFill>
+          </a:ln>
+        </p:spPr>
+        <p:style>
+          <a:lnRef idx="1">
+            <a:schemeClr val="accent1"/>
+          </a:lnRef>
+          <a:fillRef idx="0">
+            <a:schemeClr val="accent1"/>
+          </a:fillRef>
+          <a:effectRef idx="0">
+            <a:schemeClr val="accent1"/>
+          </a:effectRef>
+          <a:fontRef idx="minor">
+            <a:schemeClr val="tx1"/>
+          </a:fontRef>
+        </p:style>
+      </p:cxnSp>
+      <p:sp>
+        <p:nvSpPr>
+          <p:cNvPr id="27" name="矩形 26"/>
+          <p:cNvSpPr/>
+          <p:nvPr/>
+        </p:nvSpPr>
+        <p:spPr>
+          <a:xfrm>
+            <a:off x="539294" y="196057"/>
+            <a:ext cx="1555234" cy="400110"/>
+          </a:xfrm>
+          <a:prstGeom prst="rect">
+            <a:avLst/>
+          </a:prstGeom>
+        </p:spPr>
+        <p:txBody>
+          <a:bodyPr wrap="none">
+            <a:spAutoFit/>
+          </a:bodyPr>
+          <a:lstStyle/>
+          <a:p>
+            <a:pPr algn="ctr"/>
+            <a:r>
+              <a:rPr lang="en-US" altLang="zh-CN" sz="2000" b="1" dirty="0" smtClean="0">
+                <a:solidFill>
+                  <a:srgbClr val="FC611F"/>
+                </a:solidFill>
+                <a:latin typeface="Arial Unicode MS" panose="020B0604020202020204" pitchFamily="34" charset="-122"/>
+                <a:ea typeface="Arial Unicode MS" panose="020B0604020202020204" pitchFamily="34" charset="-122"/>
+                <a:cs typeface="Arial Unicode MS" panose="020B0604020202020204" pitchFamily="34" charset="-122"/>
+              </a:rPr>
+              <a:t>Architecture</a:t>
+            </a:r>
+          </a:p>
+        </p:txBody>
+      </p:sp>
+      <p:pic>
+        <p:nvPicPr>
+          <p:cNvPr id="3" name="Picture 2"/>
+          <p:cNvPicPr>
+            <a:picLocks noChangeAspect="1"/>
+          </p:cNvPicPr>
+          <p:nvPr/>
+        </p:nvPicPr>
+        <p:blipFill>
+          <a:blip r:embed="rId2">
+            <a:extLst>
+              <a:ext uri="{28A0092B-C50C-407E-A947-70E740481C1C}">
+                <a14:useLocalDpi xmlns:a14="http://schemas.microsoft.com/office/drawing/2010/main" val="0"/>
+              </a:ext>
+            </a:extLst>
+          </a:blip>
+          <a:stretch>
+            <a:fillRect/>
+          </a:stretch>
+        </p:blipFill>
+        <p:spPr>
+          <a:xfrm>
+            <a:off x="610927" y="838356"/>
+            <a:ext cx="7580273" cy="3958496"/>
+          </a:xfrm>
+          <a:prstGeom prst="rect">
+            <a:avLst/>
+          </a:prstGeom>
+        </p:spPr>
+      </p:pic>
+    </p:spTree>
+    <p:extLst>
+      <p:ext uri="{BB962C8B-B14F-4D97-AF65-F5344CB8AC3E}">
+        <p14:creationId xmlns:p14="http://schemas.microsoft.com/office/powerpoint/2010/main" val="3722399308"/>
+      </p:ext>
+    </p:extLst>
+  </p:cSld>
+  <p:clrMapOvr>
+    <a:masterClrMapping/>
+  </p:clrMapOvr>
+  <p:timing>
+    <p:tnLst>
+      <p:par>
+        <p:cTn id="1" dur="indefinite" restart="never" nodeType="tmRoot"/>
+      </p:par>
+    </p:tnLst>
+  </p:timing>
+</p:sld>
+</file>
+
+<file path=ppt/slides/slide29.xml><?xml version="1.0" encoding="utf-8"?>
 <p:sld xmlns:a="http://schemas.openxmlformats.org/drawingml/2006/main" xmlns:r="http://schemas.openxmlformats.org/officeDocument/2006/relationships" xmlns:p="http://schemas.openxmlformats.org/presentationml/2006/main">
   <p:cSld>
     <p:spTree>
@@ -11186,8 +10972,8 @@
         </p:nvGrpSpPr>
         <p:grpSpPr>
           <a:xfrm>
-            <a:off x="1671403" y="402681"/>
-            <a:ext cx="5816184" cy="4289240"/>
+            <a:off x="2786285" y="627534"/>
+            <a:ext cx="3571431" cy="3180603"/>
             <a:chOff x="3186113" y="530112"/>
             <a:chExt cx="2625725" cy="2338387"/>
           </a:xfrm>
@@ -11763,8 +11549,8 @@
         </p:nvSpPr>
         <p:spPr>
           <a:xfrm>
-            <a:off x="2093948" y="1490320"/>
-            <a:ext cx="4956101" cy="1200329"/>
+            <a:off x="3267570" y="1287955"/>
+            <a:ext cx="2608856" cy="1200329"/>
           </a:xfrm>
           <a:prstGeom prst="rect">
             <a:avLst/>
@@ -11786,13 +11572,55 @@
                 <a:ea typeface="Arial Unicode MS" pitchFamily="34" charset="-122"/>
                 <a:cs typeface="Arial Unicode MS" pitchFamily="34" charset="-122"/>
               </a:rPr>
-              <a:t>chew the fat</a:t>
+              <a:t>PART4</a:t>
             </a:r>
-            <a:endParaRPr lang="zh-CN" altLang="en-US" sz="7200" b="1" dirty="0">
+            <a:endParaRPr lang="zh-CN" altLang="en-US" sz="1200" dirty="0">
               <a:solidFill>
                 <a:srgbClr val="1C2B38"/>
               </a:solidFill>
-              <a:latin typeface="+mj-lt"/>
+              <a:latin typeface="Arial Unicode MS" pitchFamily="34" charset="-122"/>
+              <a:ea typeface="Arial Unicode MS" pitchFamily="34" charset="-122"/>
+              <a:cs typeface="Arial Unicode MS" pitchFamily="34" charset="-122"/>
+            </a:endParaRPr>
+          </a:p>
+        </p:txBody>
+      </p:sp>
+      <p:sp>
+        <p:nvSpPr>
+          <p:cNvPr id="41" name="矩形 40"/>
+          <p:cNvSpPr/>
+          <p:nvPr/>
+        </p:nvSpPr>
+        <p:spPr>
+          <a:xfrm>
+            <a:off x="3580383" y="3911446"/>
+            <a:ext cx="1983235" cy="584775"/>
+          </a:xfrm>
+          <a:prstGeom prst="rect">
+            <a:avLst/>
+          </a:prstGeom>
+        </p:spPr>
+        <p:txBody>
+          <a:bodyPr wrap="none">
+            <a:spAutoFit/>
+          </a:bodyPr>
+          <a:lstStyle/>
+          <a:p>
+            <a:pPr algn="ctr"/>
+            <a:r>
+              <a:rPr lang="en-US" altLang="zh-CN" sz="3200" b="1" dirty="0">
+                <a:solidFill>
+                  <a:srgbClr val="1C2B38"/>
+                </a:solidFill>
+                <a:ea typeface="Arial Unicode MS" pitchFamily="34" charset="-122"/>
+                <a:cs typeface="Arial Unicode MS" pitchFamily="34" charset="-122"/>
+              </a:rPr>
+              <a:t>Spark RDD</a:t>
+            </a:r>
+            <a:endParaRPr lang="zh-CN" altLang="en-US" sz="3200" b="1" dirty="0">
+              <a:solidFill>
+                <a:srgbClr val="1C2B38"/>
+              </a:solidFill>
               <a:ea typeface="Arial Unicode MS" pitchFamily="34" charset="-122"/>
               <a:cs typeface="Arial Unicode MS" pitchFamily="34" charset="-122"/>
             </a:endParaRPr>
@@ -11802,7 +11630,7 @@
     </p:spTree>
     <p:extLst>
       <p:ext uri="{BB962C8B-B14F-4D97-AF65-F5344CB8AC3E}">
-        <p14:creationId xmlns:p14="http://schemas.microsoft.com/office/powerpoint/2010/main" val="524767803"/>
+        <p14:creationId xmlns:p14="http://schemas.microsoft.com/office/powerpoint/2010/main" val="2757867016"/>
       </p:ext>
     </p:extLst>
   </p:cSld>
@@ -11819,423 +11647,7 @@
 </p:sld>
 </file>
 
-<file path=ppt/slides/slide30.xml><?xml version="1.0" encoding="utf-8"?>
-<p:sld xmlns:a="http://schemas.openxmlformats.org/drawingml/2006/main" xmlns:r="http://schemas.openxmlformats.org/officeDocument/2006/relationships" xmlns:p="http://schemas.openxmlformats.org/presentationml/2006/main">
-  <p:cSld>
-    <p:spTree>
-      <p:nvGrpSpPr>
-        <p:cNvPr id="1" name=""/>
-        <p:cNvGrpSpPr/>
-        <p:nvPr/>
-      </p:nvGrpSpPr>
-      <p:grpSpPr>
-        <a:xfrm>
-          <a:off x="0" y="0"/>
-          <a:ext cx="0" cy="0"/>
-          <a:chOff x="0" y="0"/>
-          <a:chExt cx="0" cy="0"/>
-        </a:xfrm>
-      </p:grpSpPr>
-      <p:sp>
-        <p:nvSpPr>
-          <p:cNvPr id="46" name="灯片编号占位符 45"/>
-          <p:cNvSpPr>
-            <a:spLocks noGrp="1"/>
-          </p:cNvSpPr>
-          <p:nvPr>
-            <p:ph type="sldNum" sz="quarter" idx="12"/>
-          </p:nvPr>
-        </p:nvSpPr>
-        <p:spPr/>
-        <p:txBody>
-          <a:bodyPr/>
-          <a:lstStyle/>
-          <a:p>
-            <a:fld id="{B67B34C1-29DF-48A7-B438-B832F2B2885C}" type="slidenum">
-              <a:rPr lang="zh-CN" altLang="en-US" smtClean="0"/>
-              <a:pPr/>
-              <a:t>30</a:t>
-            </a:fld>
-            <a:endParaRPr lang="zh-CN" altLang="en-US" dirty="0"/>
-          </a:p>
-        </p:txBody>
-      </p:sp>
-      <p:sp>
-        <p:nvSpPr>
-          <p:cNvPr id="25" name="矩形 24"/>
-          <p:cNvSpPr/>
-          <p:nvPr/>
-        </p:nvSpPr>
-        <p:spPr>
-          <a:xfrm>
-            <a:off x="283464" y="286512"/>
-            <a:ext cx="155448" cy="457200"/>
-          </a:xfrm>
-          <a:prstGeom prst="rect">
-            <a:avLst/>
-          </a:prstGeom>
-          <a:solidFill>
-            <a:srgbClr val="FC611F"/>
-          </a:solidFill>
-          <a:ln>
-            <a:noFill/>
-          </a:ln>
-        </p:spPr>
-        <p:style>
-          <a:lnRef idx="2">
-            <a:schemeClr val="accent1">
-              <a:shade val="50000"/>
-            </a:schemeClr>
-          </a:lnRef>
-          <a:fillRef idx="1">
-            <a:schemeClr val="accent1"/>
-          </a:fillRef>
-          <a:effectRef idx="0">
-            <a:schemeClr val="accent1"/>
-          </a:effectRef>
-          <a:fontRef idx="minor">
-            <a:schemeClr val="lt1"/>
-          </a:fontRef>
-        </p:style>
-        <p:txBody>
-          <a:bodyPr rtlCol="0" anchor="ctr"/>
-          <a:lstStyle/>
-          <a:p>
-            <a:pPr algn="ctr"/>
-            <a:endParaRPr lang="zh-CN" altLang="en-US"/>
-          </a:p>
-        </p:txBody>
-      </p:sp>
-      <p:cxnSp>
-        <p:nvCxnSpPr>
-          <p:cNvPr id="26" name="直接连接符 25"/>
-          <p:cNvCxnSpPr/>
-          <p:nvPr/>
-        </p:nvCxnSpPr>
-        <p:spPr>
-          <a:xfrm>
-            <a:off x="502920" y="286512"/>
-            <a:ext cx="0" cy="457200"/>
-          </a:xfrm>
-          <a:prstGeom prst="line">
-            <a:avLst/>
-          </a:prstGeom>
-          <a:ln w="38100">
-            <a:solidFill>
-              <a:srgbClr val="FC611F"/>
-            </a:solidFill>
-          </a:ln>
-        </p:spPr>
-        <p:style>
-          <a:lnRef idx="1">
-            <a:schemeClr val="accent1"/>
-          </a:lnRef>
-          <a:fillRef idx="0">
-            <a:schemeClr val="accent1"/>
-          </a:fillRef>
-          <a:effectRef idx="0">
-            <a:schemeClr val="accent1"/>
-          </a:effectRef>
-          <a:fontRef idx="minor">
-            <a:schemeClr val="tx1"/>
-          </a:fontRef>
-        </p:style>
-      </p:cxnSp>
-      <p:sp>
-        <p:nvSpPr>
-          <p:cNvPr id="27" name="矩形 26"/>
-          <p:cNvSpPr/>
-          <p:nvPr/>
-        </p:nvSpPr>
-        <p:spPr>
-          <a:xfrm>
-            <a:off x="532880" y="196057"/>
-            <a:ext cx="1568058" cy="400110"/>
-          </a:xfrm>
-          <a:prstGeom prst="rect">
-            <a:avLst/>
-          </a:prstGeom>
-        </p:spPr>
-        <p:txBody>
-          <a:bodyPr wrap="none">
-            <a:spAutoFit/>
-          </a:bodyPr>
-          <a:lstStyle/>
-          <a:p>
-            <a:pPr algn="ctr"/>
-            <a:r>
-              <a:rPr lang="en-US" altLang="zh-CN" sz="2000" b="1" dirty="0" smtClean="0">
-                <a:solidFill>
-                  <a:srgbClr val="FC611F"/>
-                </a:solidFill>
-                <a:latin typeface="Arial Unicode MS" panose="020B0604020202020204" pitchFamily="34" charset="-122"/>
-                <a:ea typeface="Arial Unicode MS" panose="020B0604020202020204" pitchFamily="34" charset="-122"/>
-                <a:cs typeface="Arial Unicode MS" panose="020B0604020202020204" pitchFamily="34" charset="-122"/>
-              </a:rPr>
-              <a:t>Ecosystems</a:t>
-            </a:r>
-          </a:p>
-        </p:txBody>
-      </p:sp>
-      <p:pic>
-        <p:nvPicPr>
-          <p:cNvPr id="2" name="Picture 1"/>
-          <p:cNvPicPr>
-            <a:picLocks noChangeAspect="1"/>
-          </p:cNvPicPr>
-          <p:nvPr/>
-        </p:nvPicPr>
-        <p:blipFill>
-          <a:blip r:embed="rId2">
-            <a:extLst>
-              <a:ext uri="{28A0092B-C50C-407E-A947-70E740481C1C}">
-                <a14:useLocalDpi xmlns:a14="http://schemas.microsoft.com/office/drawing/2010/main" val="0"/>
-              </a:ext>
-            </a:extLst>
-          </a:blip>
-          <a:stretch>
-            <a:fillRect/>
-          </a:stretch>
-        </p:blipFill>
-        <p:spPr>
-          <a:xfrm>
-            <a:off x="989195" y="849988"/>
-            <a:ext cx="6550858" cy="3960750"/>
-          </a:xfrm>
-          <a:prstGeom prst="rect">
-            <a:avLst/>
-          </a:prstGeom>
-        </p:spPr>
-      </p:pic>
-    </p:spTree>
-    <p:extLst>
-      <p:ext uri="{BB962C8B-B14F-4D97-AF65-F5344CB8AC3E}">
-        <p14:creationId xmlns:p14="http://schemas.microsoft.com/office/powerpoint/2010/main" val="1157409633"/>
-      </p:ext>
-    </p:extLst>
-  </p:cSld>
-  <p:clrMapOvr>
-    <a:masterClrMapping/>
-  </p:clrMapOvr>
-  <p:timing>
-    <p:tnLst>
-      <p:par>
-        <p:cTn id="1" dur="indefinite" restart="never" nodeType="tmRoot"/>
-      </p:par>
-    </p:tnLst>
-  </p:timing>
-</p:sld>
-</file>
-
-<file path=ppt/slides/slide31.xml><?xml version="1.0" encoding="utf-8"?>
-<p:sld xmlns:a="http://schemas.openxmlformats.org/drawingml/2006/main" xmlns:r="http://schemas.openxmlformats.org/officeDocument/2006/relationships" xmlns:p="http://schemas.openxmlformats.org/presentationml/2006/main">
-  <p:cSld>
-    <p:spTree>
-      <p:nvGrpSpPr>
-        <p:cNvPr id="1" name=""/>
-        <p:cNvGrpSpPr/>
-        <p:nvPr/>
-      </p:nvGrpSpPr>
-      <p:grpSpPr>
-        <a:xfrm>
-          <a:off x="0" y="0"/>
-          <a:ext cx="0" cy="0"/>
-          <a:chOff x="0" y="0"/>
-          <a:chExt cx="0" cy="0"/>
-        </a:xfrm>
-      </p:grpSpPr>
-      <p:sp>
-        <p:nvSpPr>
-          <p:cNvPr id="46" name="灯片编号占位符 45"/>
-          <p:cNvSpPr>
-            <a:spLocks noGrp="1"/>
-          </p:cNvSpPr>
-          <p:nvPr>
-            <p:ph type="sldNum" sz="quarter" idx="12"/>
-          </p:nvPr>
-        </p:nvSpPr>
-        <p:spPr/>
-        <p:txBody>
-          <a:bodyPr/>
-          <a:lstStyle/>
-          <a:p>
-            <a:fld id="{B67B34C1-29DF-48A7-B438-B832F2B2885C}" type="slidenum">
-              <a:rPr lang="zh-CN" altLang="en-US" smtClean="0"/>
-              <a:pPr/>
-              <a:t>31</a:t>
-            </a:fld>
-            <a:endParaRPr lang="zh-CN" altLang="en-US" dirty="0"/>
-          </a:p>
-        </p:txBody>
-      </p:sp>
-      <p:sp>
-        <p:nvSpPr>
-          <p:cNvPr id="25" name="矩形 24"/>
-          <p:cNvSpPr/>
-          <p:nvPr/>
-        </p:nvSpPr>
-        <p:spPr>
-          <a:xfrm>
-            <a:off x="283464" y="286512"/>
-            <a:ext cx="155448" cy="457200"/>
-          </a:xfrm>
-          <a:prstGeom prst="rect">
-            <a:avLst/>
-          </a:prstGeom>
-          <a:solidFill>
-            <a:srgbClr val="FC611F"/>
-          </a:solidFill>
-          <a:ln>
-            <a:noFill/>
-          </a:ln>
-        </p:spPr>
-        <p:style>
-          <a:lnRef idx="2">
-            <a:schemeClr val="accent1">
-              <a:shade val="50000"/>
-            </a:schemeClr>
-          </a:lnRef>
-          <a:fillRef idx="1">
-            <a:schemeClr val="accent1"/>
-          </a:fillRef>
-          <a:effectRef idx="0">
-            <a:schemeClr val="accent1"/>
-          </a:effectRef>
-          <a:fontRef idx="minor">
-            <a:schemeClr val="lt1"/>
-          </a:fontRef>
-        </p:style>
-        <p:txBody>
-          <a:bodyPr rtlCol="0" anchor="ctr"/>
-          <a:lstStyle/>
-          <a:p>
-            <a:pPr algn="ctr"/>
-            <a:endParaRPr lang="zh-CN" altLang="en-US"/>
-          </a:p>
-        </p:txBody>
-      </p:sp>
-      <p:cxnSp>
-        <p:nvCxnSpPr>
-          <p:cNvPr id="26" name="直接连接符 25"/>
-          <p:cNvCxnSpPr/>
-          <p:nvPr/>
-        </p:nvCxnSpPr>
-        <p:spPr>
-          <a:xfrm>
-            <a:off x="502920" y="286512"/>
-            <a:ext cx="0" cy="457200"/>
-          </a:xfrm>
-          <a:prstGeom prst="line">
-            <a:avLst/>
-          </a:prstGeom>
-          <a:ln w="38100">
-            <a:solidFill>
-              <a:srgbClr val="FC611F"/>
-            </a:solidFill>
-          </a:ln>
-        </p:spPr>
-        <p:style>
-          <a:lnRef idx="1">
-            <a:schemeClr val="accent1"/>
-          </a:lnRef>
-          <a:fillRef idx="0">
-            <a:schemeClr val="accent1"/>
-          </a:fillRef>
-          <a:effectRef idx="0">
-            <a:schemeClr val="accent1"/>
-          </a:effectRef>
-          <a:fontRef idx="minor">
-            <a:schemeClr val="tx1"/>
-          </a:fontRef>
-        </p:style>
-      </p:cxnSp>
-      <p:sp>
-        <p:nvSpPr>
-          <p:cNvPr id="27" name="矩形 26"/>
-          <p:cNvSpPr/>
-          <p:nvPr/>
-        </p:nvSpPr>
-        <p:spPr>
-          <a:xfrm>
-            <a:off x="539294" y="196057"/>
-            <a:ext cx="1555234" cy="400110"/>
-          </a:xfrm>
-          <a:prstGeom prst="rect">
-            <a:avLst/>
-          </a:prstGeom>
-        </p:spPr>
-        <p:txBody>
-          <a:bodyPr wrap="none">
-            <a:spAutoFit/>
-          </a:bodyPr>
-          <a:lstStyle/>
-          <a:p>
-            <a:pPr algn="ctr"/>
-            <a:r>
-              <a:rPr lang="en-US" altLang="zh-CN" sz="2000" b="1" dirty="0" smtClean="0">
-                <a:solidFill>
-                  <a:srgbClr val="FC611F"/>
-                </a:solidFill>
-                <a:latin typeface="Arial Unicode MS" panose="020B0604020202020204" pitchFamily="34" charset="-122"/>
-                <a:ea typeface="Arial Unicode MS" panose="020B0604020202020204" pitchFamily="34" charset="-122"/>
-                <a:cs typeface="Arial Unicode MS" panose="020B0604020202020204" pitchFamily="34" charset="-122"/>
-              </a:rPr>
-              <a:t>Architecture</a:t>
-            </a:r>
-          </a:p>
-        </p:txBody>
-      </p:sp>
-      <p:pic>
-        <p:nvPicPr>
-          <p:cNvPr id="3" name="Picture 2"/>
-          <p:cNvPicPr>
-            <a:picLocks noChangeAspect="1"/>
-          </p:cNvPicPr>
-          <p:nvPr/>
-        </p:nvPicPr>
-        <p:blipFill>
-          <a:blip r:embed="rId2">
-            <a:extLst>
-              <a:ext uri="{28A0092B-C50C-407E-A947-70E740481C1C}">
-                <a14:useLocalDpi xmlns:a14="http://schemas.microsoft.com/office/drawing/2010/main" val="0"/>
-              </a:ext>
-            </a:extLst>
-          </a:blip>
-          <a:stretch>
-            <a:fillRect/>
-          </a:stretch>
-        </p:blipFill>
-        <p:spPr>
-          <a:xfrm>
-            <a:off x="610927" y="838356"/>
-            <a:ext cx="7580273" cy="3958496"/>
-          </a:xfrm>
-          <a:prstGeom prst="rect">
-            <a:avLst/>
-          </a:prstGeom>
-        </p:spPr>
-      </p:pic>
-    </p:spTree>
-    <p:extLst>
-      <p:ext uri="{BB962C8B-B14F-4D97-AF65-F5344CB8AC3E}">
-        <p14:creationId xmlns:p14="http://schemas.microsoft.com/office/powerpoint/2010/main" val="3722399308"/>
-      </p:ext>
-    </p:extLst>
-  </p:cSld>
-  <p:clrMapOvr>
-    <a:masterClrMapping/>
-  </p:clrMapOvr>
-  <p:timing>
-    <p:tnLst>
-      <p:par>
-        <p:cTn id="1" dur="indefinite" restart="never" nodeType="tmRoot"/>
-      </p:par>
-    </p:tnLst>
-  </p:timing>
-</p:sld>
-</file>
-
-<file path=ppt/slides/slide32.xml><?xml version="1.0" encoding="utf-8"?>
+<file path=ppt/slides/slide3.xml><?xml version="1.0" encoding="utf-8"?>
 <p:sld xmlns:a="http://schemas.openxmlformats.org/drawingml/2006/main" xmlns:r="http://schemas.openxmlformats.org/officeDocument/2006/relationships" xmlns:p="http://schemas.openxmlformats.org/presentationml/2006/main">
   <p:cSld>
     <p:spTree>
@@ -12837,8 +12249,8 @@
         </p:nvSpPr>
         <p:spPr>
           <a:xfrm>
-            <a:off x="3267570" y="1287955"/>
-            <a:ext cx="2608856" cy="1200329"/>
+            <a:off x="3090696" y="1287955"/>
+            <a:ext cx="2962606" cy="1200329"/>
           </a:xfrm>
           <a:prstGeom prst="rect">
             <a:avLst/>
@@ -12860,7 +12272,7 @@
                 <a:ea typeface="Arial Unicode MS" pitchFamily="34" charset="-122"/>
                 <a:cs typeface="Arial Unicode MS" pitchFamily="34" charset="-122"/>
               </a:rPr>
-              <a:t>PART4</a:t>
+              <a:t>Review</a:t>
             </a:r>
             <a:endParaRPr lang="zh-CN" altLang="en-US" sz="1200" dirty="0">
               <a:solidFill>
@@ -12881,8 +12293,8 @@
         </p:nvSpPr>
         <p:spPr>
           <a:xfrm>
-            <a:off x="3580383" y="3911446"/>
-            <a:ext cx="1983235" cy="584775"/>
+            <a:off x="3861906" y="3911446"/>
+            <a:ext cx="1420196" cy="584775"/>
           </a:xfrm>
           <a:prstGeom prst="rect">
             <a:avLst/>
@@ -12896,29 +12308,23 @@
           <a:p>
             <a:pPr algn="ctr"/>
             <a:r>
-              <a:rPr lang="en-US" altLang="zh-CN" sz="3200" b="1" dirty="0">
+              <a:rPr lang="en-US" altLang="zh-CN" sz="3200" b="1" dirty="0" smtClean="0">
                 <a:solidFill>
                   <a:srgbClr val="1C2B38"/>
                 </a:solidFill>
+                <a:latin typeface="+mj-lt"/>
                 <a:ea typeface="Arial Unicode MS" pitchFamily="34" charset="-122"/>
                 <a:cs typeface="Arial Unicode MS" pitchFamily="34" charset="-122"/>
               </a:rPr>
-              <a:t>Spark RDD</a:t>
+              <a:t>Review</a:t>
             </a:r>
-            <a:endParaRPr lang="zh-CN" altLang="en-US" sz="3200" b="1" dirty="0">
-              <a:solidFill>
-                <a:srgbClr val="1C2B38"/>
-              </a:solidFill>
-              <a:ea typeface="Arial Unicode MS" pitchFamily="34" charset="-122"/>
-              <a:cs typeface="Arial Unicode MS" pitchFamily="34" charset="-122"/>
-            </a:endParaRPr>
           </a:p>
         </p:txBody>
       </p:sp>
     </p:spTree>
     <p:extLst>
       <p:ext uri="{BB962C8B-B14F-4D97-AF65-F5344CB8AC3E}">
-        <p14:creationId xmlns:p14="http://schemas.microsoft.com/office/powerpoint/2010/main" val="2757867016"/>
+        <p14:creationId xmlns:p14="http://schemas.microsoft.com/office/powerpoint/2010/main" val="1381242771"/>
       </p:ext>
     </p:extLst>
   </p:cSld>
@@ -12935,7 +12341,7 @@
 </p:sld>
 </file>
 
-<file path=ppt/slides/slide33.xml><?xml version="1.0" encoding="utf-8"?>
+<file path=ppt/slides/slide30.xml><?xml version="1.0" encoding="utf-8"?>
 <p:sld xmlns:a="http://schemas.openxmlformats.org/drawingml/2006/main" xmlns:r="http://schemas.openxmlformats.org/officeDocument/2006/relationships" xmlns:p="http://schemas.openxmlformats.org/presentationml/2006/main">
   <p:cSld>
     <p:spTree>
@@ -12970,7 +12376,7 @@
             <a:fld id="{B67B34C1-29DF-48A7-B438-B832F2B2885C}" type="slidenum">
               <a:rPr lang="zh-CN" altLang="en-US" smtClean="0"/>
               <a:pPr/>
-              <a:t>33</a:t>
+              <a:t>30</a:t>
             </a:fld>
             <a:endParaRPr lang="zh-CN" altLang="en-US" dirty="0"/>
           </a:p>
@@ -13142,7 +12548,7 @@
 </p:sld>
 </file>
 
-<file path=ppt/slides/slide34.xml><?xml version="1.0" encoding="utf-8"?>
+<file path=ppt/slides/slide31.xml><?xml version="1.0" encoding="utf-8"?>
 <p:sld xmlns:a="http://schemas.openxmlformats.org/drawingml/2006/main" xmlns:r="http://schemas.openxmlformats.org/officeDocument/2006/relationships" xmlns:p="http://schemas.openxmlformats.org/presentationml/2006/main">
   <p:cSld>
     <p:spTree>
@@ -13177,7 +12583,7 @@
             <a:fld id="{B67B34C1-29DF-48A7-B438-B832F2B2885C}" type="slidenum">
               <a:rPr lang="zh-CN" altLang="en-US" smtClean="0"/>
               <a:pPr/>
-              <a:t>34</a:t>
+              <a:t>31</a:t>
             </a:fld>
             <a:endParaRPr lang="zh-CN" altLang="en-US" dirty="0"/>
           </a:p>
@@ -13349,7 +12755,7 @@
 </p:sld>
 </file>
 
-<file path=ppt/slides/slide35.xml><?xml version="1.0" encoding="utf-8"?>
+<file path=ppt/slides/slide32.xml><?xml version="1.0" encoding="utf-8"?>
 <p:sld xmlns:a="http://schemas.openxmlformats.org/drawingml/2006/main" xmlns:r="http://schemas.openxmlformats.org/officeDocument/2006/relationships" xmlns:p="http://schemas.openxmlformats.org/presentationml/2006/main">
   <p:cSld>
     <p:spTree>
@@ -13384,7 +12790,7 @@
             <a:fld id="{B67B34C1-29DF-48A7-B438-B832F2B2885C}" type="slidenum">
               <a:rPr lang="zh-CN" altLang="en-US" smtClean="0"/>
               <a:pPr/>
-              <a:t>35</a:t>
+              <a:t>32</a:t>
             </a:fld>
             <a:endParaRPr lang="zh-CN" altLang="en-US" dirty="0"/>
           </a:p>
@@ -13557,7 +12963,7 @@
 </p:sld>
 </file>
 
-<file path=ppt/slides/slide36.xml><?xml version="1.0" encoding="utf-8"?>
+<file path=ppt/slides/slide33.xml><?xml version="1.0" encoding="utf-8"?>
 <p:sld xmlns:a="http://schemas.openxmlformats.org/drawingml/2006/main" xmlns:r="http://schemas.openxmlformats.org/officeDocument/2006/relationships" xmlns:p="http://schemas.openxmlformats.org/presentationml/2006/main">
   <p:cSld>
     <p:spTree>
@@ -14345,8 +13751,8 @@
         </p:nvSpPr>
         <p:spPr>
           <a:xfrm>
-            <a:off x="522677" y="188562"/>
-            <a:ext cx="2667718" cy="707886"/>
+            <a:off x="483999" y="203552"/>
+            <a:ext cx="1410964" cy="400110"/>
           </a:xfrm>
           <a:prstGeom prst="rect">
             <a:avLst/>
@@ -14358,6 +13764,7 @@
           </a:bodyPr>
           <a:lstStyle/>
           <a:p>
+            <a:pPr algn="ctr"/>
             <a:r>
               <a:rPr lang="en-US" altLang="zh-CN" sz="2000" b="1" dirty="0" smtClean="0">
                 <a:solidFill>
@@ -14367,52 +13774,20 @@
                 <a:ea typeface="Arial Unicode MS" panose="020B0604020202020204" pitchFamily="34" charset="-122"/>
                 <a:cs typeface="Arial Unicode MS" panose="020B0604020202020204" pitchFamily="34" charset="-122"/>
               </a:rPr>
-              <a:t>Forgetting Curve</a:t>
+              <a:t>Zookeeper</a:t>
             </a:r>
-          </a:p>
-          <a:p>
-            <a:r>
-              <a:rPr lang="en-US" altLang="zh-CN" sz="2000" b="1" dirty="0">
-                <a:solidFill>
-                  <a:srgbClr val="FC611F"/>
-                </a:solidFill>
-                <a:latin typeface="Arial Unicode MS" panose="020B0604020202020204" pitchFamily="34" charset="-122"/>
-                <a:ea typeface="Arial Unicode MS" panose="020B0604020202020204" pitchFamily="34" charset="-122"/>
-                <a:cs typeface="Arial Unicode MS" panose="020B0604020202020204" pitchFamily="34" charset="-122"/>
-              </a:rPr>
-              <a:t>Hermann </a:t>
-            </a:r>
-            <a:r>
-              <a:rPr lang="en-US" altLang="zh-CN" sz="2000" b="1" dirty="0" err="1">
-                <a:solidFill>
-                  <a:srgbClr val="FC611F"/>
-                </a:solidFill>
-                <a:latin typeface="Arial Unicode MS" panose="020B0604020202020204" pitchFamily="34" charset="-122"/>
-                <a:ea typeface="Arial Unicode MS" panose="020B0604020202020204" pitchFamily="34" charset="-122"/>
-                <a:cs typeface="Arial Unicode MS" panose="020B0604020202020204" pitchFamily="34" charset="-122"/>
-              </a:rPr>
-              <a:t>Ebbinghaus</a:t>
-            </a:r>
-            <a:endParaRPr lang="en-US" altLang="zh-CN" sz="2000" b="1" dirty="0" smtClean="0">
-              <a:solidFill>
-                <a:srgbClr val="FC611F"/>
-              </a:solidFill>
-              <a:latin typeface="Arial Unicode MS" panose="020B0604020202020204" pitchFamily="34" charset="-122"/>
-              <a:ea typeface="Arial Unicode MS" panose="020B0604020202020204" pitchFamily="34" charset="-122"/>
-              <a:cs typeface="Arial Unicode MS" panose="020B0604020202020204" pitchFamily="34" charset="-122"/>
-            </a:endParaRPr>
           </a:p>
         </p:txBody>
       </p:sp>
       <p:pic>
         <p:nvPicPr>
-          <p:cNvPr id="8" name="Picture 7"/>
+          <p:cNvPr id="6" name="Picture 5"/>
           <p:cNvPicPr>
             <a:picLocks noChangeAspect="1"/>
           </p:cNvPicPr>
           <p:nvPr/>
         </p:nvPicPr>
-        <p:blipFill>
+        <p:blipFill rotWithShape="1">
           <a:blip r:embed="rId2">
             <a:extLst>
               <a:ext uri="{28A0092B-C50C-407E-A947-70E740481C1C}">
@@ -14420,14 +13795,13 @@
               </a:ext>
             </a:extLst>
           </a:blip>
-          <a:stretch>
-            <a:fillRect/>
-          </a:stretch>
+          <a:srcRect b="4327"/>
+          <a:stretch/>
         </p:blipFill>
         <p:spPr>
           <a:xfrm>
-            <a:off x="1720902" y="896448"/>
-            <a:ext cx="5324475" cy="3997529"/>
+            <a:off x="483999" y="899544"/>
+            <a:ext cx="8267075" cy="3852338"/>
           </a:xfrm>
           <a:prstGeom prst="rect">
             <a:avLst/>
@@ -14437,7 +13811,7 @@
     </p:spTree>
     <p:extLst>
       <p:ext uri="{BB962C8B-B14F-4D97-AF65-F5344CB8AC3E}">
-        <p14:creationId xmlns:p14="http://schemas.microsoft.com/office/powerpoint/2010/main" val="2473087182"/>
+        <p14:creationId xmlns:p14="http://schemas.microsoft.com/office/powerpoint/2010/main" val="2050081896"/>
       </p:ext>
     </p:extLst>
   </p:cSld>
@@ -14584,8 +13958,8 @@
         </p:nvSpPr>
         <p:spPr>
           <a:xfrm>
-            <a:off x="492220" y="203552"/>
-            <a:ext cx="2728632" cy="400110"/>
+            <a:off x="483999" y="203552"/>
+            <a:ext cx="1410964" cy="400110"/>
           </a:xfrm>
           <a:prstGeom prst="rect">
             <a:avLst/>
@@ -14607,20 +13981,20 @@
                 <a:ea typeface="Arial Unicode MS" panose="020B0604020202020204" pitchFamily="34" charset="-122"/>
                 <a:cs typeface="Arial Unicode MS" panose="020B0604020202020204" pitchFamily="34" charset="-122"/>
               </a:rPr>
-              <a:t>The Cone Of Learning</a:t>
+              <a:t>Zookeeper</a:t>
             </a:r>
           </a:p>
         </p:txBody>
       </p:sp>
       <p:pic>
         <p:nvPicPr>
-          <p:cNvPr id="7" name="Picture 6"/>
+          <p:cNvPr id="5" name="Picture 4"/>
           <p:cNvPicPr>
             <a:picLocks noChangeAspect="1"/>
           </p:cNvPicPr>
           <p:nvPr/>
         </p:nvPicPr>
-        <p:blipFill rotWithShape="1">
+        <p:blipFill>
           <a:blip r:embed="rId2">
             <a:extLst>
               <a:ext uri="{28A0092B-C50C-407E-A947-70E740481C1C}">
@@ -14628,13 +14002,14 @@
               </a:ext>
             </a:extLst>
           </a:blip>
-          <a:srcRect t="11551"/>
-          <a:stretch/>
+          <a:stretch>
+            <a:fillRect/>
+          </a:stretch>
         </p:blipFill>
         <p:spPr>
           <a:xfrm>
-            <a:off x="1112348" y="743712"/>
-            <a:ext cx="6536900" cy="4256937"/>
+            <a:off x="1124731" y="743712"/>
+            <a:ext cx="6152994" cy="4010285"/>
           </a:xfrm>
           <a:prstGeom prst="rect">
             <a:avLst/>
@@ -14644,7 +14019,7 @@
     </p:spTree>
     <p:extLst>
       <p:ext uri="{BB962C8B-B14F-4D97-AF65-F5344CB8AC3E}">
-        <p14:creationId xmlns:p14="http://schemas.microsoft.com/office/powerpoint/2010/main" val="1921946635"/>
+        <p14:creationId xmlns:p14="http://schemas.microsoft.com/office/powerpoint/2010/main" val="490634651"/>
       </p:ext>
     </p:extLst>
   </p:cSld>
@@ -14678,593 +14053,121 @@
           <a:chExt cx="0" cy="0"/>
         </a:xfrm>
       </p:grpSpPr>
-      <p:grpSp>
-        <p:nvGrpSpPr>
-          <p:cNvPr id="32" name="组合 31"/>
-          <p:cNvGrpSpPr/>
-          <p:nvPr/>
-        </p:nvGrpSpPr>
-        <p:grpSpPr>
-          <a:xfrm>
-            <a:off x="2786285" y="627534"/>
-            <a:ext cx="3571431" cy="3180603"/>
-            <a:chOff x="3186113" y="530112"/>
-            <a:chExt cx="2625725" cy="2338387"/>
-          </a:xfrm>
-        </p:grpSpPr>
-        <p:sp>
-          <p:nvSpPr>
-            <p:cNvPr id="3" name="Rectangle 9"/>
-            <p:cNvSpPr>
-              <a:spLocks noChangeArrowheads="1"/>
-            </p:cNvSpPr>
-            <p:nvPr/>
-          </p:nvSpPr>
-          <p:spPr bwMode="auto">
-            <a:xfrm>
-              <a:off x="3338513" y="693625"/>
-              <a:ext cx="2320925" cy="1635125"/>
-            </a:xfrm>
-            <a:prstGeom prst="rect">
-              <a:avLst/>
-            </a:prstGeom>
-            <a:solidFill>
-              <a:schemeClr val="bg1">
-                <a:lumMod val="95000"/>
-              </a:schemeClr>
-            </a:solidFill>
-            <a:ln>
-              <a:noFill/>
-            </a:ln>
-            <a:extLst>
-              <a:ext uri="{91240B29-F687-4F45-9708-019B960494DF}">
-                <a14:hiddenLine xmlns:a14="http://schemas.microsoft.com/office/drawing/2010/main" w="9525">
-                  <a:solidFill>
-                    <a:srgbClr val="000000"/>
-                  </a:solidFill>
-                  <a:miter lim="800000"/>
-                  <a:headEnd/>
-                  <a:tailEnd/>
-                </a14:hiddenLine>
-              </a:ext>
-            </a:extLst>
-          </p:spPr>
-          <p:txBody>
-            <a:bodyPr vert="horz" wrap="square" lIns="91440" tIns="45720" rIns="91440" bIns="45720" numCol="1" anchor="t" anchorCtr="0" compatLnSpc="1">
-              <a:prstTxWarp prst="textNoShape">
-                <a:avLst/>
-              </a:prstTxWarp>
-            </a:bodyPr>
-            <a:lstStyle/>
-            <a:p>
-              <a:endParaRPr lang="zh-CN" altLang="en-US"/>
-            </a:p>
-          </p:txBody>
-        </p:sp>
-        <p:sp>
-          <p:nvSpPr>
-            <p:cNvPr id="5" name="Freeform 11"/>
-            <p:cNvSpPr>
-              <a:spLocks noEditPoints="1"/>
-            </p:cNvSpPr>
-            <p:nvPr/>
-          </p:nvSpPr>
-          <p:spPr bwMode="auto">
-            <a:xfrm>
-              <a:off x="3186113" y="530112"/>
-              <a:ext cx="2625725" cy="1895475"/>
-            </a:xfrm>
-            <a:custGeom>
-              <a:avLst/>
-              <a:gdLst>
-                <a:gd name="T0" fmla="*/ 397 w 432"/>
-                <a:gd name="T1" fmla="*/ 0 h 312"/>
-                <a:gd name="T2" fmla="*/ 33 w 432"/>
-                <a:gd name="T3" fmla="*/ 0 h 312"/>
-                <a:gd name="T4" fmla="*/ 0 w 432"/>
-                <a:gd name="T5" fmla="*/ 35 h 312"/>
-                <a:gd name="T6" fmla="*/ 0 w 432"/>
-                <a:gd name="T7" fmla="*/ 276 h 312"/>
-                <a:gd name="T8" fmla="*/ 33 w 432"/>
-                <a:gd name="T9" fmla="*/ 312 h 312"/>
-                <a:gd name="T10" fmla="*/ 397 w 432"/>
-                <a:gd name="T11" fmla="*/ 312 h 312"/>
-                <a:gd name="T12" fmla="*/ 432 w 432"/>
-                <a:gd name="T13" fmla="*/ 276 h 312"/>
-                <a:gd name="T14" fmla="*/ 432 w 432"/>
-                <a:gd name="T15" fmla="*/ 35 h 312"/>
-                <a:gd name="T16" fmla="*/ 397 w 432"/>
-                <a:gd name="T17" fmla="*/ 0 h 312"/>
-                <a:gd name="T18" fmla="*/ 408 w 432"/>
-                <a:gd name="T19" fmla="*/ 284 h 312"/>
-                <a:gd name="T20" fmla="*/ 24 w 432"/>
-                <a:gd name="T21" fmla="*/ 284 h 312"/>
-                <a:gd name="T22" fmla="*/ 24 w 432"/>
-                <a:gd name="T23" fmla="*/ 28 h 312"/>
-                <a:gd name="T24" fmla="*/ 408 w 432"/>
-                <a:gd name="T25" fmla="*/ 28 h 312"/>
-                <a:gd name="T26" fmla="*/ 408 w 432"/>
-                <a:gd name="T27" fmla="*/ 284 h 312"/>
-              </a:gdLst>
-              <a:ahLst/>
-              <a:cxnLst>
-                <a:cxn ang="0">
-                  <a:pos x="T0" y="T1"/>
-                </a:cxn>
-                <a:cxn ang="0">
-                  <a:pos x="T2" y="T3"/>
-                </a:cxn>
-                <a:cxn ang="0">
-                  <a:pos x="T4" y="T5"/>
-                </a:cxn>
-                <a:cxn ang="0">
-                  <a:pos x="T6" y="T7"/>
-                </a:cxn>
-                <a:cxn ang="0">
-                  <a:pos x="T8" y="T9"/>
-                </a:cxn>
-                <a:cxn ang="0">
-                  <a:pos x="T10" y="T11"/>
-                </a:cxn>
-                <a:cxn ang="0">
-                  <a:pos x="T12" y="T13"/>
-                </a:cxn>
-                <a:cxn ang="0">
-                  <a:pos x="T14" y="T15"/>
-                </a:cxn>
-                <a:cxn ang="0">
-                  <a:pos x="T16" y="T17"/>
-                </a:cxn>
-                <a:cxn ang="0">
-                  <a:pos x="T18" y="T19"/>
-                </a:cxn>
-                <a:cxn ang="0">
-                  <a:pos x="T20" y="T21"/>
-                </a:cxn>
-                <a:cxn ang="0">
-                  <a:pos x="T22" y="T23"/>
-                </a:cxn>
-                <a:cxn ang="0">
-                  <a:pos x="T24" y="T25"/>
-                </a:cxn>
-                <a:cxn ang="0">
-                  <a:pos x="T26" y="T27"/>
-                </a:cxn>
-              </a:cxnLst>
-              <a:rect l="0" t="0" r="r" b="b"/>
-              <a:pathLst>
-                <a:path w="432" h="312">
-                  <a:moveTo>
-                    <a:pt x="397" y="0"/>
-                  </a:moveTo>
-                  <a:cubicBezTo>
-                    <a:pt x="33" y="0"/>
-                    <a:pt x="33" y="0"/>
-                    <a:pt x="33" y="0"/>
-                  </a:cubicBezTo>
-                  <a:cubicBezTo>
-                    <a:pt x="15" y="0"/>
-                    <a:pt x="0" y="16"/>
-                    <a:pt x="0" y="35"/>
-                  </a:cubicBezTo>
-                  <a:cubicBezTo>
-                    <a:pt x="0" y="276"/>
-                    <a:pt x="0" y="276"/>
-                    <a:pt x="0" y="276"/>
-                  </a:cubicBezTo>
-                  <a:cubicBezTo>
-                    <a:pt x="0" y="295"/>
-                    <a:pt x="15" y="312"/>
-                    <a:pt x="33" y="312"/>
-                  </a:cubicBezTo>
-                  <a:cubicBezTo>
-                    <a:pt x="397" y="312"/>
-                    <a:pt x="397" y="312"/>
-                    <a:pt x="397" y="312"/>
-                  </a:cubicBezTo>
-                  <a:cubicBezTo>
-                    <a:pt x="416" y="312"/>
-                    <a:pt x="432" y="295"/>
-                    <a:pt x="432" y="276"/>
-                  </a:cubicBezTo>
-                  <a:cubicBezTo>
-                    <a:pt x="432" y="35"/>
-                    <a:pt x="432" y="35"/>
-                    <a:pt x="432" y="35"/>
-                  </a:cubicBezTo>
-                  <a:cubicBezTo>
-                    <a:pt x="432" y="16"/>
-                    <a:pt x="416" y="0"/>
-                    <a:pt x="397" y="0"/>
-                  </a:cubicBezTo>
-                  <a:close/>
-                  <a:moveTo>
-                    <a:pt x="408" y="284"/>
-                  </a:moveTo>
-                  <a:cubicBezTo>
-                    <a:pt x="24" y="284"/>
-                    <a:pt x="24" y="284"/>
-                    <a:pt x="24" y="284"/>
-                  </a:cubicBezTo>
-                  <a:cubicBezTo>
-                    <a:pt x="24" y="28"/>
-                    <a:pt x="24" y="28"/>
-                    <a:pt x="24" y="28"/>
-                  </a:cubicBezTo>
-                  <a:cubicBezTo>
-                    <a:pt x="408" y="28"/>
-                    <a:pt x="408" y="28"/>
-                    <a:pt x="408" y="28"/>
-                  </a:cubicBezTo>
-                  <a:lnTo>
-                    <a:pt x="408" y="284"/>
-                  </a:lnTo>
-                  <a:close/>
-                </a:path>
-              </a:pathLst>
-            </a:custGeom>
-            <a:solidFill>
-              <a:srgbClr val="1C2B38"/>
-            </a:solidFill>
-            <a:ln>
-              <a:noFill/>
-            </a:ln>
-            <a:extLst>
-              <a:ext uri="{91240B29-F687-4F45-9708-019B960494DF}">
-                <a14:hiddenLine xmlns:a14="http://schemas.microsoft.com/office/drawing/2010/main" w="9525">
-                  <a:solidFill>
-                    <a:srgbClr val="000000"/>
-                  </a:solidFill>
-                  <a:round/>
-                  <a:headEnd/>
-                  <a:tailEnd/>
-                </a14:hiddenLine>
-              </a:ext>
-            </a:extLst>
-          </p:spPr>
-          <p:txBody>
-            <a:bodyPr vert="horz" wrap="square" lIns="91440" tIns="45720" rIns="91440" bIns="45720" numCol="1" anchor="t" anchorCtr="0" compatLnSpc="1">
-              <a:prstTxWarp prst="textNoShape">
-                <a:avLst/>
-              </a:prstTxWarp>
-            </a:bodyPr>
-            <a:lstStyle/>
-            <a:p>
-              <a:endParaRPr lang="zh-CN" altLang="en-US"/>
-            </a:p>
-          </p:txBody>
-        </p:sp>
-        <p:sp>
-          <p:nvSpPr>
-            <p:cNvPr id="6" name="Freeform 12"/>
-            <p:cNvSpPr>
-              <a:spLocks/>
-            </p:cNvSpPr>
-            <p:nvPr/>
-          </p:nvSpPr>
-          <p:spPr bwMode="auto">
-            <a:xfrm>
-              <a:off x="3867150" y="2546237"/>
-              <a:ext cx="1257300" cy="322262"/>
-            </a:xfrm>
-            <a:custGeom>
-              <a:avLst/>
-              <a:gdLst>
-                <a:gd name="T0" fmla="*/ 163 w 207"/>
-                <a:gd name="T1" fmla="*/ 35 h 53"/>
-                <a:gd name="T2" fmla="*/ 207 w 207"/>
-                <a:gd name="T3" fmla="*/ 35 h 53"/>
-                <a:gd name="T4" fmla="*/ 207 w 207"/>
-                <a:gd name="T5" fmla="*/ 53 h 53"/>
-                <a:gd name="T6" fmla="*/ 0 w 207"/>
-                <a:gd name="T7" fmla="*/ 53 h 53"/>
-                <a:gd name="T8" fmla="*/ 0 w 207"/>
-                <a:gd name="T9" fmla="*/ 35 h 53"/>
-                <a:gd name="T10" fmla="*/ 44 w 207"/>
-                <a:gd name="T11" fmla="*/ 35 h 53"/>
-                <a:gd name="T12" fmla="*/ 58 w 207"/>
-                <a:gd name="T13" fmla="*/ 11 h 53"/>
-                <a:gd name="T14" fmla="*/ 66 w 207"/>
-                <a:gd name="T15" fmla="*/ 0 h 53"/>
-                <a:gd name="T16" fmla="*/ 104 w 207"/>
-                <a:gd name="T17" fmla="*/ 0 h 53"/>
-                <a:gd name="T18" fmla="*/ 141 w 207"/>
-                <a:gd name="T19" fmla="*/ 0 h 53"/>
-                <a:gd name="T20" fmla="*/ 149 w 207"/>
-                <a:gd name="T21" fmla="*/ 11 h 53"/>
-                <a:gd name="T22" fmla="*/ 163 w 207"/>
-                <a:gd name="T23" fmla="*/ 35 h 53"/>
-              </a:gdLst>
-              <a:ahLst/>
-              <a:cxnLst>
-                <a:cxn ang="0">
-                  <a:pos x="T0" y="T1"/>
-                </a:cxn>
-                <a:cxn ang="0">
-                  <a:pos x="T2" y="T3"/>
-                </a:cxn>
-                <a:cxn ang="0">
-                  <a:pos x="T4" y="T5"/>
-                </a:cxn>
-                <a:cxn ang="0">
-                  <a:pos x="T6" y="T7"/>
-                </a:cxn>
-                <a:cxn ang="0">
-                  <a:pos x="T8" y="T9"/>
-                </a:cxn>
-                <a:cxn ang="0">
-                  <a:pos x="T10" y="T11"/>
-                </a:cxn>
-                <a:cxn ang="0">
-                  <a:pos x="T12" y="T13"/>
-                </a:cxn>
-                <a:cxn ang="0">
-                  <a:pos x="T14" y="T15"/>
-                </a:cxn>
-                <a:cxn ang="0">
-                  <a:pos x="T16" y="T17"/>
-                </a:cxn>
-                <a:cxn ang="0">
-                  <a:pos x="T18" y="T19"/>
-                </a:cxn>
-                <a:cxn ang="0">
-                  <a:pos x="T20" y="T21"/>
-                </a:cxn>
-                <a:cxn ang="0">
-                  <a:pos x="T22" y="T23"/>
-                </a:cxn>
-              </a:cxnLst>
-              <a:rect l="0" t="0" r="r" b="b"/>
-              <a:pathLst>
-                <a:path w="207" h="53">
-                  <a:moveTo>
-                    <a:pt x="163" y="35"/>
-                  </a:moveTo>
-                  <a:cubicBezTo>
-                    <a:pt x="207" y="35"/>
-                    <a:pt x="207" y="35"/>
-                    <a:pt x="207" y="35"/>
-                  </a:cubicBezTo>
-                  <a:cubicBezTo>
-                    <a:pt x="207" y="53"/>
-                    <a:pt x="207" y="53"/>
-                    <a:pt x="207" y="53"/>
-                  </a:cubicBezTo>
-                  <a:cubicBezTo>
-                    <a:pt x="0" y="53"/>
-                    <a:pt x="0" y="53"/>
-                    <a:pt x="0" y="53"/>
-                  </a:cubicBezTo>
-                  <a:cubicBezTo>
-                    <a:pt x="0" y="35"/>
-                    <a:pt x="0" y="35"/>
-                    <a:pt x="0" y="35"/>
-                  </a:cubicBezTo>
-                  <a:cubicBezTo>
-                    <a:pt x="44" y="35"/>
-                    <a:pt x="44" y="35"/>
-                    <a:pt x="44" y="35"/>
-                  </a:cubicBezTo>
-                  <a:cubicBezTo>
-                    <a:pt x="48" y="31"/>
-                    <a:pt x="53" y="24"/>
-                    <a:pt x="58" y="11"/>
-                  </a:cubicBezTo>
-                  <a:cubicBezTo>
-                    <a:pt x="58" y="11"/>
-                    <a:pt x="61" y="1"/>
-                    <a:pt x="66" y="0"/>
-                  </a:cubicBezTo>
-                  <a:cubicBezTo>
-                    <a:pt x="69" y="0"/>
-                    <a:pt x="86" y="0"/>
-                    <a:pt x="104" y="0"/>
-                  </a:cubicBezTo>
-                  <a:cubicBezTo>
-                    <a:pt x="121" y="0"/>
-                    <a:pt x="138" y="0"/>
-                    <a:pt x="141" y="0"/>
-                  </a:cubicBezTo>
-                  <a:cubicBezTo>
-                    <a:pt x="146" y="1"/>
-                    <a:pt x="149" y="11"/>
-                    <a:pt x="149" y="11"/>
-                  </a:cubicBezTo>
-                  <a:cubicBezTo>
-                    <a:pt x="154" y="24"/>
-                    <a:pt x="159" y="31"/>
-                    <a:pt x="163" y="35"/>
-                  </a:cubicBezTo>
-                  <a:close/>
-                </a:path>
-              </a:pathLst>
-            </a:custGeom>
-            <a:solidFill>
-              <a:srgbClr val="464F5A"/>
-            </a:solidFill>
-            <a:ln>
-              <a:noFill/>
-            </a:ln>
-            <a:extLst>
-              <a:ext uri="{91240B29-F687-4F45-9708-019B960494DF}">
-                <a14:hiddenLine xmlns:a14="http://schemas.microsoft.com/office/drawing/2010/main" w="9525">
-                  <a:solidFill>
-                    <a:srgbClr val="000000"/>
-                  </a:solidFill>
-                  <a:round/>
-                  <a:headEnd/>
-                  <a:tailEnd/>
-                </a14:hiddenLine>
-              </a:ext>
-            </a:extLst>
-          </p:spPr>
-          <p:txBody>
-            <a:bodyPr vert="horz" wrap="square" lIns="91440" tIns="45720" rIns="91440" bIns="45720" numCol="1" anchor="t" anchorCtr="0" compatLnSpc="1">
-              <a:prstTxWarp prst="textNoShape">
-                <a:avLst/>
-              </a:prstTxWarp>
-            </a:bodyPr>
-            <a:lstStyle/>
-            <a:p>
-              <a:endParaRPr lang="zh-CN" altLang="en-US"/>
-            </a:p>
-          </p:txBody>
-        </p:sp>
-        <p:sp>
-          <p:nvSpPr>
-            <p:cNvPr id="7" name="Freeform 13"/>
-            <p:cNvSpPr>
-              <a:spLocks/>
-            </p:cNvSpPr>
-            <p:nvPr/>
-          </p:nvSpPr>
-          <p:spPr bwMode="auto">
-            <a:xfrm>
-              <a:off x="4340225" y="2546237"/>
-              <a:ext cx="784225" cy="322262"/>
-            </a:xfrm>
-            <a:custGeom>
-              <a:avLst/>
-              <a:gdLst>
-                <a:gd name="T0" fmla="*/ 85 w 129"/>
-                <a:gd name="T1" fmla="*/ 35 h 53"/>
-                <a:gd name="T2" fmla="*/ 71 w 129"/>
-                <a:gd name="T3" fmla="*/ 11 h 53"/>
-                <a:gd name="T4" fmla="*/ 63 w 129"/>
-                <a:gd name="T5" fmla="*/ 0 h 53"/>
-                <a:gd name="T6" fmla="*/ 26 w 129"/>
-                <a:gd name="T7" fmla="*/ 0 h 53"/>
-                <a:gd name="T8" fmla="*/ 0 w 129"/>
-                <a:gd name="T9" fmla="*/ 0 h 53"/>
-                <a:gd name="T10" fmla="*/ 59 w 129"/>
-                <a:gd name="T11" fmla="*/ 53 h 53"/>
-                <a:gd name="T12" fmla="*/ 129 w 129"/>
-                <a:gd name="T13" fmla="*/ 53 h 53"/>
-                <a:gd name="T14" fmla="*/ 129 w 129"/>
-                <a:gd name="T15" fmla="*/ 35 h 53"/>
-                <a:gd name="T16" fmla="*/ 85 w 129"/>
-                <a:gd name="T17" fmla="*/ 35 h 53"/>
-              </a:gdLst>
-              <a:ahLst/>
-              <a:cxnLst>
-                <a:cxn ang="0">
-                  <a:pos x="T0" y="T1"/>
-                </a:cxn>
-                <a:cxn ang="0">
-                  <a:pos x="T2" y="T3"/>
-                </a:cxn>
-                <a:cxn ang="0">
-                  <a:pos x="T4" y="T5"/>
-                </a:cxn>
-                <a:cxn ang="0">
-                  <a:pos x="T6" y="T7"/>
-                </a:cxn>
-                <a:cxn ang="0">
-                  <a:pos x="T8" y="T9"/>
-                </a:cxn>
-                <a:cxn ang="0">
-                  <a:pos x="T10" y="T11"/>
-                </a:cxn>
-                <a:cxn ang="0">
-                  <a:pos x="T12" y="T13"/>
-                </a:cxn>
-                <a:cxn ang="0">
-                  <a:pos x="T14" y="T15"/>
-                </a:cxn>
-                <a:cxn ang="0">
-                  <a:pos x="T16" y="T17"/>
-                </a:cxn>
-              </a:cxnLst>
-              <a:rect l="0" t="0" r="r" b="b"/>
-              <a:pathLst>
-                <a:path w="129" h="53">
-                  <a:moveTo>
-                    <a:pt x="85" y="35"/>
-                  </a:moveTo>
-                  <a:cubicBezTo>
-                    <a:pt x="81" y="31"/>
-                    <a:pt x="76" y="24"/>
-                    <a:pt x="71" y="11"/>
-                  </a:cubicBezTo>
-                  <a:cubicBezTo>
-                    <a:pt x="71" y="11"/>
-                    <a:pt x="68" y="1"/>
-                    <a:pt x="63" y="0"/>
-                  </a:cubicBezTo>
-                  <a:cubicBezTo>
-                    <a:pt x="60" y="0"/>
-                    <a:pt x="43" y="0"/>
-                    <a:pt x="26" y="0"/>
-                  </a:cubicBezTo>
-                  <a:cubicBezTo>
-                    <a:pt x="16" y="0"/>
-                    <a:pt x="7" y="0"/>
-                    <a:pt x="0" y="0"/>
-                  </a:cubicBezTo>
-                  <a:cubicBezTo>
-                    <a:pt x="21" y="15"/>
-                    <a:pt x="41" y="33"/>
-                    <a:pt x="59" y="53"/>
-                  </a:cubicBezTo>
-                  <a:cubicBezTo>
-                    <a:pt x="129" y="53"/>
-                    <a:pt x="129" y="53"/>
-                    <a:pt x="129" y="53"/>
-                  </a:cubicBezTo>
-                  <a:cubicBezTo>
-                    <a:pt x="129" y="35"/>
-                    <a:pt x="129" y="35"/>
-                    <a:pt x="129" y="35"/>
-                  </a:cubicBezTo>
-                  <a:lnTo>
-                    <a:pt x="85" y="35"/>
-                  </a:lnTo>
-                  <a:close/>
-                </a:path>
-              </a:pathLst>
-            </a:custGeom>
-            <a:solidFill>
-              <a:srgbClr val="1C2B38"/>
-            </a:solidFill>
-            <a:ln>
-              <a:noFill/>
-            </a:ln>
-            <a:extLst>
-              <a:ext uri="{91240B29-F687-4F45-9708-019B960494DF}">
-                <a14:hiddenLine xmlns:a14="http://schemas.microsoft.com/office/drawing/2010/main" w="9525">
-                  <a:solidFill>
-                    <a:srgbClr val="000000"/>
-                  </a:solidFill>
-                  <a:round/>
-                  <a:headEnd/>
-                  <a:tailEnd/>
-                </a14:hiddenLine>
-              </a:ext>
-            </a:extLst>
-          </p:spPr>
-          <p:txBody>
-            <a:bodyPr vert="horz" wrap="square" lIns="91440" tIns="45720" rIns="91440" bIns="45720" numCol="1" anchor="t" anchorCtr="0" compatLnSpc="1">
-              <a:prstTxWarp prst="textNoShape">
-                <a:avLst/>
-              </a:prstTxWarp>
-            </a:bodyPr>
-            <a:lstStyle/>
-            <a:p>
-              <a:endParaRPr lang="zh-CN" altLang="en-US"/>
-            </a:p>
-          </p:txBody>
-        </p:sp>
-      </p:grpSp>
       <p:sp>
         <p:nvSpPr>
-          <p:cNvPr id="35" name="矩形 34"/>
+          <p:cNvPr id="46" name="灯片编号占位符 45"/>
+          <p:cNvSpPr>
+            <a:spLocks noGrp="1"/>
+          </p:cNvSpPr>
+          <p:nvPr>
+            <p:ph type="sldNum" sz="quarter" idx="12"/>
+          </p:nvPr>
+        </p:nvSpPr>
+        <p:spPr/>
+        <p:txBody>
+          <a:bodyPr/>
+          <a:lstStyle/>
+          <a:p>
+            <a:fld id="{B67B34C1-29DF-48A7-B438-B832F2B2885C}" type="slidenum">
+              <a:rPr lang="zh-CN" altLang="en-US" smtClean="0"/>
+              <a:pPr/>
+              <a:t>6</a:t>
+            </a:fld>
+            <a:endParaRPr lang="zh-CN" altLang="en-US" dirty="0"/>
+          </a:p>
+        </p:txBody>
+      </p:sp>
+      <p:sp>
+        <p:nvSpPr>
+          <p:cNvPr id="25" name="矩形 24"/>
           <p:cNvSpPr/>
           <p:nvPr/>
         </p:nvSpPr>
         <p:spPr>
           <a:xfrm>
-            <a:off x="3090696" y="1287955"/>
-            <a:ext cx="2962606" cy="1200329"/>
+            <a:off x="283464" y="286512"/>
+            <a:ext cx="155448" cy="457200"/>
+          </a:xfrm>
+          <a:prstGeom prst="rect">
+            <a:avLst/>
+          </a:prstGeom>
+          <a:solidFill>
+            <a:srgbClr val="FC611F"/>
+          </a:solidFill>
+          <a:ln>
+            <a:noFill/>
+          </a:ln>
+        </p:spPr>
+        <p:style>
+          <a:lnRef idx="2">
+            <a:schemeClr val="accent1">
+              <a:shade val="50000"/>
+            </a:schemeClr>
+          </a:lnRef>
+          <a:fillRef idx="1">
+            <a:schemeClr val="accent1"/>
+          </a:fillRef>
+          <a:effectRef idx="0">
+            <a:schemeClr val="accent1"/>
+          </a:effectRef>
+          <a:fontRef idx="minor">
+            <a:schemeClr val="lt1"/>
+          </a:fontRef>
+        </p:style>
+        <p:txBody>
+          <a:bodyPr rtlCol="0" anchor="ctr"/>
+          <a:lstStyle/>
+          <a:p>
+            <a:pPr algn="ctr"/>
+            <a:endParaRPr lang="zh-CN" altLang="en-US"/>
+          </a:p>
+        </p:txBody>
+      </p:sp>
+      <p:cxnSp>
+        <p:nvCxnSpPr>
+          <p:cNvPr id="26" name="直接连接符 25"/>
+          <p:cNvCxnSpPr/>
+          <p:nvPr/>
+        </p:nvCxnSpPr>
+        <p:spPr>
+          <a:xfrm>
+            <a:off x="502920" y="286512"/>
+            <a:ext cx="0" cy="457200"/>
+          </a:xfrm>
+          <a:prstGeom prst="line">
+            <a:avLst/>
+          </a:prstGeom>
+          <a:ln w="38100">
+            <a:solidFill>
+              <a:srgbClr val="FC611F"/>
+            </a:solidFill>
+          </a:ln>
+        </p:spPr>
+        <p:style>
+          <a:lnRef idx="1">
+            <a:schemeClr val="accent1"/>
+          </a:lnRef>
+          <a:fillRef idx="0">
+            <a:schemeClr val="accent1"/>
+          </a:fillRef>
+          <a:effectRef idx="0">
+            <a:schemeClr val="accent1"/>
+          </a:effectRef>
+          <a:fontRef idx="minor">
+            <a:schemeClr val="tx1"/>
+          </a:fontRef>
+        </p:style>
+      </p:cxnSp>
+      <p:sp>
+        <p:nvSpPr>
+          <p:cNvPr id="27" name="矩形 26"/>
+          <p:cNvSpPr/>
+          <p:nvPr/>
+        </p:nvSpPr>
+        <p:spPr>
+          <a:xfrm>
+            <a:off x="486815" y="203552"/>
+            <a:ext cx="1555234" cy="400110"/>
           </a:xfrm>
           <a:prstGeom prst="rect">
             <a:avLst/>
@@ -15278,67 +14181,83 @@
           <a:p>
             <a:pPr algn="ctr"/>
             <a:r>
-              <a:rPr lang="en-US" altLang="zh-CN" sz="7200" b="1" dirty="0" smtClean="0">
+              <a:rPr lang="en-US" altLang="zh-CN" sz="2000" b="1" dirty="0" smtClean="0">
                 <a:solidFill>
-                  <a:srgbClr val="1C2B38"/>
+                  <a:srgbClr val="FC611F"/>
                 </a:solidFill>
-                <a:latin typeface="+mj-lt"/>
-                <a:ea typeface="Arial Unicode MS" pitchFamily="34" charset="-122"/>
-                <a:cs typeface="Arial Unicode MS" pitchFamily="34" charset="-122"/>
+                <a:latin typeface="Arial Unicode MS" panose="020B0604020202020204" pitchFamily="34" charset="-122"/>
+                <a:ea typeface="Arial Unicode MS" panose="020B0604020202020204" pitchFamily="34" charset="-122"/>
+                <a:cs typeface="Arial Unicode MS" panose="020B0604020202020204" pitchFamily="34" charset="-122"/>
               </a:rPr>
-              <a:t>Review</a:t>
+              <a:t>Oracle’s log</a:t>
             </a:r>
-            <a:endParaRPr lang="zh-CN" altLang="en-US" sz="1200" dirty="0">
-              <a:solidFill>
-                <a:srgbClr val="1C2B38"/>
-              </a:solidFill>
-              <a:latin typeface="Arial Unicode MS" pitchFamily="34" charset="-122"/>
-              <a:ea typeface="Arial Unicode MS" pitchFamily="34" charset="-122"/>
-              <a:cs typeface="Arial Unicode MS" pitchFamily="34" charset="-122"/>
-            </a:endParaRPr>
           </a:p>
         </p:txBody>
       </p:sp>
-      <p:sp>
-        <p:nvSpPr>
-          <p:cNvPr id="41" name="矩形 40"/>
-          <p:cNvSpPr/>
+      <p:pic>
+        <p:nvPicPr>
+          <p:cNvPr id="3" name="Picture 2"/>
+          <p:cNvPicPr>
+            <a:picLocks noChangeAspect="1"/>
+          </p:cNvPicPr>
           <p:nvPr/>
-        </p:nvSpPr>
+        </p:nvPicPr>
+        <p:blipFill>
+          <a:blip r:embed="rId2">
+            <a:extLst>
+              <a:ext uri="{28A0092B-C50C-407E-A947-70E740481C1C}">
+                <a14:useLocalDpi xmlns:a14="http://schemas.microsoft.com/office/drawing/2010/main" val="0"/>
+              </a:ext>
+            </a:extLst>
+          </a:blip>
+          <a:stretch>
+            <a:fillRect/>
+          </a:stretch>
+        </p:blipFill>
         <p:spPr>
           <a:xfrm>
-            <a:off x="3861906" y="3911446"/>
-            <a:ext cx="1420196" cy="584775"/>
+            <a:off x="5113550" y="1128791"/>
+            <a:ext cx="4022218" cy="3338278"/>
           </a:xfrm>
           <a:prstGeom prst="rect">
             <a:avLst/>
           </a:prstGeom>
         </p:spPr>
-        <p:txBody>
-          <a:bodyPr wrap="none">
-            <a:spAutoFit/>
-          </a:bodyPr>
-          <a:lstStyle/>
-          <a:p>
-            <a:pPr algn="ctr"/>
-            <a:r>
-              <a:rPr lang="en-US" altLang="zh-CN" sz="3200" b="1" dirty="0" smtClean="0">
-                <a:solidFill>
-                  <a:srgbClr val="1C2B38"/>
-                </a:solidFill>
-                <a:latin typeface="+mj-lt"/>
-                <a:ea typeface="Arial Unicode MS" pitchFamily="34" charset="-122"/>
-                <a:cs typeface="Arial Unicode MS" pitchFamily="34" charset="-122"/>
-              </a:rPr>
-              <a:t>Review</a:t>
-            </a:r>
-          </a:p>
-        </p:txBody>
-      </p:sp>
+      </p:pic>
+      <p:pic>
+        <p:nvPicPr>
+          <p:cNvPr id="4" name="Picture 3"/>
+          <p:cNvPicPr>
+            <a:picLocks noChangeAspect="1"/>
+          </p:cNvPicPr>
+          <p:nvPr/>
+        </p:nvPicPr>
+        <p:blipFill>
+          <a:blip r:embed="rId3">
+            <a:extLst>
+              <a:ext uri="{28A0092B-C50C-407E-A947-70E740481C1C}">
+                <a14:useLocalDpi xmlns:a14="http://schemas.microsoft.com/office/drawing/2010/main" val="0"/>
+              </a:ext>
+            </a:extLst>
+          </a:blip>
+          <a:stretch>
+            <a:fillRect/>
+          </a:stretch>
+        </p:blipFill>
+        <p:spPr>
+          <a:xfrm>
+            <a:off x="10744" y="1128791"/>
+            <a:ext cx="5115308" cy="3338278"/>
+          </a:xfrm>
+          <a:prstGeom prst="rect">
+            <a:avLst/>
+          </a:prstGeom>
+        </p:spPr>
+      </p:pic>
     </p:spTree>
     <p:extLst>
       <p:ext uri="{BB962C8B-B14F-4D97-AF65-F5344CB8AC3E}">
-        <p14:creationId xmlns:p14="http://schemas.microsoft.com/office/powerpoint/2010/main" val="1381242771"/>
+        <p14:creationId xmlns:p14="http://schemas.microsoft.com/office/powerpoint/2010/main" val="4096012285"/>
       </p:ext>
     </p:extLst>
   </p:cSld>
@@ -15485,8 +14404,8 @@
         </p:nvSpPr>
         <p:spPr>
           <a:xfrm>
-            <a:off x="483999" y="203552"/>
-            <a:ext cx="1410964" cy="400110"/>
+            <a:off x="510667" y="203552"/>
+            <a:ext cx="1027845" cy="400110"/>
           </a:xfrm>
           <a:prstGeom prst="rect">
             <a:avLst/>
@@ -15508,20 +14427,20 @@
                 <a:ea typeface="Arial Unicode MS" panose="020B0604020202020204" pitchFamily="34" charset="-122"/>
                 <a:cs typeface="Arial Unicode MS" panose="020B0604020202020204" pitchFamily="34" charset="-122"/>
               </a:rPr>
-              <a:t>Zookeeper</a:t>
+              <a:t>Review</a:t>
             </a:r>
           </a:p>
         </p:txBody>
       </p:sp>
       <p:pic>
         <p:nvPicPr>
-          <p:cNvPr id="6" name="Picture 5"/>
+          <p:cNvPr id="2" name="Picture 1"/>
           <p:cNvPicPr>
             <a:picLocks noChangeAspect="1"/>
           </p:cNvPicPr>
           <p:nvPr/>
         </p:nvPicPr>
-        <p:blipFill rotWithShape="1">
+        <p:blipFill>
           <a:blip r:embed="rId2">
             <a:extLst>
               <a:ext uri="{28A0092B-C50C-407E-A947-70E740481C1C}">
@@ -15529,13 +14448,14 @@
               </a:ext>
             </a:extLst>
           </a:blip>
-          <a:srcRect b="4327"/>
-          <a:stretch/>
+          <a:stretch>
+            <a:fillRect/>
+          </a:stretch>
         </p:blipFill>
         <p:spPr>
           <a:xfrm>
-            <a:off x="483999" y="899544"/>
-            <a:ext cx="8267075" cy="3852338"/>
+            <a:off x="1546258" y="536307"/>
+            <a:ext cx="5614374" cy="4270763"/>
           </a:xfrm>
           <a:prstGeom prst="rect">
             <a:avLst/>
@@ -15545,7 +14465,7 @@
     </p:spTree>
     <p:extLst>
       <p:ext uri="{BB962C8B-B14F-4D97-AF65-F5344CB8AC3E}">
-        <p14:creationId xmlns:p14="http://schemas.microsoft.com/office/powerpoint/2010/main" val="2050081896"/>
+        <p14:creationId xmlns:p14="http://schemas.microsoft.com/office/powerpoint/2010/main" val="2170068530"/>
       </p:ext>
     </p:extLst>
   </p:cSld>
@@ -15692,8 +14612,8 @@
         </p:nvSpPr>
         <p:spPr>
           <a:xfrm>
-            <a:off x="483999" y="203552"/>
-            <a:ext cx="1410964" cy="400110"/>
+            <a:off x="510667" y="203552"/>
+            <a:ext cx="1027845" cy="400110"/>
           </a:xfrm>
           <a:prstGeom prst="rect">
             <a:avLst/>
@@ -15715,14 +14635,14 @@
                 <a:ea typeface="Arial Unicode MS" panose="020B0604020202020204" pitchFamily="34" charset="-122"/>
                 <a:cs typeface="Arial Unicode MS" panose="020B0604020202020204" pitchFamily="34" charset="-122"/>
               </a:rPr>
-              <a:t>Zookeeper</a:t>
+              <a:t>Review</a:t>
             </a:r>
           </a:p>
         </p:txBody>
       </p:sp>
       <p:pic>
         <p:nvPicPr>
-          <p:cNvPr id="5" name="Picture 4"/>
+          <p:cNvPr id="4" name="Picture 3"/>
           <p:cNvPicPr>
             <a:picLocks noChangeAspect="1"/>
           </p:cNvPicPr>
@@ -15742,8 +14662,8 @@
         </p:blipFill>
         <p:spPr>
           <a:xfrm>
-            <a:off x="1124731" y="743712"/>
-            <a:ext cx="6152994" cy="4010285"/>
+            <a:off x="1618938" y="743712"/>
+            <a:ext cx="6242977" cy="4159918"/>
           </a:xfrm>
           <a:prstGeom prst="rect">
             <a:avLst/>
@@ -15753,7 +14673,7 @@
     </p:spTree>
     <p:extLst>
       <p:ext uri="{BB962C8B-B14F-4D97-AF65-F5344CB8AC3E}">
-        <p14:creationId xmlns:p14="http://schemas.microsoft.com/office/powerpoint/2010/main" val="490634651"/>
+        <p14:creationId xmlns:p14="http://schemas.microsoft.com/office/powerpoint/2010/main" val="4046044907"/>
       </p:ext>
     </p:extLst>
   </p:cSld>
@@ -15900,8 +14820,8 @@
         </p:nvSpPr>
         <p:spPr>
           <a:xfrm>
-            <a:off x="486815" y="203552"/>
-            <a:ext cx="1555234" cy="400110"/>
+            <a:off x="510667" y="203552"/>
+            <a:ext cx="1027845" cy="400110"/>
           </a:xfrm>
           <a:prstGeom prst="rect">
             <a:avLst/>
@@ -15923,7 +14843,7 @@
                 <a:ea typeface="Arial Unicode MS" panose="020B0604020202020204" pitchFamily="34" charset="-122"/>
                 <a:cs typeface="Arial Unicode MS" panose="020B0604020202020204" pitchFamily="34" charset="-122"/>
               </a:rPr>
-              <a:t>Oracle’s log</a:t>
+              <a:t>Review</a:t>
             </a:r>
           </a:p>
         </p:txBody>
@@ -15950,38 +14870,8 @@
         </p:blipFill>
         <p:spPr>
           <a:xfrm>
-            <a:off x="5113550" y="1128791"/>
-            <a:ext cx="4022218" cy="3338278"/>
-          </a:xfrm>
-          <a:prstGeom prst="rect">
-            <a:avLst/>
-          </a:prstGeom>
-        </p:spPr>
-      </p:pic>
-      <p:pic>
-        <p:nvPicPr>
-          <p:cNvPr id="4" name="Picture 3"/>
-          <p:cNvPicPr>
-            <a:picLocks noChangeAspect="1"/>
-          </p:cNvPicPr>
-          <p:nvPr/>
-        </p:nvPicPr>
-        <p:blipFill>
-          <a:blip r:embed="rId3">
-            <a:extLst>
-              <a:ext uri="{28A0092B-C50C-407E-A947-70E740481C1C}">
-                <a14:useLocalDpi xmlns:a14="http://schemas.microsoft.com/office/drawing/2010/main" val="0"/>
-              </a:ext>
-            </a:extLst>
-          </a:blip>
-          <a:stretch>
-            <a:fillRect/>
-          </a:stretch>
-        </p:blipFill>
-        <p:spPr>
-          <a:xfrm>
-            <a:off x="10744" y="1128791"/>
-            <a:ext cx="5115308" cy="3338278"/>
+            <a:off x="1226504" y="603662"/>
+            <a:ext cx="6148657" cy="4224933"/>
           </a:xfrm>
           <a:prstGeom prst="rect">
             <a:avLst/>
@@ -15991,7 +14881,7 @@
     </p:spTree>
     <p:extLst>
       <p:ext uri="{BB962C8B-B14F-4D97-AF65-F5344CB8AC3E}">
-        <p14:creationId xmlns:p14="http://schemas.microsoft.com/office/powerpoint/2010/main" val="4096012285"/>
+        <p14:creationId xmlns:p14="http://schemas.microsoft.com/office/powerpoint/2010/main" val="2993754326"/>
       </p:ext>
     </p:extLst>
   </p:cSld>
